--- a/DbConf - Złączenia w modelu MapReduce - Lite.pptx
+++ b/DbConf - Złączenia w modelu MapReduce - Lite.pptx
@@ -5,10 +5,10 @@
     <p:sldMasterId id="2147483648" r:id="rId1"/>
   </p:sldMasterIdLst>
   <p:notesMasterIdLst>
-    <p:notesMasterId r:id="rId47"/>
+    <p:notesMasterId r:id="rId49"/>
   </p:notesMasterIdLst>
   <p:handoutMasterIdLst>
-    <p:handoutMasterId r:id="rId48"/>
+    <p:handoutMasterId r:id="rId50"/>
   </p:handoutMasterIdLst>
   <p:sldIdLst>
     <p:sldId id="256" r:id="rId2"/>
@@ -42,20 +42,22 @@
     <p:sldId id="338" r:id="rId30"/>
     <p:sldId id="340" r:id="rId31"/>
     <p:sldId id="339" r:id="rId32"/>
-    <p:sldId id="341" r:id="rId33"/>
-    <p:sldId id="343" r:id="rId34"/>
-    <p:sldId id="356" r:id="rId35"/>
-    <p:sldId id="344" r:id="rId36"/>
-    <p:sldId id="346" r:id="rId37"/>
-    <p:sldId id="369" r:id="rId38"/>
-    <p:sldId id="348" r:id="rId39"/>
-    <p:sldId id="347" r:id="rId40"/>
-    <p:sldId id="364" r:id="rId41"/>
-    <p:sldId id="362" r:id="rId42"/>
-    <p:sldId id="365" r:id="rId43"/>
-    <p:sldId id="285" r:id="rId44"/>
-    <p:sldId id="366" r:id="rId45"/>
-    <p:sldId id="350" r:id="rId46"/>
+    <p:sldId id="364" r:id="rId33"/>
+    <p:sldId id="362" r:id="rId34"/>
+    <p:sldId id="365" r:id="rId35"/>
+    <p:sldId id="285" r:id="rId36"/>
+    <p:sldId id="366" r:id="rId37"/>
+    <p:sldId id="350" r:id="rId38"/>
+    <p:sldId id="372" r:id="rId39"/>
+    <p:sldId id="373" r:id="rId40"/>
+    <p:sldId id="374" r:id="rId41"/>
+    <p:sldId id="375" r:id="rId42"/>
+    <p:sldId id="376" r:id="rId43"/>
+    <p:sldId id="377" r:id="rId44"/>
+    <p:sldId id="378" r:id="rId45"/>
+    <p:sldId id="379" r:id="rId46"/>
+    <p:sldId id="380" r:id="rId47"/>
+    <p:sldId id="381" r:id="rId48"/>
   </p:sldIdLst>
   <p:sldSz cx="12192000" cy="6858000"/>
   <p:notesSz cx="6858000" cy="9144000"/>
@@ -226,6 +228,7 @@
           </a:p>
         </c:rich>
       </c:tx>
+      <c:layout/>
       <c:overlay val="0"/>
       <c:spPr>
         <a:noFill/>
@@ -338,11 +341,11 @@
         </c:dLbls>
         <c:gapWidth val="219"/>
         <c:overlap val="-27"/>
-        <c:axId val="326993640"/>
-        <c:axId val="326997560"/>
+        <c:axId val="188141240"/>
+        <c:axId val="188142024"/>
       </c:barChart>
       <c:catAx>
-        <c:axId val="326993640"/>
+        <c:axId val="188141240"/>
         <c:scaling>
           <c:orientation val="minMax"/>
         </c:scaling>
@@ -374,6 +377,7 @@
               </a:p>
             </c:rich>
           </c:tx>
+          <c:layout/>
           <c:overlay val="0"/>
           <c:spPr>
             <a:noFill/>
@@ -440,7 +444,7 @@
             <a:endParaRPr lang="pl-PL"/>
           </a:p>
         </c:txPr>
-        <c:crossAx val="326997560"/>
+        <c:crossAx val="188142024"/>
         <c:crosses val="autoZero"/>
         <c:auto val="1"/>
         <c:lblAlgn val="ctr"/>
@@ -448,7 +452,7 @@
         <c:noMultiLvlLbl val="0"/>
       </c:catAx>
       <c:valAx>
-        <c:axId val="326997560"/>
+        <c:axId val="188142024"/>
         <c:scaling>
           <c:orientation val="minMax"/>
         </c:scaling>
@@ -504,6 +508,7 @@
               </a:p>
             </c:rich>
           </c:tx>
+          <c:layout/>
           <c:overlay val="0"/>
           <c:spPr>
             <a:noFill/>
@@ -564,7 +569,7 @@
             <a:endParaRPr lang="pl-PL"/>
           </a:p>
         </c:txPr>
-        <c:crossAx val="326993640"/>
+        <c:crossAx val="188141240"/>
         <c:crosses val="autoZero"/>
         <c:crossBetween val="between"/>
       </c:valAx>
@@ -578,6 +583,7 @@
     </c:plotArea>
     <c:legend>
       <c:legendPos val="b"/>
+      <c:layout/>
       <c:overlay val="0"/>
       <c:spPr>
         <a:noFill/>
@@ -689,6 +695,7 @@
           </a:p>
         </c:rich>
       </c:tx>
+      <c:layout/>
       <c:overlay val="0"/>
       <c:spPr>
         <a:noFill/>
@@ -796,11 +803,11 @@
         </c:dLbls>
         <c:gapWidth val="219"/>
         <c:overlap val="-27"/>
-        <c:axId val="326995208"/>
-        <c:axId val="326997168"/>
+        <c:axId val="188143592"/>
+        <c:axId val="188140456"/>
       </c:barChart>
       <c:catAx>
-        <c:axId val="326995208"/>
+        <c:axId val="188143592"/>
         <c:scaling>
           <c:orientation val="minMax"/>
         </c:scaling>
@@ -832,6 +839,7 @@
               </a:p>
             </c:rich>
           </c:tx>
+          <c:layout/>
           <c:overlay val="0"/>
           <c:spPr>
             <a:noFill/>
@@ -898,7 +906,7 @@
             <a:endParaRPr lang="pl-PL"/>
           </a:p>
         </c:txPr>
-        <c:crossAx val="326997168"/>
+        <c:crossAx val="188140456"/>
         <c:crosses val="autoZero"/>
         <c:auto val="1"/>
         <c:lblAlgn val="ctr"/>
@@ -906,7 +914,7 @@
         <c:noMultiLvlLbl val="0"/>
       </c:catAx>
       <c:valAx>
-        <c:axId val="326997168"/>
+        <c:axId val="188140456"/>
         <c:scaling>
           <c:orientation val="minMax"/>
         </c:scaling>
@@ -962,6 +970,7 @@
               </a:p>
             </c:rich>
           </c:tx>
+          <c:layout/>
           <c:overlay val="0"/>
           <c:spPr>
             <a:noFill/>
@@ -1022,7 +1031,7 @@
             <a:endParaRPr lang="pl-PL"/>
           </a:p>
         </c:txPr>
-        <c:crossAx val="326995208"/>
+        <c:crossAx val="188143592"/>
         <c:crosses val="autoZero"/>
         <c:crossBetween val="between"/>
       </c:valAx>
@@ -1036,6 +1045,7 @@
     </c:plotArea>
     <c:legend>
       <c:legendPos val="b"/>
+      <c:layout/>
       <c:overlay val="0"/>
       <c:spPr>
         <a:noFill/>
@@ -2260,7 +2270,7 @@
           <a:p>
             <a:fld id="{59B9AD82-DDF1-4270-ACD9-442D1463AB9D}" type="datetimeFigureOut">
               <a:rPr lang="pl-PL" smtClean="0"/>
-              <a:t>2015-10-21</a:t>
+              <a:t>2015-10-22</a:t>
             </a:fld>
             <a:endParaRPr lang="pl-PL" dirty="0"/>
           </a:p>
@@ -2425,7 +2435,7 @@
           <a:p>
             <a:fld id="{7C3D76BE-27D7-443E-B3DE-A6950B964F01}" type="datetimeFigureOut">
               <a:rPr lang="pl-PL" smtClean="0"/>
-              <a:t>2015-10-21</a:t>
+              <a:t>2015-10-22</a:t>
             </a:fld>
             <a:endParaRPr lang="pl-PL" dirty="0"/>
           </a:p>
@@ -6074,11 +6084,11 @@
           <a:p>
             <a:r>
               <a:rPr lang="pl-PL" dirty="0" smtClean="0"/>
-              <a:t>A do dyspozycji</a:t>
+              <a:t>Po krótce przedstawię</a:t>
             </a:r>
             <a:r>
               <a:rPr lang="pl-PL" baseline="0" dirty="0" smtClean="0"/>
-              <a:t> mamy całą mnogość, od </a:t>
+              <a:t> wykresy wydajności niektórych z algorytmów/</a:t>
             </a:r>
             <a:r>
               <a:rPr lang="pl-PL" baseline="0" dirty="0" err="1" smtClean="0"/>
@@ -6086,23 +6096,23 @@
             </a:r>
             <a:r>
               <a:rPr lang="pl-PL" baseline="0" dirty="0" smtClean="0"/>
-              <a:t> umożliwiających wykonywanie w </a:t>
+              <a:t>. Wydajność rozumiemy jako czas wykonywania zapytania, wraz z latencją klastra. Dane były małe – 1 GB głównej tabeli przeciw 100 MB w drugiej. Nie testowałem algorytmów po stronie fazy Mapowania. Dwa proste przypadki testowe: </a:t>
             </a:r>
             <a:r>
               <a:rPr lang="pl-PL" baseline="0" dirty="0" err="1" smtClean="0"/>
-              <a:t>pseudo-deklaratywnych-podobnych-do-sql</a:t>
+              <a:t>równozłącze</a:t>
             </a:r>
             <a:r>
               <a:rPr lang="pl-PL" baseline="0" dirty="0" smtClean="0"/>
-              <a:t> językach zapytania przez </a:t>
+              <a:t> oraz </a:t>
             </a:r>
             <a:r>
               <a:rPr lang="pl-PL" baseline="0" dirty="0" err="1" smtClean="0"/>
-              <a:t>frameworki</a:t>
+              <a:t>theta</a:t>
             </a:r>
             <a:r>
               <a:rPr lang="pl-PL" baseline="0" dirty="0" smtClean="0"/>
-              <a:t> oferujące proceduralne języki, po te które umieszczają dane w pamięci głównej (patrzę na Spark).</a:t>
+              <a:t>-złącze z użyciem dat.</a:t>
             </a:r>
             <a:endParaRPr lang="pl-PL" dirty="0"/>
           </a:p>
@@ -6134,7 +6144,7 @@
     </p:spTree>
     <p:extLst>
       <p:ext uri="{BB962C8B-B14F-4D97-AF65-F5344CB8AC3E}">
-        <p14:creationId xmlns:p14="http://schemas.microsoft.com/office/powerpoint/2010/main" val="2386697178"/>
+        <p14:creationId xmlns:p14="http://schemas.microsoft.com/office/powerpoint/2010/main" val="732506719"/>
       </p:ext>
     </p:extLst>
   </p:cSld>
@@ -6190,23 +6200,23 @@
           <a:p>
             <a:r>
               <a:rPr lang="pl-PL" dirty="0" smtClean="0"/>
-              <a:t>Jakie </a:t>
+              <a:t>W przypadku </a:t>
             </a:r>
             <a:r>
               <a:rPr lang="pl-PL" dirty="0" err="1" smtClean="0"/>
-              <a:t>jęzki</a:t>
-            </a:r>
-            <a:r>
-              <a:rPr lang="pl-PL" dirty="0" smtClean="0"/>
-              <a:t> w jakim </a:t>
-            </a:r>
-            <a:r>
-              <a:rPr lang="pl-PL" dirty="0" err="1" smtClean="0"/>
-              <a:t>frameworku</a:t>
-            </a:r>
-            <a:r>
-              <a:rPr lang="pl-PL" dirty="0" smtClean="0"/>
-              <a:t>?</a:t>
+              <a:t>równozłączenia</a:t>
+            </a:r>
+            <a:r>
+              <a:rPr lang="pl-PL" dirty="0" smtClean="0"/>
+              <a:t>,</a:t>
+            </a:r>
+            <a:r>
+              <a:rPr lang="pl-PL" baseline="0" dirty="0" smtClean="0"/>
+              <a:t> nie ma co się oszukiwać – najlepszy okazał się </a:t>
+            </a:r>
+            <a:r>
+              <a:rPr lang="pl-PL" baseline="0" dirty="0" err="1" smtClean="0"/>
+              <a:t>Repartition</a:t>
             </a:r>
             <a:r>
               <a:rPr lang="pl-PL" baseline="0" dirty="0" smtClean="0"/>
@@ -6214,76 +6224,37 @@
             </a:r>
             <a:r>
               <a:rPr lang="pl-PL" baseline="0" dirty="0" err="1" smtClean="0"/>
-              <a:t>Hive</a:t>
+              <a:t>Join</a:t>
             </a:r>
             <a:r>
               <a:rPr lang="pl-PL" baseline="0" dirty="0" smtClean="0"/>
-              <a:t> oferuje </a:t>
+              <a:t>. </a:t>
             </a:r>
             <a:r>
               <a:rPr lang="pl-PL" baseline="0" dirty="0" err="1" smtClean="0"/>
-              <a:t>HiveQL</a:t>
+              <a:t>Frameworki</a:t>
             </a:r>
             <a:r>
               <a:rPr lang="pl-PL" baseline="0" dirty="0" smtClean="0"/>
-              <a:t>, prawie SQL, ale czasem łamie deklaratywność języka (np. kolejność kolumn ma znaczenie), </a:t>
+              <a:t> które korzystają z jego implementacji wypadły o 70-100 sekund gorzej. Podejście z równoważeniem obciążenia – gdzieś pomiędzy </a:t>
             </a:r>
             <a:r>
               <a:rPr lang="pl-PL" baseline="0" dirty="0" err="1" smtClean="0"/>
-              <a:t>Drill</a:t>
+              <a:t>Pig’iem</a:t>
             </a:r>
             <a:r>
               <a:rPr lang="pl-PL" baseline="0" dirty="0" smtClean="0"/>
-              <a:t> i </a:t>
+              <a:t> a </a:t>
             </a:r>
             <a:r>
               <a:rPr lang="pl-PL" baseline="0" dirty="0" err="1" smtClean="0"/>
-              <a:t>Tajo</a:t>
-            </a:r>
-            <a:r>
-              <a:rPr lang="pl-PL" baseline="0" dirty="0" smtClean="0"/>
-              <a:t> oferują też odmiany SQL. Spark ostatnio zrezygnował z </a:t>
-            </a:r>
-            <a:r>
-              <a:rPr lang="pl-PL" baseline="0" dirty="0" err="1" smtClean="0"/>
-              <a:t>frameworka</a:t>
-            </a:r>
-            <a:r>
-              <a:rPr lang="pl-PL" baseline="0" dirty="0" smtClean="0"/>
-              <a:t> </a:t>
-            </a:r>
-            <a:r>
-              <a:rPr lang="pl-PL" baseline="0" dirty="0" err="1" smtClean="0"/>
-              <a:t>Shark</a:t>
-            </a:r>
-            <a:r>
-              <a:rPr lang="pl-PL" baseline="0" dirty="0" smtClean="0"/>
-              <a:t> i przeszedł na swój język Spark SQL. Ciekawostka w </a:t>
-            </a:r>
-            <a:r>
-              <a:rPr lang="pl-PL" baseline="0" dirty="0" err="1" smtClean="0"/>
-              <a:t>Pig</a:t>
-            </a:r>
-            <a:r>
-              <a:rPr lang="pl-PL" baseline="0" dirty="0" smtClean="0"/>
-              <a:t> zaproponowano proceduralny język, programista definiuje program za pomocą wysokopoziomowych kroków. Wszystkie </a:t>
-            </a:r>
-            <a:r>
-              <a:rPr lang="pl-PL" baseline="0" dirty="0" err="1" smtClean="0"/>
-              <a:t>frameworki</a:t>
-            </a:r>
-            <a:r>
-              <a:rPr lang="pl-PL" baseline="0" dirty="0" smtClean="0"/>
-              <a:t> umożliwiają narzucenie struktury na dane, co znacząco ułatwia operowanie na klastrze </a:t>
-            </a:r>
-            <a:r>
-              <a:rPr lang="pl-PL" baseline="0" dirty="0" err="1" smtClean="0"/>
-              <a:t>MapReduce</a:t>
+              <a:t>Hive’em</a:t>
             </a:r>
             <a:r>
               <a:rPr lang="pl-PL" baseline="0" dirty="0" smtClean="0"/>
               <a:t>.</a:t>
             </a:r>
+            <a:endParaRPr lang="pl-PL" dirty="0"/>
           </a:p>
         </p:txBody>
       </p:sp>
@@ -6313,7 +6284,7 @@
     </p:spTree>
     <p:extLst>
       <p:ext uri="{BB962C8B-B14F-4D97-AF65-F5344CB8AC3E}">
-        <p14:creationId xmlns:p14="http://schemas.microsoft.com/office/powerpoint/2010/main" val="205046974"/>
+        <p14:creationId xmlns:p14="http://schemas.microsoft.com/office/powerpoint/2010/main" val="540666730"/>
       </p:ext>
     </p:extLst>
   </p:cSld>
@@ -6369,43 +6340,23 @@
           <a:p>
             <a:r>
               <a:rPr lang="pl-PL" dirty="0" smtClean="0"/>
-              <a:t>Ze wszystkich </a:t>
+              <a:t>W przypadku </a:t>
             </a:r>
             <a:r>
               <a:rPr lang="pl-PL" dirty="0" err="1" smtClean="0"/>
-              <a:t>framework’ów</a:t>
-            </a:r>
-            <a:r>
-              <a:rPr lang="pl-PL" dirty="0" smtClean="0"/>
-              <a:t> najczęściej</a:t>
+              <a:t>theta</a:t>
             </a:r>
             <a:r>
               <a:rPr lang="pl-PL" baseline="0" dirty="0" smtClean="0"/>
-              <a:t> wykorzystywany jest chyba </a:t>
+              <a:t> złączenia, podejście z równoważeniem obciążenia  wypadło najlepiej. Około 20 sekund przewagi (kosztem czasu pisania kodu). </a:t>
             </a:r>
             <a:r>
               <a:rPr lang="pl-PL" baseline="0" dirty="0" err="1" smtClean="0"/>
-              <a:t>Hive</a:t>
+              <a:t>Pig</a:t>
             </a:r>
             <a:r>
               <a:rPr lang="pl-PL" baseline="0" dirty="0" smtClean="0"/>
-              <a:t> ze względu na swoją elastyczność i podobieństwo z języka z </a:t>
-            </a:r>
-            <a:r>
-              <a:rPr lang="pl-PL" baseline="0" dirty="0" err="1" smtClean="0"/>
-              <a:t>SQL’em</a:t>
-            </a:r>
-            <a:r>
-              <a:rPr lang="pl-PL" baseline="0" dirty="0" smtClean="0"/>
-              <a:t>. Na slajdzie widać DDL dla ciekawej struktury – tabeli zewnętrznej – wykonanie takiej DDL, spowoduje że utworzona zostanie logiczna tabela do której można kierować zapytania, a wszystkie dane są pobierane z CSV oddzielanej znakiem ‚|’. Co ciekawe tabelę zewnętrzną podpinamy pod folder, tak więc ładowanie tabeli to po prostu operacja kopiowania w ramach systemu plików, a nie </a:t>
-            </a:r>
-            <a:r>
-              <a:rPr lang="pl-PL" baseline="0" dirty="0" err="1" smtClean="0"/>
-              <a:t>frameworka</a:t>
-            </a:r>
-            <a:r>
-              <a:rPr lang="pl-PL" baseline="0" dirty="0" smtClean="0"/>
-              <a:t>.</a:t>
+              <a:t> został daleko w tyle.</a:t>
             </a:r>
             <a:endParaRPr lang="pl-PL" dirty="0"/>
           </a:p>
@@ -6437,7 +6388,7 @@
     </p:spTree>
     <p:extLst>
       <p:ext uri="{BB962C8B-B14F-4D97-AF65-F5344CB8AC3E}">
-        <p14:creationId xmlns:p14="http://schemas.microsoft.com/office/powerpoint/2010/main" val="103916849"/>
+        <p14:creationId xmlns:p14="http://schemas.microsoft.com/office/powerpoint/2010/main" val="2335369823"/>
       </p:ext>
     </p:extLst>
   </p:cSld>
@@ -6493,11 +6444,35 @@
           <a:p>
             <a:r>
               <a:rPr lang="pl-PL" dirty="0" smtClean="0"/>
-              <a:t>Zapytania</a:t>
+              <a:t>Podsumowując,</a:t>
             </a:r>
             <a:r>
               <a:rPr lang="pl-PL" baseline="0" dirty="0" smtClean="0"/>
-              <a:t> formułowane są za pomocą wyrażenia SELECT FROM WHERE z możliwości GROUP BY i HAVING – myślę że nie wymaga to komentarza</a:t>
+              <a:t> różnice w moim mniemaniu nie są na tyle istotne żeby rezygnować z wygody wyrażania zapytań jakie dają nam </a:t>
+            </a:r>
+            <a:r>
+              <a:rPr lang="pl-PL" baseline="0" dirty="0" err="1" smtClean="0"/>
+              <a:t>frameworki</a:t>
+            </a:r>
+            <a:r>
+              <a:rPr lang="pl-PL" baseline="0" dirty="0" smtClean="0"/>
+              <a:t>. I to raczej z nich powinniśmy korzystać, pomimo tego że dla wolumenów 1000 razy większy różnica czasów wzrośnie nam przynajmniej 1000 krotnie (zakładając liniowość) i zamiast 1,5 minuty będziemy czekać 25 godzin dłużej. Przede wszystkim, na przykładzie złączeń (</a:t>
+            </a:r>
+            <a:r>
+              <a:rPr lang="pl-PL" baseline="0" dirty="0" err="1" smtClean="0"/>
+              <a:t>theta</a:t>
+            </a:r>
+            <a:r>
+              <a:rPr lang="pl-PL" baseline="0" dirty="0" smtClean="0"/>
+              <a:t>) widać że systemy Map </a:t>
+            </a:r>
+            <a:r>
+              <a:rPr lang="pl-PL" baseline="0" dirty="0" err="1" smtClean="0"/>
+              <a:t>Reduce</a:t>
+            </a:r>
+            <a:r>
+              <a:rPr lang="pl-PL" baseline="0" dirty="0" smtClean="0"/>
+              <a:t> nie są kompletne obliczeniowo i nie powinniśmy korzystać z nich na zasadzie złotego młota, który Big Data. Są inne modele programistyczne np. PACT w którym fazy mogą się przeplatać i obok faz MAP i REDUCE istnieje też CROSS, który wykonuje izolowane porównanie każdy-z-każdym</a:t>
             </a:r>
             <a:endParaRPr lang="pl-PL" dirty="0"/>
           </a:p>
@@ -6529,7 +6504,7 @@
     </p:spTree>
     <p:extLst>
       <p:ext uri="{BB962C8B-B14F-4D97-AF65-F5344CB8AC3E}">
-        <p14:creationId xmlns:p14="http://schemas.microsoft.com/office/powerpoint/2010/main" val="2274627225"/>
+        <p14:creationId xmlns:p14="http://schemas.microsoft.com/office/powerpoint/2010/main" val="3162872206"/>
       </p:ext>
     </p:extLst>
   </p:cSld>
@@ -6585,85 +6560,53 @@
           <a:p>
             <a:r>
               <a:rPr lang="pl-PL" dirty="0" smtClean="0"/>
-              <a:t>Więc pytanie</a:t>
+              <a:t>Polecam materiały. W</a:t>
             </a:r>
             <a:r>
               <a:rPr lang="pl-PL" baseline="0" dirty="0" smtClean="0"/>
-              <a:t> – co </a:t>
+              <a:t> szczególności </a:t>
             </a:r>
             <a:r>
               <a:rPr lang="pl-PL" baseline="0" dirty="0" err="1" smtClean="0"/>
-              <a:t>Hive</a:t>
+              <a:t>książke</a:t>
             </a:r>
             <a:r>
               <a:rPr lang="pl-PL" baseline="0" dirty="0" smtClean="0"/>
-              <a:t> potrafi policzyć.</a:t>
-            </a:r>
-          </a:p>
-          <a:p>
+              <a:t> </a:t>
+            </a:r>
+            <a:r>
+              <a:rPr lang="pl-PL" baseline="0" dirty="0" err="1" smtClean="0"/>
+              <a:t>Tom’a</a:t>
+            </a:r>
             <a:r>
               <a:rPr lang="pl-PL" baseline="0" dirty="0" smtClean="0"/>
-              <a:t>Ano mamy do dyspozycji trzy klauzule JOIN.</a:t>
-            </a:r>
-          </a:p>
-          <a:p>
-            <a:pPr marL="228600" indent="-228600">
-              <a:buAutoNum type="arabicPeriod"/>
-            </a:pPr>
+              <a:t> </a:t>
+            </a:r>
+            <a:r>
+              <a:rPr lang="pl-PL" baseline="0" dirty="0" err="1" smtClean="0"/>
+              <a:t>White’a</a:t>
+            </a:r>
             <a:r>
               <a:rPr lang="pl-PL" baseline="0" dirty="0" smtClean="0"/>
-              <a:t>Załączenie wewnętrzne JOIN</a:t>
-            </a:r>
-          </a:p>
-          <a:p>
-            <a:pPr marL="228600" indent="-228600">
-              <a:buAutoNum type="arabicPeriod"/>
-            </a:pPr>
+              <a:t> oraz kursy na </a:t>
+            </a:r>
+            <a:r>
+              <a:rPr lang="pl-PL" baseline="0" dirty="0" err="1" smtClean="0"/>
+              <a:t>MapR</a:t>
+            </a:r>
             <a:r>
               <a:rPr lang="pl-PL" baseline="0" dirty="0" smtClean="0"/>
-              <a:t>Lewe prawe pełne złączenie zewnętrzne</a:t>
-            </a:r>
-          </a:p>
-          <a:p>
-            <a:pPr marL="228600" indent="-228600">
-              <a:buAutoNum type="arabicPeriod"/>
-            </a:pPr>
+              <a:t> </a:t>
+            </a:r>
+            <a:r>
+              <a:rPr lang="pl-PL" baseline="0" dirty="0" err="1" smtClean="0"/>
+              <a:t>Academy</a:t>
+            </a:r>
             <a:r>
               <a:rPr lang="pl-PL" baseline="0" dirty="0" smtClean="0"/>
-              <a:t>Produkt kartezjański</a:t>
-            </a:r>
-          </a:p>
-          <a:p>
-            <a:pPr marL="0" indent="0">
-              <a:buNone/>
-            </a:pPr>
-            <a:r>
-              <a:rPr lang="pl-PL" baseline="0" dirty="0" smtClean="0"/>
-              <a:t>Wszystkie warunki w złączeniach muszą mieć warunek równościowy – nie obowiązuje to w klauzuli WHERE, więc można zrobić CROSS JOIN, po czym wykonać selekcje, ale i tak zostanie wyliczony produkt kartezjański.</a:t>
-            </a:r>
-          </a:p>
-          <a:p>
-            <a:pPr marL="0" indent="0">
-              <a:buNone/>
-            </a:pPr>
-            <a:endParaRPr lang="pl-PL" baseline="0" dirty="0" smtClean="0"/>
-          </a:p>
-          <a:p>
-            <a:pPr marL="0" indent="0">
-              <a:buNone/>
-            </a:pPr>
-            <a:r>
-              <a:rPr lang="pl-PL" baseline="0" dirty="0" smtClean="0"/>
-              <a:t>Dodatkowo istnieje optymalizacja predykatu IN w oparciu o </a:t>
-            </a:r>
-            <a:r>
-              <a:rPr lang="pl-PL" baseline="0" dirty="0" err="1" smtClean="0"/>
-              <a:t>półzłącze</a:t>
-            </a:r>
-            <a:r>
-              <a:rPr lang="pl-PL" baseline="0" dirty="0" smtClean="0"/>
-              <a:t> –tutaj jest to pozycja numer 3. Pamiętajmy że tu SEMI JOIN jest traktowany jako operacja algebry relacji, a nie jako algorytm o którym mówiliśmy wcześniej.</a:t>
-            </a:r>
+              <a:t> – nowa wersja strony uruchomiona w październiku.</a:t>
+            </a:r>
+            <a:endParaRPr lang="pl-PL" dirty="0"/>
           </a:p>
         </p:txBody>
       </p:sp>
@@ -6693,7 +6636,7 @@
     </p:spTree>
     <p:extLst>
       <p:ext uri="{BB962C8B-B14F-4D97-AF65-F5344CB8AC3E}">
-        <p14:creationId xmlns:p14="http://schemas.microsoft.com/office/powerpoint/2010/main" val="691284281"/>
+        <p14:creationId xmlns:p14="http://schemas.microsoft.com/office/powerpoint/2010/main" val="2995400012"/>
       </p:ext>
     </p:extLst>
   </p:cSld>
@@ -6749,21 +6692,13 @@
           <a:p>
             <a:r>
               <a:rPr lang="pl-PL" dirty="0" smtClean="0"/>
-              <a:t>Przykład</a:t>
-            </a:r>
-            <a:r>
-              <a:rPr lang="pl-PL" baseline="0" dirty="0" smtClean="0"/>
-              <a:t> wykonania </a:t>
-            </a:r>
-            <a:r>
-              <a:rPr lang="pl-PL" baseline="0" dirty="0" err="1" smtClean="0"/>
-              <a:t>Theta</a:t>
-            </a:r>
-            <a:r>
-              <a:rPr lang="pl-PL" baseline="0" dirty="0" smtClean="0"/>
-              <a:t> złączenia w HIVE</a:t>
-            </a:r>
-            <a:endParaRPr lang="pl-PL" dirty="0"/>
+              <a:t>Dziękuje za uwagę, to </a:t>
+            </a:r>
+            <a:r>
+              <a:rPr lang="pl-PL" smtClean="0"/>
+              <a:t>był zaszczyt.</a:t>
+            </a:r>
+            <a:endParaRPr lang="pl-PL"/>
           </a:p>
         </p:txBody>
       </p:sp>
@@ -6793,7 +6728,7 @@
     </p:spTree>
     <p:extLst>
       <p:ext uri="{BB962C8B-B14F-4D97-AF65-F5344CB8AC3E}">
-        <p14:creationId xmlns:p14="http://schemas.microsoft.com/office/powerpoint/2010/main" val="3245616413"/>
+        <p14:creationId xmlns:p14="http://schemas.microsoft.com/office/powerpoint/2010/main" val="1455165813"/>
       </p:ext>
     </p:extLst>
   </p:cSld>
@@ -6849,68 +6784,13 @@
           <a:p>
             <a:r>
               <a:rPr lang="pl-PL" dirty="0" smtClean="0"/>
-              <a:t>Gdy</a:t>
-            </a:r>
-            <a:r>
-              <a:rPr lang="pl-PL" baseline="0" dirty="0" smtClean="0"/>
-              <a:t> wykonujemy złączenie możemy podpowiedzieć (de facto </a:t>
-            </a:r>
-            <a:r>
-              <a:rPr lang="pl-PL" baseline="0" dirty="0" err="1" smtClean="0"/>
-              <a:t>Hive</a:t>
-            </a:r>
-            <a:r>
-              <a:rPr lang="pl-PL" baseline="0" dirty="0" smtClean="0"/>
-              <a:t> sam to robi) co nieco </a:t>
-            </a:r>
-            <a:r>
-              <a:rPr lang="pl-PL" baseline="0" dirty="0" err="1" smtClean="0"/>
-              <a:t>Hive’owi</a:t>
-            </a:r>
-            <a:r>
-              <a:rPr lang="pl-PL" baseline="0" dirty="0" smtClean="0"/>
-              <a:t>. Używając adnotacji STREAMTABLE możemy wskazać która tabela w </a:t>
-            </a:r>
-            <a:r>
-              <a:rPr lang="pl-PL" baseline="0" dirty="0" err="1" smtClean="0"/>
-              <a:t>Improved</a:t>
-            </a:r>
-            <a:r>
-              <a:rPr lang="pl-PL" baseline="0" dirty="0" smtClean="0"/>
-              <a:t> </a:t>
-            </a:r>
-            <a:r>
-              <a:rPr lang="pl-PL" baseline="0" dirty="0" err="1" smtClean="0"/>
-              <a:t>Repartition</a:t>
-            </a:r>
-            <a:r>
-              <a:rPr lang="pl-PL" baseline="0" dirty="0" smtClean="0"/>
-              <a:t> </a:t>
-            </a:r>
-            <a:r>
-              <a:rPr lang="pl-PL" baseline="0" dirty="0" err="1" smtClean="0"/>
-              <a:t>Join</a:t>
-            </a:r>
-            <a:r>
-              <a:rPr lang="pl-PL" baseline="0" dirty="0" smtClean="0"/>
-              <a:t> ma być strumieniowana (domyślnie ostatni alias). Druga podpowiedź dotyczy wykonania złączenia po stronie </a:t>
-            </a:r>
-            <a:r>
-              <a:rPr lang="pl-PL" baseline="0" dirty="0" err="1" smtClean="0"/>
-              <a:t>Mappera</a:t>
-            </a:r>
-            <a:r>
-              <a:rPr lang="pl-PL" baseline="0" dirty="0" smtClean="0"/>
-              <a:t> za pomocą MAPJOIN, ale istnieje szereg warunków które zabrania użycia tej adnotacji – nie znam tych warunków. W zasadzie tyle jeśli chodzi o wykonywanie złączeń w </a:t>
-            </a:r>
-            <a:r>
-              <a:rPr lang="pl-PL" baseline="0" dirty="0" err="1" smtClean="0"/>
-              <a:t>Hive</a:t>
-            </a:r>
-            <a:r>
-              <a:rPr lang="pl-PL" baseline="0" dirty="0" smtClean="0"/>
-              <a:t> </a:t>
-            </a:r>
+              <a:t>Dziękuje za uwagę, to </a:t>
+            </a:r>
+            <a:r>
+              <a:rPr lang="pl-PL" smtClean="0"/>
+              <a:t>był zaszczyt.</a:t>
+            </a:r>
+            <a:endParaRPr lang="pl-PL"/>
           </a:p>
         </p:txBody>
       </p:sp>
@@ -6940,7 +6820,7 @@
     </p:spTree>
     <p:extLst>
       <p:ext uri="{BB962C8B-B14F-4D97-AF65-F5344CB8AC3E}">
-        <p14:creationId xmlns:p14="http://schemas.microsoft.com/office/powerpoint/2010/main" val="2524094866"/>
+        <p14:creationId xmlns:p14="http://schemas.microsoft.com/office/powerpoint/2010/main" val="784200866"/>
       </p:ext>
     </p:extLst>
   </p:cSld>
@@ -6996,19 +6876,35 @@
           <a:p>
             <a:r>
               <a:rPr lang="pl-PL" dirty="0" smtClean="0"/>
-              <a:t>W ramach ciekawostki przytoczę</a:t>
+              <a:t>A do dyspozycji</a:t>
             </a:r>
             <a:r>
               <a:rPr lang="pl-PL" baseline="0" dirty="0" smtClean="0"/>
-              <a:t> cytat, dlaczego </a:t>
+              <a:t> mamy całą mnogość, od </a:t>
             </a:r>
             <a:r>
               <a:rPr lang="pl-PL" baseline="0" dirty="0" err="1" smtClean="0"/>
-              <a:t>Hive</a:t>
+              <a:t>frameworków</a:t>
             </a:r>
             <a:r>
               <a:rPr lang="pl-PL" baseline="0" dirty="0" smtClean="0"/>
-              <a:t> nie wspiera warunków nierównościowych. Cieszy mnie że ktoś twierdzi że można takie warunki wyrazić.</a:t>
+              <a:t> umożliwiających wykonywanie w </a:t>
+            </a:r>
+            <a:r>
+              <a:rPr lang="pl-PL" baseline="0" dirty="0" err="1" smtClean="0"/>
+              <a:t>pseudo-deklaratywnych-podobnych-do-sql</a:t>
+            </a:r>
+            <a:r>
+              <a:rPr lang="pl-PL" baseline="0" dirty="0" smtClean="0"/>
+              <a:t> językach zapytania przez </a:t>
+            </a:r>
+            <a:r>
+              <a:rPr lang="pl-PL" baseline="0" dirty="0" err="1" smtClean="0"/>
+              <a:t>frameworki</a:t>
+            </a:r>
+            <a:r>
+              <a:rPr lang="pl-PL" baseline="0" dirty="0" smtClean="0"/>
+              <a:t> oferujące proceduralne języki, po te które umieszczają dane w pamięci głównej (patrzę na Spark).</a:t>
             </a:r>
             <a:endParaRPr lang="pl-PL" dirty="0"/>
           </a:p>
@@ -7040,7 +6936,7 @@
     </p:spTree>
     <p:extLst>
       <p:ext uri="{BB962C8B-B14F-4D97-AF65-F5344CB8AC3E}">
-        <p14:creationId xmlns:p14="http://schemas.microsoft.com/office/powerpoint/2010/main" val="1771561585"/>
+        <p14:creationId xmlns:p14="http://schemas.microsoft.com/office/powerpoint/2010/main" val="1349432944"/>
       </p:ext>
     </p:extLst>
   </p:cSld>
@@ -7260,37 +7156,100 @@
           <a:p>
             <a:r>
               <a:rPr lang="pl-PL" dirty="0" smtClean="0"/>
-              <a:t>Po krótce przedstawię</a:t>
+              <a:t>Jakie </a:t>
+            </a:r>
+            <a:r>
+              <a:rPr lang="pl-PL" dirty="0" err="1" smtClean="0"/>
+              <a:t>jęzki</a:t>
+            </a:r>
+            <a:r>
+              <a:rPr lang="pl-PL" dirty="0" smtClean="0"/>
+              <a:t> w jakim </a:t>
+            </a:r>
+            <a:r>
+              <a:rPr lang="pl-PL" dirty="0" err="1" smtClean="0"/>
+              <a:t>frameworku</a:t>
+            </a:r>
+            <a:r>
+              <a:rPr lang="pl-PL" dirty="0" smtClean="0"/>
+              <a:t>?</a:t>
             </a:r>
             <a:r>
               <a:rPr lang="pl-PL" baseline="0" dirty="0" smtClean="0"/>
-              <a:t> wykresy wydajności niektórych z algorytmów/</a:t>
+              <a:t> </a:t>
             </a:r>
             <a:r>
               <a:rPr lang="pl-PL" baseline="0" dirty="0" err="1" smtClean="0"/>
-              <a:t>frameworków</a:t>
+              <a:t>Hive</a:t>
             </a:r>
             <a:r>
               <a:rPr lang="pl-PL" baseline="0" dirty="0" smtClean="0"/>
-              <a:t>. Wydajność rozumiemy jako czas wykonywania zapytania, wraz z latencją klastra. Dane były małe – 1 GB głównej tabeli przeciw 100 MB w drugiej. Nie testowałem algorytmów po stronie fazy Mapowania. Dwa proste przypadki testowe: </a:t>
+              <a:t> oferuje </a:t>
             </a:r>
             <a:r>
               <a:rPr lang="pl-PL" baseline="0" dirty="0" err="1" smtClean="0"/>
-              <a:t>równozłącze</a:t>
+              <a:t>HiveQL</a:t>
             </a:r>
             <a:r>
               <a:rPr lang="pl-PL" baseline="0" dirty="0" smtClean="0"/>
-              <a:t> oraz </a:t>
+              <a:t>, prawie SQL, ale czasem łamie deklaratywność języka (np. kolejność kolumn ma znaczenie), </a:t>
             </a:r>
             <a:r>
               <a:rPr lang="pl-PL" baseline="0" dirty="0" err="1" smtClean="0"/>
-              <a:t>theta</a:t>
+              <a:t>Drill</a:t>
             </a:r>
             <a:r>
               <a:rPr lang="pl-PL" baseline="0" dirty="0" smtClean="0"/>
-              <a:t>-złącze z użyciem dat.</a:t>
-            </a:r>
-            <a:endParaRPr lang="pl-PL" dirty="0"/>
+              <a:t> i </a:t>
+            </a:r>
+            <a:r>
+              <a:rPr lang="pl-PL" baseline="0" dirty="0" err="1" smtClean="0"/>
+              <a:t>Tajo</a:t>
+            </a:r>
+            <a:r>
+              <a:rPr lang="pl-PL" baseline="0" dirty="0" smtClean="0"/>
+              <a:t> oferują też odmiany SQL. Spark ostatnio zrezygnował z </a:t>
+            </a:r>
+            <a:r>
+              <a:rPr lang="pl-PL" baseline="0" dirty="0" err="1" smtClean="0"/>
+              <a:t>frameworka</a:t>
+            </a:r>
+            <a:r>
+              <a:rPr lang="pl-PL" baseline="0" dirty="0" smtClean="0"/>
+              <a:t> </a:t>
+            </a:r>
+            <a:r>
+              <a:rPr lang="pl-PL" baseline="0" dirty="0" err="1" smtClean="0"/>
+              <a:t>Shark</a:t>
+            </a:r>
+            <a:r>
+              <a:rPr lang="pl-PL" baseline="0" dirty="0" smtClean="0"/>
+              <a:t> i przeszedł na swój język Spark SQL. Ciekawostka w </a:t>
+            </a:r>
+            <a:r>
+              <a:rPr lang="pl-PL" baseline="0" dirty="0" err="1" smtClean="0"/>
+              <a:t>Pig</a:t>
+            </a:r>
+            <a:r>
+              <a:rPr lang="pl-PL" baseline="0" dirty="0" smtClean="0"/>
+              <a:t> zaproponowano proceduralny język, programista definiuje program za pomocą wysokopoziomowych kroków. Wszystkie </a:t>
+            </a:r>
+            <a:r>
+              <a:rPr lang="pl-PL" baseline="0" dirty="0" err="1" smtClean="0"/>
+              <a:t>frameworki</a:t>
+            </a:r>
+            <a:r>
+              <a:rPr lang="pl-PL" baseline="0" dirty="0" smtClean="0"/>
+              <a:t> umożliwiają narzucenie struktury na dane, co znacząco ułatwia operowanie na klastrze </a:t>
+            </a:r>
+            <a:r>
+              <a:rPr lang="pl-PL" baseline="0" dirty="0" err="1" smtClean="0"/>
+              <a:t>MapReduce</a:t>
+            </a:r>
+            <a:r>
+              <a:rPr lang="pl-PL" baseline="0" dirty="0" smtClean="0"/>
+              <a:t>.</a:t>
+            </a:r>
           </a:p>
         </p:txBody>
       </p:sp>
@@ -7320,7 +7279,7 @@
     </p:spTree>
     <p:extLst>
       <p:ext uri="{BB962C8B-B14F-4D97-AF65-F5344CB8AC3E}">
-        <p14:creationId xmlns:p14="http://schemas.microsoft.com/office/powerpoint/2010/main" val="732506719"/>
+        <p14:creationId xmlns:p14="http://schemas.microsoft.com/office/powerpoint/2010/main" val="3274407243"/>
       </p:ext>
     </p:extLst>
   </p:cSld>
@@ -7376,55 +7335,39 @@
           <a:p>
             <a:r>
               <a:rPr lang="pl-PL" dirty="0" smtClean="0"/>
-              <a:t>W przypadku </a:t>
+              <a:t>Ze wszystkich </a:t>
             </a:r>
             <a:r>
               <a:rPr lang="pl-PL" dirty="0" err="1" smtClean="0"/>
-              <a:t>równozłączenia</a:t>
-            </a:r>
-            <a:r>
-              <a:rPr lang="pl-PL" dirty="0" smtClean="0"/>
-              <a:t>,</a:t>
+              <a:t>framework’ów</a:t>
+            </a:r>
+            <a:r>
+              <a:rPr lang="pl-PL" dirty="0" smtClean="0"/>
+              <a:t> najczęściej</a:t>
             </a:r>
             <a:r>
               <a:rPr lang="pl-PL" baseline="0" dirty="0" smtClean="0"/>
-              <a:t> nie ma co się oszukiwać – najlepszy okazał się </a:t>
+              <a:t> wykorzystywany jest chyba </a:t>
             </a:r>
             <a:r>
               <a:rPr lang="pl-PL" baseline="0" dirty="0" err="1" smtClean="0"/>
-              <a:t>Repartition</a:t>
+              <a:t>Hive</a:t>
             </a:r>
             <a:r>
               <a:rPr lang="pl-PL" baseline="0" dirty="0" smtClean="0"/>
-              <a:t> </a:t>
+              <a:t> ze względu na swoją elastyczność i podobieństwo z języka z </a:t>
             </a:r>
             <a:r>
               <a:rPr lang="pl-PL" baseline="0" dirty="0" err="1" smtClean="0"/>
-              <a:t>Join</a:t>
+              <a:t>SQL’em</a:t>
             </a:r>
             <a:r>
               <a:rPr lang="pl-PL" baseline="0" dirty="0" smtClean="0"/>
-              <a:t>. </a:t>
+              <a:t>. Na slajdzie widać DDL dla ciekawej struktury – tabeli zewnętrznej – wykonanie takiej DDL, spowoduje że utworzona zostanie logiczna tabela do której można kierować zapytania, a wszystkie dane są pobierane z CSV oddzielanej znakiem ‚|’. Co ciekawe tabelę zewnętrzną podpinamy pod folder, tak więc ładowanie tabeli to po prostu operacja kopiowania w ramach systemu plików, a nie </a:t>
             </a:r>
             <a:r>
               <a:rPr lang="pl-PL" baseline="0" dirty="0" err="1" smtClean="0"/>
-              <a:t>Frameworki</a:t>
-            </a:r>
-            <a:r>
-              <a:rPr lang="pl-PL" baseline="0" dirty="0" smtClean="0"/>
-              <a:t> które korzystają z jego implementacji wypadły o 70-100 sekund gorzej. Podejście z równoważeniem obciążenia – gdzieś pomiędzy </a:t>
-            </a:r>
-            <a:r>
-              <a:rPr lang="pl-PL" baseline="0" dirty="0" err="1" smtClean="0"/>
-              <a:t>Pig’iem</a:t>
-            </a:r>
-            <a:r>
-              <a:rPr lang="pl-PL" baseline="0" dirty="0" smtClean="0"/>
-              <a:t> a </a:t>
-            </a:r>
-            <a:r>
-              <a:rPr lang="pl-PL" baseline="0" dirty="0" err="1" smtClean="0"/>
-              <a:t>Hive’em</a:t>
+              <a:t>frameworka</a:t>
             </a:r>
             <a:r>
               <a:rPr lang="pl-PL" baseline="0" dirty="0" smtClean="0"/>
@@ -7460,7 +7403,7 @@
     </p:spTree>
     <p:extLst>
       <p:ext uri="{BB962C8B-B14F-4D97-AF65-F5344CB8AC3E}">
-        <p14:creationId xmlns:p14="http://schemas.microsoft.com/office/powerpoint/2010/main" val="540666730"/>
+        <p14:creationId xmlns:p14="http://schemas.microsoft.com/office/powerpoint/2010/main" val="1694769266"/>
       </p:ext>
     </p:extLst>
   </p:cSld>
@@ -7516,23 +7459,11 @@
           <a:p>
             <a:r>
               <a:rPr lang="pl-PL" dirty="0" smtClean="0"/>
-              <a:t>W przypadku </a:t>
-            </a:r>
-            <a:r>
-              <a:rPr lang="pl-PL" dirty="0" err="1" smtClean="0"/>
-              <a:t>theta</a:t>
+              <a:t>Zapytania</a:t>
             </a:r>
             <a:r>
               <a:rPr lang="pl-PL" baseline="0" dirty="0" smtClean="0"/>
-              <a:t> złączenia, podejście z równoważeniem obciążenia  wypadło najlepiej. Około 20 sekund przewagi (kosztem czasu pisania kodu). </a:t>
-            </a:r>
-            <a:r>
-              <a:rPr lang="pl-PL" baseline="0" dirty="0" err="1" smtClean="0"/>
-              <a:t>Pig</a:t>
-            </a:r>
-            <a:r>
-              <a:rPr lang="pl-PL" baseline="0" dirty="0" smtClean="0"/>
-              <a:t> został daleko w tyle.</a:t>
+              <a:t> formułowane są za pomocą wyrażenia SELECT FROM WHERE z możliwości GROUP BY i HAVING – myślę że nie wymaga to komentarza</a:t>
             </a:r>
             <a:endParaRPr lang="pl-PL" dirty="0"/>
           </a:p>
@@ -7564,7 +7495,7 @@
     </p:spTree>
     <p:extLst>
       <p:ext uri="{BB962C8B-B14F-4D97-AF65-F5344CB8AC3E}">
-        <p14:creationId xmlns:p14="http://schemas.microsoft.com/office/powerpoint/2010/main" val="2335369823"/>
+        <p14:creationId xmlns:p14="http://schemas.microsoft.com/office/powerpoint/2010/main" val="3270385910"/>
       </p:ext>
     </p:extLst>
   </p:cSld>
@@ -7620,37 +7551,85 @@
           <a:p>
             <a:r>
               <a:rPr lang="pl-PL" dirty="0" smtClean="0"/>
-              <a:t>Podsumowując,</a:t>
+              <a:t>Więc pytanie</a:t>
             </a:r>
             <a:r>
               <a:rPr lang="pl-PL" baseline="0" dirty="0" smtClean="0"/>
-              <a:t> różnice w moim mniemaniu nie są na tyle istotne żeby rezygnować z wygody wyrażania zapytań jakie dają nam </a:t>
+              <a:t> – co </a:t>
             </a:r>
             <a:r>
               <a:rPr lang="pl-PL" baseline="0" dirty="0" err="1" smtClean="0"/>
-              <a:t>frameworki</a:t>
+              <a:t>Hive</a:t>
             </a:r>
             <a:r>
               <a:rPr lang="pl-PL" baseline="0" dirty="0" smtClean="0"/>
-              <a:t>. I to raczej z nich powinniśmy korzystać, pomimo tego że dla wolumenów 1000 razy większy różnica czasów wzrośnie nam przynajmniej 1000 krotnie (zakładając liniowość) i zamiast 1,5 minuty będziemy czekać 25 godzin dłużej. Przede wszystkim, na przykładzie złączeń (</a:t>
+              <a:t> potrafi policzyć.</a:t>
+            </a:r>
+          </a:p>
+          <a:p>
+            <a:r>
+              <a:rPr lang="pl-PL" baseline="0" dirty="0" smtClean="0"/>
+              <a:t>Ano mamy do dyspozycji trzy klauzule JOIN.</a:t>
+            </a:r>
+          </a:p>
+          <a:p>
+            <a:pPr marL="228600" indent="-228600">
+              <a:buAutoNum type="arabicPeriod"/>
+            </a:pPr>
+            <a:r>
+              <a:rPr lang="pl-PL" baseline="0" dirty="0" smtClean="0"/>
+              <a:t>Załączenie wewnętrzne JOIN</a:t>
+            </a:r>
+          </a:p>
+          <a:p>
+            <a:pPr marL="228600" indent="-228600">
+              <a:buAutoNum type="arabicPeriod"/>
+            </a:pPr>
+            <a:r>
+              <a:rPr lang="pl-PL" baseline="0" dirty="0" smtClean="0"/>
+              <a:t>Lewe prawe pełne złączenie zewnętrzne</a:t>
+            </a:r>
+          </a:p>
+          <a:p>
+            <a:pPr marL="228600" indent="-228600">
+              <a:buAutoNum type="arabicPeriod"/>
+            </a:pPr>
+            <a:r>
+              <a:rPr lang="pl-PL" baseline="0" dirty="0" smtClean="0"/>
+              <a:t>Produkt kartezjański</a:t>
+            </a:r>
+          </a:p>
+          <a:p>
+            <a:pPr marL="0" indent="0">
+              <a:buNone/>
+            </a:pPr>
+            <a:r>
+              <a:rPr lang="pl-PL" baseline="0" dirty="0" smtClean="0"/>
+              <a:t>Wszystkie warunki w złączeniach muszą mieć warunek równościowy – nie obowiązuje to w klauzuli WHERE, więc można zrobić CROSS JOIN, po czym wykonać selekcje, ale i tak zostanie wyliczony produkt kartezjański.</a:t>
+            </a:r>
+          </a:p>
+          <a:p>
+            <a:pPr marL="0" indent="0">
+              <a:buNone/>
+            </a:pPr>
+            <a:endParaRPr lang="pl-PL" baseline="0" dirty="0" smtClean="0"/>
+          </a:p>
+          <a:p>
+            <a:pPr marL="0" indent="0">
+              <a:buNone/>
+            </a:pPr>
+            <a:r>
+              <a:rPr lang="pl-PL" baseline="0" dirty="0" smtClean="0"/>
+              <a:t>Dodatkowo istnieje optymalizacja predykatu IN w oparciu o </a:t>
             </a:r>
             <a:r>
               <a:rPr lang="pl-PL" baseline="0" dirty="0" err="1" smtClean="0"/>
-              <a:t>theta</a:t>
+              <a:t>półzłącze</a:t>
             </a:r>
             <a:r>
               <a:rPr lang="pl-PL" baseline="0" dirty="0" smtClean="0"/>
-              <a:t>) widać że systemy Map </a:t>
-            </a:r>
-            <a:r>
-              <a:rPr lang="pl-PL" baseline="0" dirty="0" err="1" smtClean="0"/>
-              <a:t>Reduce</a:t>
-            </a:r>
-            <a:r>
-              <a:rPr lang="pl-PL" baseline="0" dirty="0" smtClean="0"/>
-              <a:t> nie są kompletne obliczeniowo i nie powinniśmy korzystać z nich na zasadzie złotego młota, który Big Data. Są inne modele programistyczne np. PACT w którym fazy mogą się przeplatać i obok faz MAP i REDUCE istnieje też CROSS, który wykonuje izolowane porównanie każdy-z-każdym</a:t>
-            </a:r>
-            <a:endParaRPr lang="pl-PL" dirty="0"/>
+              <a:t> –tutaj jest to pozycja numer 3. Pamiętajmy że tu SEMI JOIN jest traktowany jako operacja algebry relacji, a nie jako algorytm o którym mówiliśmy wcześniej.</a:t>
+            </a:r>
           </a:p>
         </p:txBody>
       </p:sp>
@@ -7680,7 +7659,7 @@
     </p:spTree>
     <p:extLst>
       <p:ext uri="{BB962C8B-B14F-4D97-AF65-F5344CB8AC3E}">
-        <p14:creationId xmlns:p14="http://schemas.microsoft.com/office/powerpoint/2010/main" val="3162872206"/>
+        <p14:creationId xmlns:p14="http://schemas.microsoft.com/office/powerpoint/2010/main" val="2240419348"/>
       </p:ext>
     </p:extLst>
   </p:cSld>
@@ -7736,51 +7715,19 @@
           <a:p>
             <a:r>
               <a:rPr lang="pl-PL" dirty="0" smtClean="0"/>
-              <a:t>Polecam materiały. W</a:t>
+              <a:t>Przykład</a:t>
             </a:r>
             <a:r>
               <a:rPr lang="pl-PL" baseline="0" dirty="0" smtClean="0"/>
-              <a:t> szczególności </a:t>
+              <a:t> wykonania </a:t>
             </a:r>
             <a:r>
               <a:rPr lang="pl-PL" baseline="0" dirty="0" err="1" smtClean="0"/>
-              <a:t>książke</a:t>
+              <a:t>Theta</a:t>
             </a:r>
             <a:r>
               <a:rPr lang="pl-PL" baseline="0" dirty="0" smtClean="0"/>
-              <a:t> </a:t>
-            </a:r>
-            <a:r>
-              <a:rPr lang="pl-PL" baseline="0" dirty="0" err="1" smtClean="0"/>
-              <a:t>Tom’a</a:t>
-            </a:r>
-            <a:r>
-              <a:rPr lang="pl-PL" baseline="0" dirty="0" smtClean="0"/>
-              <a:t> </a:t>
-            </a:r>
-            <a:r>
-              <a:rPr lang="pl-PL" baseline="0" dirty="0" err="1" smtClean="0"/>
-              <a:t>White’a</a:t>
-            </a:r>
-            <a:r>
-              <a:rPr lang="pl-PL" baseline="0" dirty="0" smtClean="0"/>
-              <a:t> oraz kursy na </a:t>
-            </a:r>
-            <a:r>
-              <a:rPr lang="pl-PL" baseline="0" dirty="0" err="1" smtClean="0"/>
-              <a:t>MapR</a:t>
-            </a:r>
-            <a:r>
-              <a:rPr lang="pl-PL" baseline="0" dirty="0" smtClean="0"/>
-              <a:t> </a:t>
-            </a:r>
-            <a:r>
-              <a:rPr lang="pl-PL" baseline="0" dirty="0" err="1" smtClean="0"/>
-              <a:t>Academy</a:t>
-            </a:r>
-            <a:r>
-              <a:rPr lang="pl-PL" baseline="0" dirty="0" smtClean="0"/>
-              <a:t> – nowa wersja strony uruchomiona w październiku.</a:t>
+              <a:t> złączenia w HIVE</a:t>
             </a:r>
             <a:endParaRPr lang="pl-PL" dirty="0"/>
           </a:p>
@@ -7812,7 +7759,7 @@
     </p:spTree>
     <p:extLst>
       <p:ext uri="{BB962C8B-B14F-4D97-AF65-F5344CB8AC3E}">
-        <p14:creationId xmlns:p14="http://schemas.microsoft.com/office/powerpoint/2010/main" val="2995400012"/>
+        <p14:creationId xmlns:p14="http://schemas.microsoft.com/office/powerpoint/2010/main" val="120372043"/>
       </p:ext>
     </p:extLst>
   </p:cSld>
@@ -7868,13 +7815,68 @@
           <a:p>
             <a:r>
               <a:rPr lang="pl-PL" dirty="0" smtClean="0"/>
-              <a:t>Dziękuje za uwagę, to </a:t>
-            </a:r>
-            <a:r>
-              <a:rPr lang="pl-PL" smtClean="0"/>
-              <a:t>był zaszczyt.</a:t>
-            </a:r>
-            <a:endParaRPr lang="pl-PL"/>
+              <a:t>Gdy</a:t>
+            </a:r>
+            <a:r>
+              <a:rPr lang="pl-PL" baseline="0" dirty="0" smtClean="0"/>
+              <a:t> wykonujemy złączenie możemy podpowiedzieć (de facto </a:t>
+            </a:r>
+            <a:r>
+              <a:rPr lang="pl-PL" baseline="0" dirty="0" err="1" smtClean="0"/>
+              <a:t>Hive</a:t>
+            </a:r>
+            <a:r>
+              <a:rPr lang="pl-PL" baseline="0" dirty="0" smtClean="0"/>
+              <a:t> sam to robi) co nieco </a:t>
+            </a:r>
+            <a:r>
+              <a:rPr lang="pl-PL" baseline="0" dirty="0" err="1" smtClean="0"/>
+              <a:t>Hive’owi</a:t>
+            </a:r>
+            <a:r>
+              <a:rPr lang="pl-PL" baseline="0" dirty="0" smtClean="0"/>
+              <a:t>. Używając adnotacji STREAMTABLE możemy wskazać która tabela w </a:t>
+            </a:r>
+            <a:r>
+              <a:rPr lang="pl-PL" baseline="0" dirty="0" err="1" smtClean="0"/>
+              <a:t>Improved</a:t>
+            </a:r>
+            <a:r>
+              <a:rPr lang="pl-PL" baseline="0" dirty="0" smtClean="0"/>
+              <a:t> </a:t>
+            </a:r>
+            <a:r>
+              <a:rPr lang="pl-PL" baseline="0" dirty="0" err="1" smtClean="0"/>
+              <a:t>Repartition</a:t>
+            </a:r>
+            <a:r>
+              <a:rPr lang="pl-PL" baseline="0" dirty="0" smtClean="0"/>
+              <a:t> </a:t>
+            </a:r>
+            <a:r>
+              <a:rPr lang="pl-PL" baseline="0" dirty="0" err="1" smtClean="0"/>
+              <a:t>Join</a:t>
+            </a:r>
+            <a:r>
+              <a:rPr lang="pl-PL" baseline="0" dirty="0" smtClean="0"/>
+              <a:t> ma być strumieniowana (domyślnie ostatni alias). Druga podpowiedź dotyczy wykonania złączenia po stronie </a:t>
+            </a:r>
+            <a:r>
+              <a:rPr lang="pl-PL" baseline="0" dirty="0" err="1" smtClean="0"/>
+              <a:t>Mappera</a:t>
+            </a:r>
+            <a:r>
+              <a:rPr lang="pl-PL" baseline="0" dirty="0" smtClean="0"/>
+              <a:t> za pomocą MAPJOIN, ale istnieje szereg warunków które zabrania użycia tej adnotacji – nie znam tych warunków. W zasadzie tyle jeśli chodzi o wykonywanie złączeń w </a:t>
+            </a:r>
+            <a:r>
+              <a:rPr lang="pl-PL" baseline="0" dirty="0" err="1" smtClean="0"/>
+              <a:t>Hive</a:t>
+            </a:r>
+            <a:r>
+              <a:rPr lang="pl-PL" baseline="0" dirty="0" smtClean="0"/>
+              <a:t> </a:t>
+            </a:r>
           </a:p>
         </p:txBody>
       </p:sp>
@@ -7904,7 +7906,199 @@
     </p:spTree>
     <p:extLst>
       <p:ext uri="{BB962C8B-B14F-4D97-AF65-F5344CB8AC3E}">
-        <p14:creationId xmlns:p14="http://schemas.microsoft.com/office/powerpoint/2010/main" val="1455165813"/>
+        <p14:creationId xmlns:p14="http://schemas.microsoft.com/office/powerpoint/2010/main" val="1840795622"/>
+      </p:ext>
+    </p:extLst>
+  </p:cSld>
+  <p:clrMapOvr>
+    <a:masterClrMapping/>
+  </p:clrMapOvr>
+</p:notes>
+</file>
+
+<file path=ppt/notesSlides/notesSlide46.xml><?xml version="1.0" encoding="utf-8"?>
+<p:notes xmlns:a="http://schemas.openxmlformats.org/drawingml/2006/main" xmlns:r="http://schemas.openxmlformats.org/officeDocument/2006/relationships" xmlns:p="http://schemas.openxmlformats.org/presentationml/2006/main">
+  <p:cSld>
+    <p:spTree>
+      <p:nvGrpSpPr>
+        <p:cNvPr id="1" name=""/>
+        <p:cNvGrpSpPr/>
+        <p:nvPr/>
+      </p:nvGrpSpPr>
+      <p:grpSpPr>
+        <a:xfrm>
+          <a:off x="0" y="0"/>
+          <a:ext cx="0" cy="0"/>
+          <a:chOff x="0" y="0"/>
+          <a:chExt cx="0" cy="0"/>
+        </a:xfrm>
+      </p:grpSpPr>
+      <p:sp>
+        <p:nvSpPr>
+          <p:cNvPr id="2" name="Symbol zastępczy obrazu slajdu 1"/>
+          <p:cNvSpPr>
+            <a:spLocks noGrp="1" noRot="1" noChangeAspect="1"/>
+          </p:cNvSpPr>
+          <p:nvPr>
+            <p:ph type="sldImg"/>
+          </p:nvPr>
+        </p:nvSpPr>
+        <p:spPr/>
+      </p:sp>
+      <p:sp>
+        <p:nvSpPr>
+          <p:cNvPr id="3" name="Symbol zastępczy notatek 2"/>
+          <p:cNvSpPr>
+            <a:spLocks noGrp="1"/>
+          </p:cNvSpPr>
+          <p:nvPr>
+            <p:ph type="body" idx="1"/>
+          </p:nvPr>
+        </p:nvSpPr>
+        <p:spPr/>
+        <p:txBody>
+          <a:bodyPr/>
+          <a:lstStyle/>
+          <a:p>
+            <a:r>
+              <a:rPr lang="pl-PL" dirty="0" smtClean="0"/>
+              <a:t>W ramach ciekawostki przytoczę</a:t>
+            </a:r>
+            <a:r>
+              <a:rPr lang="pl-PL" baseline="0" dirty="0" smtClean="0"/>
+              <a:t> cytat, dlaczego </a:t>
+            </a:r>
+            <a:r>
+              <a:rPr lang="pl-PL" baseline="0" dirty="0" err="1" smtClean="0"/>
+              <a:t>Hive</a:t>
+            </a:r>
+            <a:r>
+              <a:rPr lang="pl-PL" baseline="0" dirty="0" smtClean="0"/>
+              <a:t> nie wspiera warunków nierównościowych. Cieszy mnie że ktoś twierdzi że można takie warunki wyrazić.</a:t>
+            </a:r>
+            <a:endParaRPr lang="pl-PL" dirty="0"/>
+          </a:p>
+        </p:txBody>
+      </p:sp>
+      <p:sp>
+        <p:nvSpPr>
+          <p:cNvPr id="4" name="Symbol zastępczy numeru slajdu 3"/>
+          <p:cNvSpPr>
+            <a:spLocks noGrp="1"/>
+          </p:cNvSpPr>
+          <p:nvPr>
+            <p:ph type="sldNum" sz="quarter" idx="10"/>
+          </p:nvPr>
+        </p:nvSpPr>
+        <p:spPr/>
+        <p:txBody>
+          <a:bodyPr/>
+          <a:lstStyle/>
+          <a:p>
+            <a:fld id="{07E9F441-BEAC-45CE-9DF0-F4C39743120A}" type="slidenum">
+              <a:rPr lang="pl-PL" smtClean="0"/>
+              <a:t>46</a:t>
+            </a:fld>
+            <a:endParaRPr lang="pl-PL" dirty="0"/>
+          </a:p>
+        </p:txBody>
+      </p:sp>
+    </p:spTree>
+    <p:extLst>
+      <p:ext uri="{BB962C8B-B14F-4D97-AF65-F5344CB8AC3E}">
+        <p14:creationId xmlns:p14="http://schemas.microsoft.com/office/powerpoint/2010/main" val="1485372766"/>
+      </p:ext>
+    </p:extLst>
+  </p:cSld>
+  <p:clrMapOvr>
+    <a:masterClrMapping/>
+  </p:clrMapOvr>
+</p:notes>
+</file>
+
+<file path=ppt/notesSlides/notesSlide47.xml><?xml version="1.0" encoding="utf-8"?>
+<p:notes xmlns:a="http://schemas.openxmlformats.org/drawingml/2006/main" xmlns:r="http://schemas.openxmlformats.org/officeDocument/2006/relationships" xmlns:p="http://schemas.openxmlformats.org/presentationml/2006/main">
+  <p:cSld>
+    <p:spTree>
+      <p:nvGrpSpPr>
+        <p:cNvPr id="1" name=""/>
+        <p:cNvGrpSpPr/>
+        <p:nvPr/>
+      </p:nvGrpSpPr>
+      <p:grpSpPr>
+        <a:xfrm>
+          <a:off x="0" y="0"/>
+          <a:ext cx="0" cy="0"/>
+          <a:chOff x="0" y="0"/>
+          <a:chExt cx="0" cy="0"/>
+        </a:xfrm>
+      </p:grpSpPr>
+      <p:sp>
+        <p:nvSpPr>
+          <p:cNvPr id="2" name="Symbol zastępczy obrazu slajdu 1"/>
+          <p:cNvSpPr>
+            <a:spLocks noGrp="1" noRot="1" noChangeAspect="1"/>
+          </p:cNvSpPr>
+          <p:nvPr>
+            <p:ph type="sldImg"/>
+          </p:nvPr>
+        </p:nvSpPr>
+        <p:spPr/>
+      </p:sp>
+      <p:sp>
+        <p:nvSpPr>
+          <p:cNvPr id="3" name="Symbol zastępczy notatek 2"/>
+          <p:cNvSpPr>
+            <a:spLocks noGrp="1"/>
+          </p:cNvSpPr>
+          <p:nvPr>
+            <p:ph type="body" idx="1"/>
+          </p:nvPr>
+        </p:nvSpPr>
+        <p:spPr/>
+        <p:txBody>
+          <a:bodyPr/>
+          <a:lstStyle/>
+          <a:p>
+            <a:r>
+              <a:rPr lang="pl-PL" dirty="0" smtClean="0"/>
+              <a:t>Dziękuje za uwagę, to </a:t>
+            </a:r>
+            <a:r>
+              <a:rPr lang="pl-PL" smtClean="0"/>
+              <a:t>był zaszczyt.</a:t>
+            </a:r>
+            <a:endParaRPr lang="pl-PL"/>
+          </a:p>
+        </p:txBody>
+      </p:sp>
+      <p:sp>
+        <p:nvSpPr>
+          <p:cNvPr id="4" name="Symbol zastępczy numeru slajdu 3"/>
+          <p:cNvSpPr>
+            <a:spLocks noGrp="1"/>
+          </p:cNvSpPr>
+          <p:nvPr>
+            <p:ph type="sldNum" sz="quarter" idx="10"/>
+          </p:nvPr>
+        </p:nvSpPr>
+        <p:spPr/>
+        <p:txBody>
+          <a:bodyPr/>
+          <a:lstStyle/>
+          <a:p>
+            <a:fld id="{07E9F441-BEAC-45CE-9DF0-F4C39743120A}" type="slidenum">
+              <a:rPr lang="pl-PL" smtClean="0"/>
+              <a:t>47</a:t>
+            </a:fld>
+            <a:endParaRPr lang="pl-PL" dirty="0"/>
+          </a:p>
+        </p:txBody>
+      </p:sp>
+    </p:spTree>
+    <p:extLst>
+      <p:ext uri="{BB962C8B-B14F-4D97-AF65-F5344CB8AC3E}">
+        <p14:creationId xmlns:p14="http://schemas.microsoft.com/office/powerpoint/2010/main" val="4123794775"/>
       </p:ext>
     </p:extLst>
   </p:cSld>
@@ -9039,7 +9233,7 @@
           <a:p>
             <a:fld id="{EB1615DA-D705-47A5-8624-E86A402AAB8A}" type="datetime1">
               <a:rPr lang="pl-PL" smtClean="0"/>
-              <a:t>2015-10-21</a:t>
+              <a:t>2015-10-22</a:t>
             </a:fld>
             <a:endParaRPr lang="pl-PL" dirty="0"/>
           </a:p>
@@ -9333,7 +9527,7 @@
           <a:p>
             <a:fld id="{BC9882A8-70E0-4361-B238-40D230230F64}" type="datetime1">
               <a:rPr lang="pl-PL" smtClean="0"/>
-              <a:t>2015-10-21</a:t>
+              <a:t>2015-10-22</a:t>
             </a:fld>
             <a:endParaRPr lang="pl-PL" dirty="0"/>
           </a:p>
@@ -9510,7 +9704,7 @@
           <a:p>
             <a:fld id="{520851BA-77DA-4D8B-8802-607D8E1A3F34}" type="datetime1">
               <a:rPr lang="pl-PL" smtClean="0"/>
-              <a:t>2015-10-21</a:t>
+              <a:t>2015-10-22</a:t>
             </a:fld>
             <a:endParaRPr lang="pl-PL" dirty="0"/>
           </a:p>
@@ -9640,7 +9834,7 @@
           <a:p>
             <a:fld id="{9A786E82-90BC-4350-87B7-E8F1ABE96372}" type="datetime1">
               <a:rPr lang="pl-PL" smtClean="0"/>
-              <a:t>2015-10-21</a:t>
+              <a:t>2015-10-22</a:t>
             </a:fld>
             <a:endParaRPr lang="pl-PL" dirty="0"/>
           </a:p>
@@ -9863,7 +10057,7 @@
           <a:p>
             <a:fld id="{A0DCFC4D-0A3E-4128-BA20-DFAA81B34B5A}" type="datetime1">
               <a:rPr lang="pl-PL" smtClean="0"/>
-              <a:t>2015-10-21</a:t>
+              <a:t>2015-10-22</a:t>
             </a:fld>
             <a:endParaRPr lang="pl-PL" dirty="0"/>
           </a:p>
@@ -10296,7 +10490,7 @@
           <a:p>
             <a:fld id="{5C0EE709-694E-4B0D-AF33-4606F8D0436B}" type="datetime1">
               <a:rPr lang="pl-PL" smtClean="0"/>
-              <a:t>2015-10-21</a:t>
+              <a:t>2015-10-22</a:t>
             </a:fld>
             <a:endParaRPr lang="pl-PL" dirty="0"/>
           </a:p>
@@ -10535,7 +10729,7 @@
           <a:p>
             <a:fld id="{68C5D55E-A0E3-4161-B6D7-AE55DC847B5A}" type="datetime1">
               <a:rPr lang="pl-PL" smtClean="0"/>
-              <a:t>2015-10-21</a:t>
+              <a:t>2015-10-22</a:t>
             </a:fld>
             <a:endParaRPr lang="pl-PL" dirty="0"/>
           </a:p>
@@ -10909,7 +11103,7 @@
           <a:p>
             <a:fld id="{CD962D76-0FB0-4AB7-8259-2D09CE71C8D1}" type="datetime1">
               <a:rPr lang="pl-PL" smtClean="0"/>
-              <a:t>2015-10-21</a:t>
+              <a:t>2015-10-22</a:t>
             </a:fld>
             <a:endParaRPr lang="pl-PL" dirty="0"/>
           </a:p>
@@ -11034,7 +11228,7 @@
           <a:p>
             <a:fld id="{E05A4A88-139D-4DB8-93B8-34BD81C591AC}" type="datetime1">
               <a:rPr lang="pl-PL" smtClean="0"/>
-              <a:t>2015-10-21</a:t>
+              <a:t>2015-10-22</a:t>
             </a:fld>
             <a:endParaRPr lang="pl-PL" dirty="0"/>
           </a:p>
@@ -11166,7 +11360,7 @@
           <a:p>
             <a:fld id="{CB4199E4-FBC3-4F7A-A512-17469B9BCEC1}" type="datetime1">
               <a:rPr lang="pl-PL" smtClean="0"/>
-              <a:t>2015-10-21</a:t>
+              <a:t>2015-10-22</a:t>
             </a:fld>
             <a:endParaRPr lang="pl-PL" dirty="0"/>
           </a:p>
@@ -11416,7 +11610,7 @@
           <a:p>
             <a:fld id="{12379EF3-71E5-4A11-8AF3-F07009D6E33E}" type="datetime1">
               <a:rPr lang="pl-PL" smtClean="0"/>
-              <a:t>2015-10-21</a:t>
+              <a:t>2015-10-22</a:t>
             </a:fld>
             <a:endParaRPr lang="pl-PL" dirty="0"/>
           </a:p>
@@ -27845,7 +28039,15 @@
             </a:r>
             <a:r>
               <a:rPr lang="pl-PL" dirty="0"/>
-              <a:t>klasyczne  – 15 minut</a:t>
+              <a:t>klasyczne  – </a:t>
+            </a:r>
+            <a:r>
+              <a:rPr lang="pl-PL" dirty="0" smtClean="0"/>
+              <a:t>20 </a:t>
+            </a:r>
+            <a:r>
+              <a:rPr lang="pl-PL" dirty="0"/>
+              <a:t>minut</a:t>
             </a:r>
             <a:endParaRPr lang="pl-PL" dirty="0" smtClean="0"/>
           </a:p>
@@ -27861,45 +28063,40 @@
             </a:r>
             <a:r>
               <a:rPr lang="pl-PL" dirty="0" smtClean="0"/>
-              <a:t>10 </a:t>
-            </a:r>
-            <a:r>
-              <a:rPr lang="pl-PL" dirty="0"/>
-              <a:t>minut</a:t>
-            </a:r>
-            <a:endParaRPr lang="pl-PL" dirty="0" smtClean="0"/>
+              <a:t>12 minut</a:t>
+            </a:r>
+            <a:endParaRPr lang="pl-PL" dirty="0"/>
           </a:p>
           <a:p>
             <a:pPr lvl="1"/>
+            <a:r>
+              <a:rPr lang="pl-PL" dirty="0" smtClean="0"/>
+              <a:t>Wydajność </a:t>
+            </a:r>
+            <a:r>
+              <a:rPr lang="pl-PL" dirty="0" smtClean="0"/>
+              <a:t>– 3 minuty</a:t>
+            </a:r>
+          </a:p>
+          <a:p>
+            <a:r>
+              <a:rPr lang="pl-PL" dirty="0" smtClean="0"/>
+              <a:t>Podsumowanie</a:t>
+            </a:r>
+          </a:p>
+          <a:p>
+            <a:pPr marL="0" indent="0">
+              <a:buNone/>
+            </a:pPr>
+            <a:r>
+              <a:rPr lang="pl-PL" dirty="0" smtClean="0"/>
+              <a:t>+ </a:t>
+            </a:r>
             <a:r>
               <a:rPr lang="pl-PL" dirty="0" err="1" smtClean="0"/>
               <a:t>Hive</a:t>
             </a:r>
-            <a:r>
-              <a:rPr lang="pl-PL" dirty="0" smtClean="0"/>
-              <a:t> </a:t>
-            </a:r>
-            <a:r>
-              <a:rPr lang="pl-PL" dirty="0"/>
-              <a:t>– 7</a:t>
-            </a:r>
-            <a:r>
-              <a:rPr lang="pl-PL" dirty="0" smtClean="0"/>
-              <a:t> minut</a:t>
-            </a:r>
-          </a:p>
-          <a:p>
-            <a:pPr lvl="1"/>
-            <a:r>
-              <a:rPr lang="pl-PL" dirty="0" smtClean="0"/>
-              <a:t>Wydajność – 3 minuty</a:t>
-            </a:r>
-          </a:p>
-          <a:p>
-            <a:r>
-              <a:rPr lang="pl-PL" dirty="0" smtClean="0"/>
-              <a:t>Podsumowanie</a:t>
-            </a:r>
+            <a:endParaRPr lang="pl-PL" dirty="0" smtClean="0"/>
           </a:p>
           <a:p>
             <a:endParaRPr lang="pl-PL" dirty="0"/>
@@ -28319,6 +28516,1293 @@
       </p:grpSpPr>
       <p:sp>
         <p:nvSpPr>
+          <p:cNvPr id="5" name="Tytuł 4"/>
+          <p:cNvSpPr>
+            <a:spLocks noGrp="1"/>
+          </p:cNvSpPr>
+          <p:nvPr>
+            <p:ph type="title"/>
+          </p:nvPr>
+        </p:nvSpPr>
+        <p:spPr/>
+        <p:txBody>
+          <a:bodyPr/>
+          <a:lstStyle/>
+          <a:p>
+            <a:r>
+              <a:rPr lang="pl-PL" dirty="0" smtClean="0"/>
+              <a:t>Wydajność</a:t>
+            </a:r>
+            <a:endParaRPr lang="pl-PL" dirty="0"/>
+          </a:p>
+        </p:txBody>
+      </p:sp>
+      <p:sp>
+        <p:nvSpPr>
+          <p:cNvPr id="2" name="Symbol zastępczy numeru slajdu 1"/>
+          <p:cNvSpPr>
+            <a:spLocks noGrp="1"/>
+          </p:cNvSpPr>
+          <p:nvPr>
+            <p:ph type="sldNum" sz="quarter" idx="12"/>
+          </p:nvPr>
+        </p:nvSpPr>
+        <p:spPr/>
+        <p:txBody>
+          <a:bodyPr/>
+          <a:lstStyle/>
+          <a:p>
+            <a:fld id="{B7B2D0E0-4D7E-4A80-B5CA-CB21EB201799}" type="slidenum">
+              <a:rPr lang="pl-PL" smtClean="0"/>
+              <a:t>32</a:t>
+            </a:fld>
+            <a:endParaRPr lang="pl-PL" dirty="0"/>
+          </a:p>
+        </p:txBody>
+      </p:sp>
+      <p:sp>
+        <p:nvSpPr>
+          <p:cNvPr id="3" name="Symbol zastępczy zawartości 2"/>
+          <p:cNvSpPr>
+            <a:spLocks noGrp="1"/>
+          </p:cNvSpPr>
+          <p:nvPr>
+            <p:ph idx="1"/>
+          </p:nvPr>
+        </p:nvSpPr>
+        <p:spPr/>
+        <p:txBody>
+          <a:bodyPr/>
+          <a:lstStyle/>
+          <a:p>
+            <a:r>
+              <a:rPr lang="pl-PL" dirty="0" smtClean="0"/>
+              <a:t>Wydajność rozumiana jako czas utylizacji klastra – czas wykonania </a:t>
+            </a:r>
+            <a:r>
+              <a:rPr lang="pl-PL" dirty="0" err="1" smtClean="0"/>
+              <a:t>Job’a</a:t>
+            </a:r>
+            <a:endParaRPr lang="pl-PL" dirty="0" smtClean="0"/>
+          </a:p>
+          <a:p>
+            <a:r>
+              <a:rPr lang="pl-PL" dirty="0" smtClean="0"/>
+              <a:t>Test:</a:t>
+            </a:r>
+          </a:p>
+          <a:p>
+            <a:pPr lvl="1"/>
+            <a:r>
+              <a:rPr lang="pl-PL" dirty="0" smtClean="0"/>
+              <a:t>Klaster 5 węzłów (chmura </a:t>
+            </a:r>
+            <a:r>
+              <a:rPr lang="pl-PL" dirty="0" err="1" smtClean="0"/>
+              <a:t>Amazona</a:t>
+            </a:r>
+            <a:r>
+              <a:rPr lang="pl-PL" dirty="0" smtClean="0"/>
+              <a:t>)</a:t>
+            </a:r>
+          </a:p>
+          <a:p>
+            <a:pPr lvl="1"/>
+            <a:r>
+              <a:rPr lang="pl-PL" dirty="0" smtClean="0"/>
+              <a:t>Złączenie dwóch tabel, relacja 1-N</a:t>
+            </a:r>
+          </a:p>
+          <a:p>
+            <a:pPr lvl="1"/>
+            <a:r>
+              <a:rPr lang="pl-PL" dirty="0" smtClean="0"/>
+              <a:t>Zbiór danych TPC-H – 1 GB</a:t>
+            </a:r>
+          </a:p>
+          <a:p>
+            <a:pPr lvl="1"/>
+            <a:r>
+              <a:rPr lang="pl-PL" dirty="0" err="1" smtClean="0"/>
+              <a:t>Obfuskacja</a:t>
+            </a:r>
+            <a:r>
+              <a:rPr lang="pl-PL" dirty="0" smtClean="0"/>
+              <a:t> danych (kolumn)</a:t>
+            </a:r>
+          </a:p>
+          <a:p>
+            <a:pPr lvl="1"/>
+            <a:r>
+              <a:rPr lang="pl-PL" dirty="0" smtClean="0"/>
+              <a:t>Dwa zapytania</a:t>
+            </a:r>
+          </a:p>
+          <a:p>
+            <a:pPr lvl="2"/>
+            <a:r>
+              <a:rPr lang="pl-PL" dirty="0" err="1" smtClean="0"/>
+              <a:t>Równozłączenie</a:t>
+            </a:r>
+            <a:r>
+              <a:rPr lang="pl-PL" dirty="0" smtClean="0"/>
+              <a:t>: </a:t>
+            </a:r>
+            <a:r>
+              <a:rPr lang="en-US" dirty="0"/>
+              <a:t>TABLEA JOIN TABLEB ON A1 = </a:t>
+            </a:r>
+            <a:r>
+              <a:rPr lang="en-US" dirty="0" smtClean="0"/>
+              <a:t>A2</a:t>
+            </a:r>
+            <a:endParaRPr lang="pl-PL" dirty="0" smtClean="0"/>
+          </a:p>
+          <a:p>
+            <a:pPr lvl="2"/>
+            <a:r>
+              <a:rPr lang="pl-PL" dirty="0" err="1" smtClean="0"/>
+              <a:t>Theta</a:t>
+            </a:r>
+            <a:r>
+              <a:rPr lang="pl-PL" dirty="0" smtClean="0"/>
+              <a:t>-złączenie: </a:t>
+            </a:r>
+            <a:r>
+              <a:rPr lang="en-US" dirty="0"/>
+              <a:t>E1 &lt;= </a:t>
+            </a:r>
+            <a:r>
+              <a:rPr lang="en-US" dirty="0" err="1"/>
+              <a:t>date_add</a:t>
+            </a:r>
+            <a:r>
+              <a:rPr lang="en-US" dirty="0"/>
+              <a:t>(K2, 30) AND E1 &gt;= </a:t>
+            </a:r>
+            <a:r>
+              <a:rPr lang="en-US" dirty="0" err="1"/>
+              <a:t>date_sub</a:t>
+            </a:r>
+            <a:r>
+              <a:rPr lang="en-US" dirty="0"/>
+              <a:t>(K2, 30)</a:t>
+            </a:r>
+            <a:endParaRPr lang="pl-PL" dirty="0" smtClean="0"/>
+          </a:p>
+          <a:p>
+            <a:pPr lvl="2"/>
+            <a:endParaRPr lang="pl-PL" dirty="0" smtClean="0"/>
+          </a:p>
+          <a:p>
+            <a:pPr marL="0" indent="0">
+              <a:buNone/>
+            </a:pPr>
+            <a:endParaRPr lang="pl-PL" dirty="0" smtClean="0"/>
+          </a:p>
+          <a:p>
+            <a:endParaRPr lang="pl-PL" dirty="0" smtClean="0"/>
+          </a:p>
+        </p:txBody>
+      </p:sp>
+    </p:spTree>
+    <p:extLst>
+      <p:ext uri="{BB962C8B-B14F-4D97-AF65-F5344CB8AC3E}">
+        <p14:creationId xmlns:p14="http://schemas.microsoft.com/office/powerpoint/2010/main" val="4253036630"/>
+      </p:ext>
+    </p:extLst>
+  </p:cSld>
+  <p:clrMapOvr>
+    <a:masterClrMapping/>
+  </p:clrMapOvr>
+  <p:timing>
+    <p:tnLst>
+      <p:par>
+        <p:cTn id="1" dur="indefinite" restart="never" nodeType="tmRoot"/>
+      </p:par>
+    </p:tnLst>
+  </p:timing>
+</p:sld>
+</file>
+
+<file path=ppt/slides/slide33.xml><?xml version="1.0" encoding="utf-8"?>
+<p:sld xmlns:a="http://schemas.openxmlformats.org/drawingml/2006/main" xmlns:r="http://schemas.openxmlformats.org/officeDocument/2006/relationships" xmlns:p="http://schemas.openxmlformats.org/presentationml/2006/main">
+  <p:cSld>
+    <p:spTree>
+      <p:nvGrpSpPr>
+        <p:cNvPr id="1" name=""/>
+        <p:cNvGrpSpPr/>
+        <p:nvPr/>
+      </p:nvGrpSpPr>
+      <p:grpSpPr>
+        <a:xfrm>
+          <a:off x="0" y="0"/>
+          <a:ext cx="0" cy="0"/>
+          <a:chOff x="0" y="0"/>
+          <a:chExt cx="0" cy="0"/>
+        </a:xfrm>
+      </p:grpSpPr>
+      <p:sp>
+        <p:nvSpPr>
+          <p:cNvPr id="5" name="Tytuł 4"/>
+          <p:cNvSpPr>
+            <a:spLocks noGrp="1"/>
+          </p:cNvSpPr>
+          <p:nvPr>
+            <p:ph type="title"/>
+          </p:nvPr>
+        </p:nvSpPr>
+        <p:spPr/>
+        <p:txBody>
+          <a:bodyPr/>
+          <a:lstStyle/>
+          <a:p>
+            <a:r>
+              <a:rPr lang="pl-PL" dirty="0"/>
+              <a:t>Wydajność</a:t>
+            </a:r>
+          </a:p>
+        </p:txBody>
+      </p:sp>
+      <p:sp>
+        <p:nvSpPr>
+          <p:cNvPr id="2" name="Symbol zastępczy numeru slajdu 1"/>
+          <p:cNvSpPr>
+            <a:spLocks noGrp="1"/>
+          </p:cNvSpPr>
+          <p:nvPr>
+            <p:ph type="sldNum" sz="quarter" idx="12"/>
+          </p:nvPr>
+        </p:nvSpPr>
+        <p:spPr/>
+        <p:txBody>
+          <a:bodyPr/>
+          <a:lstStyle/>
+          <a:p>
+            <a:fld id="{B7B2D0E0-4D7E-4A80-B5CA-CB21EB201799}" type="slidenum">
+              <a:rPr lang="pl-PL" smtClean="0"/>
+              <a:t>33</a:t>
+            </a:fld>
+            <a:endParaRPr lang="pl-PL" dirty="0"/>
+          </a:p>
+        </p:txBody>
+      </p:sp>
+      <p:sp>
+        <p:nvSpPr>
+          <p:cNvPr id="10" name="Symbol zastępczy tekstu 9"/>
+          <p:cNvSpPr>
+            <a:spLocks noGrp="1"/>
+          </p:cNvSpPr>
+          <p:nvPr>
+            <p:ph type="body" sz="quarter" idx="13"/>
+          </p:nvPr>
+        </p:nvSpPr>
+        <p:spPr/>
+        <p:txBody>
+          <a:bodyPr>
+            <a:normAutofit fontScale="92500" lnSpcReduction="10000"/>
+          </a:bodyPr>
+          <a:lstStyle/>
+          <a:p>
+            <a:r>
+              <a:rPr lang="pl-PL" dirty="0" err="1" smtClean="0"/>
+              <a:t>Równozłączenie</a:t>
+            </a:r>
+            <a:endParaRPr lang="pl-PL" dirty="0"/>
+          </a:p>
+        </p:txBody>
+      </p:sp>
+      <p:graphicFrame>
+        <p:nvGraphicFramePr>
+          <p:cNvPr id="9" name="Symbol zastępczy zawartości 8"/>
+          <p:cNvGraphicFramePr>
+            <a:graphicFrameLocks noGrp="1"/>
+          </p:cNvGraphicFramePr>
+          <p:nvPr>
+            <p:ph sz="quarter" idx="15"/>
+            <p:extLst>
+              <p:ext uri="{D42A27DB-BD31-4B8C-83A1-F6EECF244321}">
+                <p14:modId xmlns:p14="http://schemas.microsoft.com/office/powerpoint/2010/main" val="2944907821"/>
+              </p:ext>
+            </p:extLst>
+          </p:nvPr>
+        </p:nvGraphicFramePr>
+        <p:xfrm>
+          <a:off x="838200" y="2047875"/>
+          <a:ext cx="10514013" cy="3959225"/>
+        </p:xfrm>
+        <a:graphic>
+          <a:graphicData uri="http://schemas.openxmlformats.org/drawingml/2006/chart">
+            <c:chart xmlns:c="http://schemas.openxmlformats.org/drawingml/2006/chart" xmlns:r="http://schemas.openxmlformats.org/officeDocument/2006/relationships" r:id="rId3"/>
+          </a:graphicData>
+        </a:graphic>
+      </p:graphicFrame>
+      <p:sp>
+        <p:nvSpPr>
+          <p:cNvPr id="7" name="pole tekstowe 6"/>
+          <p:cNvSpPr txBox="1"/>
+          <p:nvPr/>
+        </p:nvSpPr>
+        <p:spPr>
+          <a:xfrm>
+            <a:off x="838200" y="6321044"/>
+            <a:ext cx="9418320" cy="523220"/>
+          </a:xfrm>
+          <a:prstGeom prst="rect">
+            <a:avLst/>
+          </a:prstGeom>
+          <a:noFill/>
+        </p:spPr>
+        <p:txBody>
+          <a:bodyPr wrap="square" rtlCol="0">
+            <a:spAutoFit/>
+          </a:bodyPr>
+          <a:lstStyle/>
+          <a:p>
+            <a:r>
+              <a:rPr lang="pl-PL" sz="1400" dirty="0" smtClean="0">
+                <a:hlinkClick r:id="rId4"/>
+              </a:rPr>
+              <a:t>* https</a:t>
+            </a:r>
+            <a:r>
+              <a:rPr lang="pl-PL" sz="1400" dirty="0">
+                <a:hlinkClick r:id="rId4"/>
+              </a:rPr>
+              <a:t>://</a:t>
+            </a:r>
+            <a:r>
+              <a:rPr lang="pl-PL" sz="1400" dirty="0" smtClean="0">
+                <a:hlinkClick r:id="rId4"/>
+              </a:rPr>
+              <a:t>cwiki.apache.org/Hive/languagemanual-joins.html</a:t>
+            </a:r>
+            <a:endParaRPr lang="pl-PL" sz="1400" dirty="0" smtClean="0"/>
+          </a:p>
+          <a:p>
+            <a:r>
+              <a:rPr lang="pl-PL" sz="1400" dirty="0" smtClean="0"/>
+              <a:t>* http</a:t>
+            </a:r>
+            <a:r>
+              <a:rPr lang="pl-PL" sz="1400" dirty="0"/>
+              <a:t>://grokbase.com/t/hive/user/123dnszatz/non-equality-joins</a:t>
+            </a:r>
+          </a:p>
+        </p:txBody>
+      </p:sp>
+    </p:spTree>
+    <p:extLst>
+      <p:ext uri="{BB962C8B-B14F-4D97-AF65-F5344CB8AC3E}">
+        <p14:creationId xmlns:p14="http://schemas.microsoft.com/office/powerpoint/2010/main" val="324963292"/>
+      </p:ext>
+    </p:extLst>
+  </p:cSld>
+  <p:clrMapOvr>
+    <a:masterClrMapping/>
+  </p:clrMapOvr>
+  <p:timing>
+    <p:tnLst>
+      <p:par>
+        <p:cTn id="1" dur="indefinite" restart="never" nodeType="tmRoot"/>
+      </p:par>
+    </p:tnLst>
+  </p:timing>
+</p:sld>
+</file>
+
+<file path=ppt/slides/slide34.xml><?xml version="1.0" encoding="utf-8"?>
+<p:sld xmlns:a="http://schemas.openxmlformats.org/drawingml/2006/main" xmlns:r="http://schemas.openxmlformats.org/officeDocument/2006/relationships" xmlns:p="http://schemas.openxmlformats.org/presentationml/2006/main">
+  <p:cSld>
+    <p:spTree>
+      <p:nvGrpSpPr>
+        <p:cNvPr id="1" name=""/>
+        <p:cNvGrpSpPr/>
+        <p:nvPr/>
+      </p:nvGrpSpPr>
+      <p:grpSpPr>
+        <a:xfrm>
+          <a:off x="0" y="0"/>
+          <a:ext cx="0" cy="0"/>
+          <a:chOff x="0" y="0"/>
+          <a:chExt cx="0" cy="0"/>
+        </a:xfrm>
+      </p:grpSpPr>
+      <p:sp>
+        <p:nvSpPr>
+          <p:cNvPr id="5" name="Tytuł 4"/>
+          <p:cNvSpPr>
+            <a:spLocks noGrp="1"/>
+          </p:cNvSpPr>
+          <p:nvPr>
+            <p:ph type="title"/>
+          </p:nvPr>
+        </p:nvSpPr>
+        <p:spPr/>
+        <p:txBody>
+          <a:bodyPr/>
+          <a:lstStyle/>
+          <a:p>
+            <a:r>
+              <a:rPr lang="pl-PL" dirty="0"/>
+              <a:t>Wydajność</a:t>
+            </a:r>
+          </a:p>
+        </p:txBody>
+      </p:sp>
+      <p:sp>
+        <p:nvSpPr>
+          <p:cNvPr id="2" name="Symbol zastępczy numeru slajdu 1"/>
+          <p:cNvSpPr>
+            <a:spLocks noGrp="1"/>
+          </p:cNvSpPr>
+          <p:nvPr>
+            <p:ph type="sldNum" sz="quarter" idx="12"/>
+          </p:nvPr>
+        </p:nvSpPr>
+        <p:spPr/>
+        <p:txBody>
+          <a:bodyPr/>
+          <a:lstStyle/>
+          <a:p>
+            <a:fld id="{B7B2D0E0-4D7E-4A80-B5CA-CB21EB201799}" type="slidenum">
+              <a:rPr lang="pl-PL" smtClean="0"/>
+              <a:t>34</a:t>
+            </a:fld>
+            <a:endParaRPr lang="pl-PL" dirty="0"/>
+          </a:p>
+        </p:txBody>
+      </p:sp>
+      <p:sp>
+        <p:nvSpPr>
+          <p:cNvPr id="10" name="Symbol zastępczy tekstu 9"/>
+          <p:cNvSpPr>
+            <a:spLocks noGrp="1"/>
+          </p:cNvSpPr>
+          <p:nvPr>
+            <p:ph type="body" sz="quarter" idx="13"/>
+          </p:nvPr>
+        </p:nvSpPr>
+        <p:spPr/>
+        <p:txBody>
+          <a:bodyPr>
+            <a:normAutofit fontScale="92500" lnSpcReduction="10000"/>
+          </a:bodyPr>
+          <a:lstStyle/>
+          <a:p>
+            <a:r>
+              <a:rPr lang="pl-PL" dirty="0" err="1" smtClean="0"/>
+              <a:t>Theta</a:t>
+            </a:r>
+            <a:r>
+              <a:rPr lang="pl-PL" dirty="0" smtClean="0"/>
+              <a:t>-złączenie</a:t>
+            </a:r>
+            <a:endParaRPr lang="pl-PL" dirty="0"/>
+          </a:p>
+        </p:txBody>
+      </p:sp>
+      <p:graphicFrame>
+        <p:nvGraphicFramePr>
+          <p:cNvPr id="9" name="Symbol zastępczy zawartości 8"/>
+          <p:cNvGraphicFramePr>
+            <a:graphicFrameLocks noGrp="1"/>
+          </p:cNvGraphicFramePr>
+          <p:nvPr>
+            <p:ph sz="quarter" idx="15"/>
+            <p:extLst>
+              <p:ext uri="{D42A27DB-BD31-4B8C-83A1-F6EECF244321}">
+                <p14:modId xmlns:p14="http://schemas.microsoft.com/office/powerpoint/2010/main" val="1618442724"/>
+              </p:ext>
+            </p:extLst>
+          </p:nvPr>
+        </p:nvGraphicFramePr>
+        <p:xfrm>
+          <a:off x="838200" y="2047875"/>
+          <a:ext cx="10514013" cy="3959225"/>
+        </p:xfrm>
+        <a:graphic>
+          <a:graphicData uri="http://schemas.openxmlformats.org/drawingml/2006/chart">
+            <c:chart xmlns:c="http://schemas.openxmlformats.org/drawingml/2006/chart" xmlns:r="http://schemas.openxmlformats.org/officeDocument/2006/relationships" r:id="rId3"/>
+          </a:graphicData>
+        </a:graphic>
+      </p:graphicFrame>
+      <p:sp>
+        <p:nvSpPr>
+          <p:cNvPr id="7" name="pole tekstowe 6"/>
+          <p:cNvSpPr txBox="1"/>
+          <p:nvPr/>
+        </p:nvSpPr>
+        <p:spPr>
+          <a:xfrm>
+            <a:off x="838200" y="6321044"/>
+            <a:ext cx="9418320" cy="523220"/>
+          </a:xfrm>
+          <a:prstGeom prst="rect">
+            <a:avLst/>
+          </a:prstGeom>
+          <a:noFill/>
+        </p:spPr>
+        <p:txBody>
+          <a:bodyPr wrap="square" rtlCol="0">
+            <a:spAutoFit/>
+          </a:bodyPr>
+          <a:lstStyle/>
+          <a:p>
+            <a:r>
+              <a:rPr lang="pl-PL" sz="1400" dirty="0" smtClean="0">
+                <a:hlinkClick r:id="rId4"/>
+              </a:rPr>
+              <a:t>* https</a:t>
+            </a:r>
+            <a:r>
+              <a:rPr lang="pl-PL" sz="1400" dirty="0">
+                <a:hlinkClick r:id="rId4"/>
+              </a:rPr>
+              <a:t>://</a:t>
+            </a:r>
+            <a:r>
+              <a:rPr lang="pl-PL" sz="1400" dirty="0" smtClean="0">
+                <a:hlinkClick r:id="rId4"/>
+              </a:rPr>
+              <a:t>cwiki.apache.org/Hive/languagemanual-joins.html</a:t>
+            </a:r>
+            <a:endParaRPr lang="pl-PL" sz="1400" dirty="0" smtClean="0"/>
+          </a:p>
+          <a:p>
+            <a:r>
+              <a:rPr lang="pl-PL" sz="1400" dirty="0" smtClean="0"/>
+              <a:t>* http</a:t>
+            </a:r>
+            <a:r>
+              <a:rPr lang="pl-PL" sz="1400" dirty="0"/>
+              <a:t>://grokbase.com/t/hive/user/123dnszatz/non-equality-joins</a:t>
+            </a:r>
+          </a:p>
+        </p:txBody>
+      </p:sp>
+    </p:spTree>
+    <p:extLst>
+      <p:ext uri="{BB962C8B-B14F-4D97-AF65-F5344CB8AC3E}">
+        <p14:creationId xmlns:p14="http://schemas.microsoft.com/office/powerpoint/2010/main" val="2170886484"/>
+      </p:ext>
+    </p:extLst>
+  </p:cSld>
+  <p:clrMapOvr>
+    <a:masterClrMapping/>
+  </p:clrMapOvr>
+  <p:timing>
+    <p:tnLst>
+      <p:par>
+        <p:cTn id="1" dur="indefinite" restart="never" nodeType="tmRoot"/>
+      </p:par>
+    </p:tnLst>
+  </p:timing>
+</p:sld>
+</file>
+
+<file path=ppt/slides/slide35.xml><?xml version="1.0" encoding="utf-8"?>
+<p:sld xmlns:a="http://schemas.openxmlformats.org/drawingml/2006/main" xmlns:r="http://schemas.openxmlformats.org/officeDocument/2006/relationships" xmlns:p="http://schemas.openxmlformats.org/presentationml/2006/main">
+  <p:cSld>
+    <p:spTree>
+      <p:nvGrpSpPr>
+        <p:cNvPr id="1" name=""/>
+        <p:cNvGrpSpPr/>
+        <p:nvPr/>
+      </p:nvGrpSpPr>
+      <p:grpSpPr>
+        <a:xfrm>
+          <a:off x="0" y="0"/>
+          <a:ext cx="0" cy="0"/>
+          <a:chOff x="0" y="0"/>
+          <a:chExt cx="0" cy="0"/>
+        </a:xfrm>
+      </p:grpSpPr>
+      <p:sp>
+        <p:nvSpPr>
+          <p:cNvPr id="5" name="Tytuł 4"/>
+          <p:cNvSpPr>
+            <a:spLocks noGrp="1"/>
+          </p:cNvSpPr>
+          <p:nvPr>
+            <p:ph type="title"/>
+          </p:nvPr>
+        </p:nvSpPr>
+        <p:spPr/>
+        <p:txBody>
+          <a:bodyPr/>
+          <a:lstStyle/>
+          <a:p>
+            <a:r>
+              <a:rPr lang="pl-PL" dirty="0" smtClean="0"/>
+              <a:t>Podsumowanie</a:t>
+            </a:r>
+            <a:endParaRPr lang="pl-PL" dirty="0"/>
+          </a:p>
+        </p:txBody>
+      </p:sp>
+      <p:sp>
+        <p:nvSpPr>
+          <p:cNvPr id="6" name="Symbol zastępczy zawartości 5"/>
+          <p:cNvSpPr>
+            <a:spLocks noGrp="1"/>
+          </p:cNvSpPr>
+          <p:nvPr>
+            <p:ph idx="1"/>
+          </p:nvPr>
+        </p:nvSpPr>
+        <p:spPr>
+          <a:xfrm>
+            <a:off x="838200" y="2046669"/>
+            <a:ext cx="10515600" cy="4121150"/>
+          </a:xfrm>
+        </p:spPr>
+        <p:txBody>
+          <a:bodyPr/>
+          <a:lstStyle/>
+          <a:p>
+            <a:r>
+              <a:rPr lang="pl-PL" dirty="0" smtClean="0"/>
+              <a:t>Nad każdym klastrem powinien wisieć Framework (co najmniej jeden)</a:t>
+            </a:r>
+          </a:p>
+          <a:p>
+            <a:r>
+              <a:rPr lang="pl-PL" dirty="0" err="1" smtClean="0"/>
+              <a:t>Kodzimy</a:t>
+            </a:r>
+            <a:r>
+              <a:rPr lang="pl-PL" dirty="0" smtClean="0"/>
+              <a:t> w ostateczności</a:t>
+            </a:r>
+          </a:p>
+          <a:p>
+            <a:r>
+              <a:rPr lang="pl-PL" dirty="0" smtClean="0"/>
+              <a:t>Złączenia nierównościowe w ogólnej postaci </a:t>
+            </a:r>
+            <a:r>
+              <a:rPr lang="pl-PL" b="1" dirty="0" smtClean="0"/>
+              <a:t>nie</a:t>
+            </a:r>
+            <a:r>
+              <a:rPr lang="pl-PL" dirty="0" smtClean="0"/>
+              <a:t> są możliwe do wyrażenia za pomocą grupowania – agregacji</a:t>
+            </a:r>
+          </a:p>
+          <a:p>
+            <a:r>
+              <a:rPr lang="pl-PL" dirty="0" smtClean="0"/>
+              <a:t>Systemy Map </a:t>
+            </a:r>
+            <a:r>
+              <a:rPr lang="pl-PL" dirty="0" err="1" smtClean="0"/>
+              <a:t>Reduce</a:t>
+            </a:r>
+            <a:r>
+              <a:rPr lang="pl-PL" dirty="0" smtClean="0"/>
+              <a:t> NIE są kompletne obliczeniowo i NIE powinny być używane jak </a:t>
+            </a:r>
+            <a:r>
+              <a:rPr lang="pl-PL" i="1" dirty="0" smtClean="0"/>
+              <a:t>złoty młotek</a:t>
+            </a:r>
+          </a:p>
+          <a:p>
+            <a:r>
+              <a:rPr lang="pl-PL" dirty="0" smtClean="0"/>
+              <a:t>Istnieją inne modele programistyczne np. PACT, który rozszerza liczbę możliwych faz</a:t>
+            </a:r>
+            <a:r>
+              <a:rPr lang="en-US" dirty="0"/>
+              <a:t/>
+            </a:r>
+            <a:br>
+              <a:rPr lang="en-US" dirty="0"/>
+            </a:br>
+            <a:endParaRPr lang="pl-PL" dirty="0"/>
+          </a:p>
+        </p:txBody>
+      </p:sp>
+      <p:sp>
+        <p:nvSpPr>
+          <p:cNvPr id="2" name="Symbol zastępczy numeru slajdu 1"/>
+          <p:cNvSpPr>
+            <a:spLocks noGrp="1"/>
+          </p:cNvSpPr>
+          <p:nvPr>
+            <p:ph type="sldNum" sz="quarter" idx="12"/>
+          </p:nvPr>
+        </p:nvSpPr>
+        <p:spPr/>
+        <p:txBody>
+          <a:bodyPr/>
+          <a:lstStyle/>
+          <a:p>
+            <a:fld id="{B7B2D0E0-4D7E-4A80-B5CA-CB21EB201799}" type="slidenum">
+              <a:rPr lang="pl-PL" smtClean="0"/>
+              <a:t>35</a:t>
+            </a:fld>
+            <a:endParaRPr lang="pl-PL" dirty="0"/>
+          </a:p>
+        </p:txBody>
+      </p:sp>
+    </p:spTree>
+    <p:extLst>
+      <p:ext uri="{BB962C8B-B14F-4D97-AF65-F5344CB8AC3E}">
+        <p14:creationId xmlns:p14="http://schemas.microsoft.com/office/powerpoint/2010/main" val="893165354"/>
+      </p:ext>
+    </p:extLst>
+  </p:cSld>
+  <p:clrMapOvr>
+    <a:masterClrMapping/>
+  </p:clrMapOvr>
+  <p:timing>
+    <p:tnLst>
+      <p:par>
+        <p:cTn id="1" dur="indefinite" restart="never" nodeType="tmRoot"/>
+      </p:par>
+    </p:tnLst>
+  </p:timing>
+</p:sld>
+</file>
+
+<file path=ppt/slides/slide36.xml><?xml version="1.0" encoding="utf-8"?>
+<p:sld xmlns:a="http://schemas.openxmlformats.org/drawingml/2006/main" xmlns:r="http://schemas.openxmlformats.org/officeDocument/2006/relationships" xmlns:p="http://schemas.openxmlformats.org/presentationml/2006/main">
+  <p:cSld>
+    <p:spTree>
+      <p:nvGrpSpPr>
+        <p:cNvPr id="1" name=""/>
+        <p:cNvGrpSpPr/>
+        <p:nvPr/>
+      </p:nvGrpSpPr>
+      <p:grpSpPr>
+        <a:xfrm>
+          <a:off x="0" y="0"/>
+          <a:ext cx="0" cy="0"/>
+          <a:chOff x="0" y="0"/>
+          <a:chExt cx="0" cy="0"/>
+        </a:xfrm>
+      </p:grpSpPr>
+      <p:sp>
+        <p:nvSpPr>
+          <p:cNvPr id="5" name="Tytuł 4"/>
+          <p:cNvSpPr>
+            <a:spLocks noGrp="1"/>
+          </p:cNvSpPr>
+          <p:nvPr>
+            <p:ph type="title"/>
+          </p:nvPr>
+        </p:nvSpPr>
+        <p:spPr/>
+        <p:txBody>
+          <a:bodyPr/>
+          <a:lstStyle/>
+          <a:p>
+            <a:r>
+              <a:rPr lang="pl-PL" dirty="0" smtClean="0"/>
+              <a:t>Materiały</a:t>
+            </a:r>
+            <a:endParaRPr lang="pl-PL" dirty="0"/>
+          </a:p>
+        </p:txBody>
+      </p:sp>
+      <p:sp>
+        <p:nvSpPr>
+          <p:cNvPr id="6" name="Symbol zastępczy zawartości 5"/>
+          <p:cNvSpPr>
+            <a:spLocks noGrp="1"/>
+          </p:cNvSpPr>
+          <p:nvPr>
+            <p:ph idx="1"/>
+          </p:nvPr>
+        </p:nvSpPr>
+        <p:spPr>
+          <a:xfrm>
+            <a:off x="838200" y="2046669"/>
+            <a:ext cx="10515600" cy="4121150"/>
+          </a:xfrm>
+        </p:spPr>
+        <p:txBody>
+          <a:bodyPr/>
+          <a:lstStyle/>
+          <a:p>
+            <a:r>
+              <a:rPr lang="pl-PL" dirty="0" smtClean="0"/>
+              <a:t>H</a:t>
+            </a:r>
+            <a:r>
+              <a:rPr lang="en-US" dirty="0" err="1" smtClean="0"/>
+              <a:t>adoop</a:t>
+            </a:r>
+            <a:r>
+              <a:rPr lang="en-US" dirty="0" smtClean="0"/>
+              <a:t> </a:t>
+            </a:r>
+            <a:r>
+              <a:rPr lang="pl-PL" dirty="0" smtClean="0"/>
+              <a:t>T</a:t>
+            </a:r>
+            <a:r>
+              <a:rPr lang="en-US" dirty="0" smtClean="0"/>
+              <a:t>he </a:t>
+            </a:r>
+            <a:r>
+              <a:rPr lang="pl-PL" dirty="0" smtClean="0"/>
+              <a:t>D</a:t>
+            </a:r>
+            <a:r>
+              <a:rPr lang="en-US" dirty="0" err="1" smtClean="0"/>
+              <a:t>efinitive</a:t>
+            </a:r>
+            <a:r>
+              <a:rPr lang="en-US" dirty="0" smtClean="0"/>
+              <a:t> </a:t>
+            </a:r>
+            <a:r>
+              <a:rPr lang="pl-PL" dirty="0" smtClean="0"/>
+              <a:t>G</a:t>
+            </a:r>
+            <a:r>
+              <a:rPr lang="en-US" dirty="0" err="1" smtClean="0"/>
+              <a:t>uide</a:t>
+            </a:r>
+            <a:r>
+              <a:rPr lang="en-US" dirty="0" smtClean="0"/>
+              <a:t> </a:t>
+            </a:r>
+            <a:r>
+              <a:rPr lang="en-US" dirty="0"/>
+              <a:t>4th </a:t>
+            </a:r>
+            <a:r>
+              <a:rPr lang="en-US" dirty="0" smtClean="0"/>
+              <a:t>edition</a:t>
+            </a:r>
+            <a:r>
+              <a:rPr lang="pl-PL" dirty="0" smtClean="0"/>
+              <a:t>, T</a:t>
+            </a:r>
+            <a:r>
+              <a:rPr lang="en-US" dirty="0"/>
+              <a:t>om</a:t>
+            </a:r>
+            <a:r>
+              <a:rPr lang="pl-PL" dirty="0"/>
+              <a:t> W</a:t>
+            </a:r>
+            <a:r>
+              <a:rPr lang="en-US" dirty="0" err="1" smtClean="0"/>
+              <a:t>hite</a:t>
+            </a:r>
+            <a:endParaRPr lang="pl-PL" dirty="0" smtClean="0"/>
+          </a:p>
+          <a:p>
+            <a:r>
+              <a:rPr lang="pl-PL" dirty="0" err="1" smtClean="0"/>
+              <a:t>Hive</a:t>
+            </a:r>
+            <a:r>
+              <a:rPr lang="pl-PL" dirty="0" smtClean="0"/>
+              <a:t> </a:t>
+            </a:r>
+            <a:r>
+              <a:rPr lang="pl-PL" dirty="0" err="1" smtClean="0"/>
+              <a:t>reference</a:t>
+            </a:r>
+            <a:r>
+              <a:rPr lang="pl-PL" dirty="0" smtClean="0"/>
+              <a:t>: </a:t>
+            </a:r>
+            <a:r>
+              <a:rPr lang="pl-PL" dirty="0" smtClean="0">
+                <a:hlinkClick r:id="rId3"/>
+              </a:rPr>
+              <a:t>link</a:t>
+            </a:r>
+            <a:endParaRPr lang="pl-PL" dirty="0" smtClean="0"/>
+          </a:p>
+          <a:p>
+            <a:r>
+              <a:rPr lang="pl-PL" dirty="0" err="1"/>
+              <a:t>MapReduce</a:t>
+            </a:r>
+            <a:r>
+              <a:rPr lang="pl-PL" dirty="0"/>
+              <a:t> Design </a:t>
+            </a:r>
+            <a:r>
+              <a:rPr lang="pl-PL" dirty="0" err="1"/>
+              <a:t>Patterns</a:t>
+            </a:r>
+            <a:r>
+              <a:rPr lang="pl-PL" dirty="0"/>
+              <a:t>, Donald Miner &amp; Adam </a:t>
+            </a:r>
+            <a:r>
+              <a:rPr lang="pl-PL" dirty="0" err="1" smtClean="0"/>
+              <a:t>Shook</a:t>
+            </a:r>
+            <a:endParaRPr lang="pl-PL" dirty="0" smtClean="0"/>
+          </a:p>
+          <a:p>
+            <a:r>
+              <a:rPr lang="pl-PL" dirty="0" err="1" smtClean="0"/>
+              <a:t>MapR</a:t>
+            </a:r>
+            <a:r>
+              <a:rPr lang="pl-PL" dirty="0" smtClean="0"/>
+              <a:t> </a:t>
+            </a:r>
+            <a:r>
+              <a:rPr lang="pl-PL" dirty="0" err="1" smtClean="0"/>
+              <a:t>Academy</a:t>
+            </a:r>
+            <a:r>
+              <a:rPr lang="pl-PL" dirty="0" smtClean="0"/>
+              <a:t>: </a:t>
+            </a:r>
+            <a:r>
+              <a:rPr lang="pl-PL" dirty="0" smtClean="0">
+                <a:hlinkClick r:id="rId4"/>
+              </a:rPr>
+              <a:t>link</a:t>
+            </a:r>
+            <a:endParaRPr lang="pl-PL" dirty="0" smtClean="0"/>
+          </a:p>
+          <a:p>
+            <a:r>
+              <a:rPr lang="pl-PL" dirty="0" err="1" smtClean="0"/>
+              <a:t>Hortonworks</a:t>
+            </a:r>
+            <a:r>
+              <a:rPr lang="pl-PL" dirty="0" smtClean="0"/>
+              <a:t> VM: </a:t>
+            </a:r>
+            <a:r>
+              <a:rPr lang="pl-PL" dirty="0" smtClean="0">
+                <a:hlinkClick r:id="rId5"/>
+              </a:rPr>
+              <a:t>link</a:t>
+            </a:r>
+            <a:endParaRPr lang="pl-PL" dirty="0" smtClean="0"/>
+          </a:p>
+          <a:p>
+            <a:r>
+              <a:rPr lang="pl-PL" dirty="0" err="1" smtClean="0"/>
+              <a:t>Join</a:t>
+            </a:r>
+            <a:r>
+              <a:rPr lang="pl-PL" dirty="0" smtClean="0"/>
+              <a:t> </a:t>
+            </a:r>
+            <a:r>
+              <a:rPr lang="pl-PL" dirty="0" err="1" smtClean="0"/>
+              <a:t>algorithms</a:t>
+            </a:r>
+            <a:r>
+              <a:rPr lang="pl-PL" dirty="0" smtClean="0"/>
+              <a:t> in Map/</a:t>
+            </a:r>
+            <a:r>
+              <a:rPr lang="pl-PL" dirty="0" err="1" smtClean="0"/>
+              <a:t>Reduce</a:t>
+            </a:r>
+            <a:r>
+              <a:rPr lang="pl-PL" dirty="0" smtClean="0"/>
+              <a:t>, Maciej Penar, praca magisterska, Politechnika Wrocławska</a:t>
+            </a:r>
+            <a:r>
+              <a:rPr lang="en-US" dirty="0"/>
+              <a:t/>
+            </a:r>
+            <a:br>
+              <a:rPr lang="en-US" dirty="0"/>
+            </a:br>
+            <a:endParaRPr lang="pl-PL" dirty="0"/>
+          </a:p>
+        </p:txBody>
+      </p:sp>
+      <p:sp>
+        <p:nvSpPr>
+          <p:cNvPr id="2" name="Symbol zastępczy numeru slajdu 1"/>
+          <p:cNvSpPr>
+            <a:spLocks noGrp="1"/>
+          </p:cNvSpPr>
+          <p:nvPr>
+            <p:ph type="sldNum" sz="quarter" idx="12"/>
+          </p:nvPr>
+        </p:nvSpPr>
+        <p:spPr/>
+        <p:txBody>
+          <a:bodyPr/>
+          <a:lstStyle/>
+          <a:p>
+            <a:fld id="{B7B2D0E0-4D7E-4A80-B5CA-CB21EB201799}" type="slidenum">
+              <a:rPr lang="pl-PL" smtClean="0"/>
+              <a:t>36</a:t>
+            </a:fld>
+            <a:endParaRPr lang="pl-PL" dirty="0"/>
+          </a:p>
+        </p:txBody>
+      </p:sp>
+    </p:spTree>
+    <p:extLst>
+      <p:ext uri="{BB962C8B-B14F-4D97-AF65-F5344CB8AC3E}">
+        <p14:creationId xmlns:p14="http://schemas.microsoft.com/office/powerpoint/2010/main" val="1847864162"/>
+      </p:ext>
+    </p:extLst>
+  </p:cSld>
+  <p:clrMapOvr>
+    <a:masterClrMapping/>
+  </p:clrMapOvr>
+  <p:timing>
+    <p:tnLst>
+      <p:par>
+        <p:cTn id="1" dur="indefinite" restart="never" nodeType="tmRoot"/>
+      </p:par>
+    </p:tnLst>
+  </p:timing>
+</p:sld>
+</file>
+
+<file path=ppt/slides/slide37.xml><?xml version="1.0" encoding="utf-8"?>
+<p:sld xmlns:a="http://schemas.openxmlformats.org/drawingml/2006/main" xmlns:r="http://schemas.openxmlformats.org/officeDocument/2006/relationships" xmlns:p="http://schemas.openxmlformats.org/presentationml/2006/main">
+  <p:cSld>
+    <p:spTree>
+      <p:nvGrpSpPr>
+        <p:cNvPr id="1" name=""/>
+        <p:cNvGrpSpPr/>
+        <p:nvPr/>
+      </p:nvGrpSpPr>
+      <p:grpSpPr>
+        <a:xfrm>
+          <a:off x="0" y="0"/>
+          <a:ext cx="0" cy="0"/>
+          <a:chOff x="0" y="0"/>
+          <a:chExt cx="0" cy="0"/>
+        </a:xfrm>
+      </p:grpSpPr>
+      <p:sp>
+        <p:nvSpPr>
+          <p:cNvPr id="5" name="Tytuł 4"/>
+          <p:cNvSpPr>
+            <a:spLocks noGrp="1"/>
+          </p:cNvSpPr>
+          <p:nvPr>
+            <p:ph type="title"/>
+          </p:nvPr>
+        </p:nvSpPr>
+        <p:spPr/>
+        <p:txBody>
+          <a:bodyPr/>
+          <a:lstStyle/>
+          <a:p>
+            <a:r>
+              <a:rPr lang="pl-PL" dirty="0" smtClean="0"/>
+              <a:t>Dziękuję </a:t>
+            </a:r>
+            <a:r>
+              <a:rPr lang="pl-PL" dirty="0" smtClean="0"/>
+              <a:t>za uwagę</a:t>
+            </a:r>
+            <a:endParaRPr lang="pl-PL" dirty="0"/>
+          </a:p>
+        </p:txBody>
+      </p:sp>
+      <p:sp>
+        <p:nvSpPr>
+          <p:cNvPr id="2" name="Symbol zastępczy tekstu 1"/>
+          <p:cNvSpPr>
+            <a:spLocks noGrp="1"/>
+          </p:cNvSpPr>
+          <p:nvPr>
+            <p:ph type="body" idx="1"/>
+          </p:nvPr>
+        </p:nvSpPr>
+        <p:spPr/>
+        <p:txBody>
+          <a:bodyPr/>
+          <a:lstStyle/>
+          <a:p>
+            <a:pPr algn="r"/>
+            <a:r>
+              <a:rPr lang="pl-PL" dirty="0" smtClean="0"/>
+              <a:t>Pytania</a:t>
+            </a:r>
+            <a:endParaRPr lang="pl-PL" dirty="0"/>
+          </a:p>
+        </p:txBody>
+      </p:sp>
+      <p:sp>
+        <p:nvSpPr>
+          <p:cNvPr id="3" name="Symbol zastępczy numeru slajdu 2"/>
+          <p:cNvSpPr>
+            <a:spLocks noGrp="1"/>
+          </p:cNvSpPr>
+          <p:nvPr>
+            <p:ph type="sldNum" sz="quarter" idx="12"/>
+          </p:nvPr>
+        </p:nvSpPr>
+        <p:spPr/>
+        <p:txBody>
+          <a:bodyPr/>
+          <a:lstStyle/>
+          <a:p>
+            <a:fld id="{B7B2D0E0-4D7E-4A80-B5CA-CB21EB201799}" type="slidenum">
+              <a:rPr lang="pl-PL" smtClean="0"/>
+              <a:t>37</a:t>
+            </a:fld>
+            <a:endParaRPr lang="pl-PL" dirty="0"/>
+          </a:p>
+        </p:txBody>
+      </p:sp>
+    </p:spTree>
+    <p:extLst>
+      <p:ext uri="{BB962C8B-B14F-4D97-AF65-F5344CB8AC3E}">
+        <p14:creationId xmlns:p14="http://schemas.microsoft.com/office/powerpoint/2010/main" val="4160562356"/>
+      </p:ext>
+    </p:extLst>
+  </p:cSld>
+  <p:clrMapOvr>
+    <a:masterClrMapping/>
+  </p:clrMapOvr>
+  <p:timing>
+    <p:tnLst>
+      <p:par>
+        <p:cTn id="1" dur="indefinite" restart="never" nodeType="tmRoot"/>
+      </p:par>
+    </p:tnLst>
+  </p:timing>
+</p:sld>
+</file>
+
+<file path=ppt/slides/slide38.xml><?xml version="1.0" encoding="utf-8"?>
+<p:sld xmlns:a="http://schemas.openxmlformats.org/drawingml/2006/main" xmlns:r="http://schemas.openxmlformats.org/officeDocument/2006/relationships" xmlns:p="http://schemas.openxmlformats.org/presentationml/2006/main">
+  <p:cSld>
+    <p:spTree>
+      <p:nvGrpSpPr>
+        <p:cNvPr id="1" name=""/>
+        <p:cNvGrpSpPr/>
+        <p:nvPr/>
+      </p:nvGrpSpPr>
+      <p:grpSpPr>
+        <a:xfrm>
+          <a:off x="0" y="0"/>
+          <a:ext cx="0" cy="0"/>
+          <a:chOff x="0" y="0"/>
+          <a:chExt cx="0" cy="0"/>
+        </a:xfrm>
+      </p:grpSpPr>
+      <p:sp>
+        <p:nvSpPr>
+          <p:cNvPr id="5" name="Tytuł 4"/>
+          <p:cNvSpPr>
+            <a:spLocks noGrp="1"/>
+          </p:cNvSpPr>
+          <p:nvPr>
+            <p:ph type="title"/>
+          </p:nvPr>
+        </p:nvSpPr>
+        <p:spPr/>
+        <p:txBody>
+          <a:bodyPr/>
+          <a:lstStyle/>
+          <a:p>
+            <a:r>
+              <a:rPr lang="pl-PL" dirty="0" smtClean="0"/>
+              <a:t>Slajdy dodatkowe</a:t>
+            </a:r>
+            <a:endParaRPr lang="pl-PL" dirty="0"/>
+          </a:p>
+        </p:txBody>
+      </p:sp>
+      <p:sp>
+        <p:nvSpPr>
+          <p:cNvPr id="2" name="Symbol zastępczy tekstu 1"/>
+          <p:cNvSpPr>
+            <a:spLocks noGrp="1"/>
+          </p:cNvSpPr>
+          <p:nvPr>
+            <p:ph type="body" idx="1"/>
+          </p:nvPr>
+        </p:nvSpPr>
+        <p:spPr/>
+        <p:txBody>
+          <a:bodyPr/>
+          <a:lstStyle/>
+          <a:p>
+            <a:pPr algn="r"/>
+            <a:r>
+              <a:rPr lang="pl-PL" dirty="0" err="1" smtClean="0"/>
+              <a:t>Hive</a:t>
+            </a:r>
+            <a:endParaRPr lang="pl-PL" dirty="0"/>
+          </a:p>
+        </p:txBody>
+      </p:sp>
+      <p:sp>
+        <p:nvSpPr>
+          <p:cNvPr id="3" name="Symbol zastępczy numeru slajdu 2"/>
+          <p:cNvSpPr>
+            <a:spLocks noGrp="1"/>
+          </p:cNvSpPr>
+          <p:nvPr>
+            <p:ph type="sldNum" sz="quarter" idx="12"/>
+          </p:nvPr>
+        </p:nvSpPr>
+        <p:spPr/>
+        <p:txBody>
+          <a:bodyPr/>
+          <a:lstStyle/>
+          <a:p>
+            <a:fld id="{B7B2D0E0-4D7E-4A80-B5CA-CB21EB201799}" type="slidenum">
+              <a:rPr lang="pl-PL" smtClean="0"/>
+              <a:t>38</a:t>
+            </a:fld>
+            <a:endParaRPr lang="pl-PL" dirty="0"/>
+          </a:p>
+        </p:txBody>
+      </p:sp>
+    </p:spTree>
+    <p:extLst>
+      <p:ext uri="{BB962C8B-B14F-4D97-AF65-F5344CB8AC3E}">
+        <p14:creationId xmlns:p14="http://schemas.microsoft.com/office/powerpoint/2010/main" val="1014344568"/>
+      </p:ext>
+    </p:extLst>
+  </p:cSld>
+  <p:clrMapOvr>
+    <a:masterClrMapping/>
+  </p:clrMapOvr>
+  <p:timing>
+    <p:tnLst>
+      <p:par>
+        <p:cTn id="1" dur="indefinite" restart="never" nodeType="tmRoot"/>
+      </p:par>
+    </p:tnLst>
+  </p:timing>
+</p:sld>
+</file>
+
+<file path=ppt/slides/slide39.xml><?xml version="1.0" encoding="utf-8"?>
+<p:sld xmlns:a="http://schemas.openxmlformats.org/drawingml/2006/main" xmlns:r="http://schemas.openxmlformats.org/officeDocument/2006/relationships" xmlns:p="http://schemas.openxmlformats.org/presentationml/2006/main">
+  <p:cSld>
+    <p:spTree>
+      <p:nvGrpSpPr>
+        <p:cNvPr id="1" name=""/>
+        <p:cNvGrpSpPr/>
+        <p:nvPr/>
+      </p:nvGrpSpPr>
+      <p:grpSpPr>
+        <a:xfrm>
+          <a:off x="0" y="0"/>
+          <a:ext cx="0" cy="0"/>
+          <a:chOff x="0" y="0"/>
+          <a:chExt cx="0" cy="0"/>
+        </a:xfrm>
+      </p:grpSpPr>
+      <p:sp>
+        <p:nvSpPr>
           <p:cNvPr id="4" name="Tytuł 3"/>
           <p:cNvSpPr>
             <a:spLocks noGrp="1"/>
@@ -28461,7 +29945,7 @@
           <a:p>
             <a:fld id="{B7B2D0E0-4D7E-4A80-B5CA-CB21EB201799}" type="slidenum">
               <a:rPr lang="pl-PL" smtClean="0"/>
-              <a:t>32</a:t>
+              <a:t>39</a:t>
             </a:fld>
             <a:endParaRPr lang="pl-PL" dirty="0"/>
           </a:p>
@@ -28620,1998 +30104,7 @@
     </p:spTree>
     <p:extLst>
       <p:ext uri="{BB962C8B-B14F-4D97-AF65-F5344CB8AC3E}">
-        <p14:creationId xmlns:p14="http://schemas.microsoft.com/office/powerpoint/2010/main" val="2271390380"/>
-      </p:ext>
-    </p:extLst>
-  </p:cSld>
-  <p:clrMapOvr>
-    <a:masterClrMapping/>
-  </p:clrMapOvr>
-  <p:timing>
-    <p:tnLst>
-      <p:par>
-        <p:cTn id="1" dur="indefinite" restart="never" nodeType="tmRoot"/>
-      </p:par>
-    </p:tnLst>
-  </p:timing>
-</p:sld>
-</file>
-
-<file path=ppt/slides/slide33.xml><?xml version="1.0" encoding="utf-8"?>
-<p:sld xmlns:a="http://schemas.openxmlformats.org/drawingml/2006/main" xmlns:r="http://schemas.openxmlformats.org/officeDocument/2006/relationships" xmlns:p="http://schemas.openxmlformats.org/presentationml/2006/main">
-  <p:cSld>
-    <p:spTree>
-      <p:nvGrpSpPr>
-        <p:cNvPr id="1" name=""/>
-        <p:cNvGrpSpPr/>
-        <p:nvPr/>
-      </p:nvGrpSpPr>
-      <p:grpSpPr>
-        <a:xfrm>
-          <a:off x="0" y="0"/>
-          <a:ext cx="0" cy="0"/>
-          <a:chOff x="0" y="0"/>
-          <a:chExt cx="0" cy="0"/>
-        </a:xfrm>
-      </p:grpSpPr>
-      <p:sp>
-        <p:nvSpPr>
-          <p:cNvPr id="4" name="Tytuł 3"/>
-          <p:cNvSpPr>
-            <a:spLocks noGrp="1"/>
-          </p:cNvSpPr>
-          <p:nvPr>
-            <p:ph type="title"/>
-          </p:nvPr>
-        </p:nvSpPr>
-        <p:spPr/>
-        <p:txBody>
-          <a:bodyPr/>
-          <a:lstStyle/>
-          <a:p>
-            <a:r>
-              <a:rPr lang="pl-PL" dirty="0" smtClean="0"/>
-              <a:t>Złączenia</a:t>
-            </a:r>
-            <a:endParaRPr lang="pl-PL" dirty="0"/>
-          </a:p>
-        </p:txBody>
-      </p:sp>
-      <p:sp>
-        <p:nvSpPr>
-          <p:cNvPr id="5" name="Symbol zastępczy tekstu 4"/>
-          <p:cNvSpPr>
-            <a:spLocks noGrp="1"/>
-          </p:cNvSpPr>
-          <p:nvPr>
-            <p:ph type="body" sz="quarter" idx="13"/>
-          </p:nvPr>
-        </p:nvSpPr>
-        <p:spPr/>
-        <p:txBody>
-          <a:bodyPr>
-            <a:normAutofit fontScale="92500" lnSpcReduction="10000"/>
-          </a:bodyPr>
-          <a:lstStyle/>
-          <a:p>
-            <a:r>
-              <a:rPr lang="pl-PL" dirty="0" err="1" smtClean="0"/>
-              <a:t>Frameworki</a:t>
-            </a:r>
-            <a:endParaRPr lang="pl-PL" dirty="0" smtClean="0"/>
-          </a:p>
-        </p:txBody>
-      </p:sp>
-      <p:sp>
-        <p:nvSpPr>
-          <p:cNvPr id="6" name="Symbol zastępczy tekstu 5"/>
-          <p:cNvSpPr>
-            <a:spLocks noGrp="1"/>
-          </p:cNvSpPr>
-          <p:nvPr>
-            <p:ph type="body" sz="quarter" idx="4294967295"/>
-          </p:nvPr>
-        </p:nvSpPr>
-        <p:spPr>
-          <a:xfrm>
-            <a:off x="838200" y="2048256"/>
-            <a:ext cx="10514013" cy="3958844"/>
-          </a:xfrm>
-        </p:spPr>
-        <p:txBody>
-          <a:bodyPr>
-            <a:normAutofit fontScale="92500" lnSpcReduction="10000"/>
-          </a:bodyPr>
-          <a:lstStyle/>
-          <a:p>
-            <a:pPr marL="0" indent="0">
-              <a:buNone/>
-            </a:pPr>
-            <a:r>
-              <a:rPr lang="pl-PL" dirty="0" smtClean="0"/>
-              <a:t>Języki:</a:t>
-            </a:r>
-          </a:p>
-          <a:p>
-            <a:r>
-              <a:rPr lang="pl-PL" b="1" dirty="0" err="1" smtClean="0"/>
-              <a:t>Hive</a:t>
-            </a:r>
-            <a:r>
-              <a:rPr lang="pl-PL" b="1" dirty="0" smtClean="0"/>
-              <a:t> - </a:t>
-            </a:r>
-            <a:r>
-              <a:rPr lang="pl-PL" b="1" dirty="0" err="1" smtClean="0"/>
-              <a:t>HiveQL</a:t>
-            </a:r>
-            <a:endParaRPr lang="pl-PL" b="1" dirty="0" smtClean="0"/>
-          </a:p>
-          <a:p>
-            <a:r>
-              <a:rPr lang="pl-PL" dirty="0" err="1" smtClean="0"/>
-              <a:t>Pig</a:t>
-            </a:r>
-            <a:r>
-              <a:rPr lang="pl-PL" dirty="0" smtClean="0"/>
-              <a:t> – </a:t>
-            </a:r>
-            <a:r>
-              <a:rPr lang="pl-PL" dirty="0" err="1" smtClean="0"/>
-              <a:t>PigLatin</a:t>
-            </a:r>
-            <a:r>
-              <a:rPr lang="pl-PL" dirty="0" smtClean="0"/>
-              <a:t> &lt;- proceduralny</a:t>
-            </a:r>
-          </a:p>
-          <a:p>
-            <a:r>
-              <a:rPr lang="pl-PL" dirty="0" err="1" smtClean="0"/>
-              <a:t>Drill</a:t>
-            </a:r>
-            <a:r>
-              <a:rPr lang="pl-PL" dirty="0" smtClean="0"/>
-              <a:t> - SQL</a:t>
-            </a:r>
-          </a:p>
-          <a:p>
-            <a:r>
-              <a:rPr lang="pl-PL" dirty="0" err="1" smtClean="0"/>
-              <a:t>Tajo</a:t>
-            </a:r>
-            <a:r>
-              <a:rPr lang="pl-PL" dirty="0" smtClean="0"/>
-              <a:t> – TSQL (</a:t>
-            </a:r>
-            <a:r>
-              <a:rPr lang="pl-PL" dirty="0" err="1" smtClean="0"/>
-              <a:t>TajoSQL</a:t>
-            </a:r>
-            <a:r>
-              <a:rPr lang="pl-PL" dirty="0" smtClean="0"/>
-              <a:t>)</a:t>
-            </a:r>
-          </a:p>
-          <a:p>
-            <a:r>
-              <a:rPr lang="pl-PL" dirty="0" smtClean="0"/>
-              <a:t>Spark – Spark SQL</a:t>
-            </a:r>
-          </a:p>
-          <a:p>
-            <a:endParaRPr lang="pl-PL" dirty="0"/>
-          </a:p>
-          <a:p>
-            <a:pPr marL="0" indent="0">
-              <a:buNone/>
-            </a:pPr>
-            <a:r>
-              <a:rPr lang="pl-PL" dirty="0" smtClean="0"/>
-              <a:t>Nie są mi znane języki operujące w ramach </a:t>
-            </a:r>
-            <a:r>
-              <a:rPr lang="pl-PL" dirty="0" err="1" smtClean="0"/>
-              <a:t>Hadoopa</a:t>
-            </a:r>
-            <a:r>
-              <a:rPr lang="pl-PL" dirty="0" smtClean="0"/>
-              <a:t> które potrafią wykonać złączenie nierównościowe</a:t>
-            </a:r>
-          </a:p>
-        </p:txBody>
-      </p:sp>
-      <p:sp>
-        <p:nvSpPr>
-          <p:cNvPr id="2" name="Symbol zastępczy numeru slajdu 1"/>
-          <p:cNvSpPr>
-            <a:spLocks noGrp="1"/>
-          </p:cNvSpPr>
-          <p:nvPr>
-            <p:ph type="sldNum" sz="quarter" idx="12"/>
-          </p:nvPr>
-        </p:nvSpPr>
-        <p:spPr/>
-        <p:txBody>
-          <a:bodyPr/>
-          <a:lstStyle/>
-          <a:p>
-            <a:fld id="{B7B2D0E0-4D7E-4A80-B5CA-CB21EB201799}" type="slidenum">
-              <a:rPr lang="pl-PL" smtClean="0"/>
-              <a:t>33</a:t>
-            </a:fld>
-            <a:endParaRPr lang="pl-PL" dirty="0"/>
-          </a:p>
-        </p:txBody>
-      </p:sp>
-    </p:spTree>
-    <p:extLst>
-      <p:ext uri="{BB962C8B-B14F-4D97-AF65-F5344CB8AC3E}">
-        <p14:creationId xmlns:p14="http://schemas.microsoft.com/office/powerpoint/2010/main" val="3518285134"/>
-      </p:ext>
-    </p:extLst>
-  </p:cSld>
-  <p:clrMapOvr>
-    <a:masterClrMapping/>
-  </p:clrMapOvr>
-  <p:timing>
-    <p:tnLst>
-      <p:par>
-        <p:cTn id="1" dur="indefinite" restart="never" nodeType="tmRoot"/>
-      </p:par>
-    </p:tnLst>
-  </p:timing>
-</p:sld>
-</file>
-
-<file path=ppt/slides/slide34.xml><?xml version="1.0" encoding="utf-8"?>
-<p:sld xmlns:a="http://schemas.openxmlformats.org/drawingml/2006/main" xmlns:r="http://schemas.openxmlformats.org/officeDocument/2006/relationships" xmlns:p="http://schemas.openxmlformats.org/presentationml/2006/main">
-  <p:cSld>
-    <p:spTree>
-      <p:nvGrpSpPr>
-        <p:cNvPr id="1" name=""/>
-        <p:cNvGrpSpPr/>
-        <p:nvPr/>
-      </p:nvGrpSpPr>
-      <p:grpSpPr>
-        <a:xfrm>
-          <a:off x="0" y="0"/>
-          <a:ext cx="0" cy="0"/>
-          <a:chOff x="0" y="0"/>
-          <a:chExt cx="0" cy="0"/>
-        </a:xfrm>
-      </p:grpSpPr>
-      <p:sp>
-        <p:nvSpPr>
-          <p:cNvPr id="4" name="Tytuł 3"/>
-          <p:cNvSpPr>
-            <a:spLocks noGrp="1"/>
-          </p:cNvSpPr>
-          <p:nvPr>
-            <p:ph type="title"/>
-          </p:nvPr>
-        </p:nvSpPr>
-        <p:spPr/>
-        <p:txBody>
-          <a:bodyPr/>
-          <a:lstStyle/>
-          <a:p>
-            <a:r>
-              <a:rPr lang="pl-PL" dirty="0" smtClean="0"/>
-              <a:t>Złączenia</a:t>
-            </a:r>
-            <a:endParaRPr lang="pl-PL" dirty="0"/>
-          </a:p>
-        </p:txBody>
-      </p:sp>
-      <p:sp>
-        <p:nvSpPr>
-          <p:cNvPr id="5" name="Symbol zastępczy tekstu 4"/>
-          <p:cNvSpPr>
-            <a:spLocks noGrp="1"/>
-          </p:cNvSpPr>
-          <p:nvPr>
-            <p:ph type="body" sz="quarter" idx="13"/>
-          </p:nvPr>
-        </p:nvSpPr>
-        <p:spPr/>
-        <p:txBody>
-          <a:bodyPr>
-            <a:normAutofit fontScale="92500" lnSpcReduction="10000"/>
-          </a:bodyPr>
-          <a:lstStyle/>
-          <a:p>
-            <a:r>
-              <a:rPr lang="pl-PL" dirty="0" err="1" smtClean="0"/>
-              <a:t>HiveQL</a:t>
-            </a:r>
-            <a:r>
-              <a:rPr lang="pl-PL" dirty="0" smtClean="0"/>
-              <a:t> - Tabele zewnętrzne – jak SQL</a:t>
-            </a:r>
-          </a:p>
-        </p:txBody>
-      </p:sp>
-      <p:sp>
-        <p:nvSpPr>
-          <p:cNvPr id="6" name="Symbol zastępczy tekstu 5"/>
-          <p:cNvSpPr>
-            <a:spLocks noGrp="1"/>
-          </p:cNvSpPr>
-          <p:nvPr>
-            <p:ph type="body" sz="quarter" idx="4294967295"/>
-          </p:nvPr>
-        </p:nvSpPr>
-        <p:spPr>
-          <a:xfrm>
-            <a:off x="838200" y="2048256"/>
-            <a:ext cx="10514013" cy="3958844"/>
-          </a:xfrm>
-        </p:spPr>
-        <p:txBody>
-          <a:bodyPr>
-            <a:normAutofit fontScale="55000" lnSpcReduction="20000"/>
-          </a:bodyPr>
-          <a:lstStyle/>
-          <a:p>
-            <a:pPr marL="0" indent="0">
-              <a:buNone/>
-            </a:pPr>
-            <a:r>
-              <a:rPr lang="pl-PL" b="1" dirty="0" smtClean="0"/>
-              <a:t>CREATE</a:t>
-            </a:r>
-            <a:r>
-              <a:rPr lang="pl-PL" dirty="0" smtClean="0"/>
-              <a:t> </a:t>
-            </a:r>
-            <a:r>
-              <a:rPr lang="pl-PL" b="1" dirty="0"/>
-              <a:t>EXTERNAL</a:t>
-            </a:r>
-            <a:r>
-              <a:rPr lang="pl-PL" dirty="0"/>
-              <a:t> </a:t>
-            </a:r>
-            <a:r>
-              <a:rPr lang="pl-PL" b="1" dirty="0"/>
-              <a:t>TABLE</a:t>
-            </a:r>
-            <a:r>
-              <a:rPr lang="pl-PL" dirty="0"/>
-              <a:t> `</a:t>
-            </a:r>
-            <a:r>
-              <a:rPr lang="pl-PL" b="1" dirty="0" err="1"/>
-              <a:t>default</a:t>
-            </a:r>
-            <a:r>
-              <a:rPr lang="pl-PL" dirty="0" err="1"/>
-              <a:t>.TABLEA</a:t>
-            </a:r>
-            <a:r>
-              <a:rPr lang="pl-PL" dirty="0"/>
-              <a:t>`( </a:t>
-            </a:r>
-          </a:p>
-          <a:p>
-            <a:pPr marL="0" indent="0">
-              <a:buNone/>
-            </a:pPr>
-            <a:r>
-              <a:rPr lang="pl-PL" dirty="0"/>
-              <a:t>	`A1` </a:t>
-            </a:r>
-            <a:r>
-              <a:rPr lang="pl-PL" dirty="0" err="1"/>
-              <a:t>int</a:t>
-            </a:r>
-            <a:r>
-              <a:rPr lang="pl-PL" dirty="0"/>
-              <a:t> , </a:t>
-            </a:r>
-          </a:p>
-          <a:p>
-            <a:pPr marL="0" indent="0">
-              <a:buNone/>
-            </a:pPr>
-            <a:r>
-              <a:rPr lang="pl-PL" dirty="0"/>
-              <a:t>	`B1` </a:t>
-            </a:r>
-            <a:r>
-              <a:rPr lang="pl-PL" dirty="0" err="1"/>
-              <a:t>int</a:t>
-            </a:r>
-            <a:r>
-              <a:rPr lang="pl-PL" dirty="0"/>
-              <a:t> , </a:t>
-            </a:r>
-          </a:p>
-          <a:p>
-            <a:pPr marL="0" indent="0">
-              <a:buNone/>
-            </a:pPr>
-            <a:r>
-              <a:rPr lang="pl-PL" dirty="0"/>
-              <a:t>	`C1` string , </a:t>
-            </a:r>
-          </a:p>
-          <a:p>
-            <a:pPr marL="0" indent="0">
-              <a:buNone/>
-            </a:pPr>
-            <a:r>
-              <a:rPr lang="pl-PL" dirty="0"/>
-              <a:t>	`D1` </a:t>
-            </a:r>
-            <a:r>
-              <a:rPr lang="pl-PL" dirty="0" err="1"/>
-              <a:t>double</a:t>
-            </a:r>
-            <a:r>
-              <a:rPr lang="pl-PL" dirty="0"/>
-              <a:t>, </a:t>
-            </a:r>
-          </a:p>
-          <a:p>
-            <a:pPr marL="0" indent="0">
-              <a:buNone/>
-            </a:pPr>
-            <a:r>
-              <a:rPr lang="pl-PL" dirty="0"/>
-              <a:t>	`E1` string, </a:t>
-            </a:r>
-          </a:p>
-          <a:p>
-            <a:pPr marL="0" indent="0">
-              <a:buNone/>
-            </a:pPr>
-            <a:r>
-              <a:rPr lang="pl-PL" dirty="0"/>
-              <a:t>	`F1` string, </a:t>
-            </a:r>
-          </a:p>
-          <a:p>
-            <a:pPr marL="0" indent="0">
-              <a:buNone/>
-            </a:pPr>
-            <a:r>
-              <a:rPr lang="pl-PL" dirty="0"/>
-              <a:t>	`G1` string, </a:t>
-            </a:r>
-          </a:p>
-          <a:p>
-            <a:pPr marL="0" indent="0">
-              <a:buNone/>
-            </a:pPr>
-            <a:r>
-              <a:rPr lang="pl-PL" dirty="0"/>
-              <a:t>	`H1` string, </a:t>
-            </a:r>
-          </a:p>
-          <a:p>
-            <a:pPr marL="0" indent="0">
-              <a:buNone/>
-            </a:pPr>
-            <a:r>
-              <a:rPr lang="pl-PL" dirty="0"/>
-              <a:t>	`I1` string)</a:t>
-            </a:r>
-          </a:p>
-          <a:p>
-            <a:pPr marL="0" indent="0">
-              <a:buNone/>
-            </a:pPr>
-            <a:r>
-              <a:rPr lang="pl-PL" b="1" dirty="0"/>
-              <a:t>ROW</a:t>
-            </a:r>
-            <a:r>
-              <a:rPr lang="pl-PL" dirty="0"/>
-              <a:t> FORMAT DELIMITED FIELDS TERMINATED </a:t>
-            </a:r>
-            <a:r>
-              <a:rPr lang="pl-PL" b="1" dirty="0"/>
-              <a:t>BY</a:t>
-            </a:r>
-            <a:r>
-              <a:rPr lang="pl-PL" dirty="0"/>
-              <a:t> "|"</a:t>
-            </a:r>
-          </a:p>
-          <a:p>
-            <a:pPr marL="0" indent="0">
-              <a:buNone/>
-            </a:pPr>
-            <a:r>
-              <a:rPr lang="pl-PL" dirty="0"/>
-              <a:t>STORED </a:t>
-            </a:r>
-            <a:r>
-              <a:rPr lang="pl-PL" b="1" dirty="0"/>
-              <a:t>AS</a:t>
-            </a:r>
-            <a:r>
-              <a:rPr lang="pl-PL" dirty="0"/>
-              <a:t> TEXTFILE</a:t>
-            </a:r>
-          </a:p>
-          <a:p>
-            <a:pPr marL="0" indent="0">
-              <a:buNone/>
-            </a:pPr>
-            <a:r>
-              <a:rPr lang="pl-PL" b="1" dirty="0"/>
-              <a:t>LOCATION</a:t>
-            </a:r>
-            <a:r>
-              <a:rPr lang="pl-PL" dirty="0"/>
-              <a:t> '/</a:t>
-            </a:r>
-            <a:r>
-              <a:rPr lang="pl-PL" dirty="0" err="1"/>
-              <a:t>user</a:t>
-            </a:r>
-            <a:r>
-              <a:rPr lang="pl-PL" dirty="0"/>
-              <a:t>/</a:t>
-            </a:r>
-            <a:r>
-              <a:rPr lang="pl-PL" dirty="0" err="1"/>
-              <a:t>peczwy</a:t>
-            </a:r>
-            <a:r>
-              <a:rPr lang="pl-PL" dirty="0"/>
-              <a:t>/data/1n/VOLUME/</a:t>
-            </a:r>
-            <a:r>
-              <a:rPr lang="pl-PL" dirty="0" err="1"/>
-              <a:t>orders</a:t>
-            </a:r>
-            <a:r>
-              <a:rPr lang="pl-PL" dirty="0"/>
-              <a:t>';</a:t>
-            </a:r>
-          </a:p>
-        </p:txBody>
-      </p:sp>
-      <p:sp>
-        <p:nvSpPr>
-          <p:cNvPr id="2" name="Symbol zastępczy numeru slajdu 1"/>
-          <p:cNvSpPr>
-            <a:spLocks noGrp="1"/>
-          </p:cNvSpPr>
-          <p:nvPr>
-            <p:ph type="sldNum" sz="quarter" idx="12"/>
-          </p:nvPr>
-        </p:nvSpPr>
-        <p:spPr/>
-        <p:txBody>
-          <a:bodyPr/>
-          <a:lstStyle/>
-          <a:p>
-            <a:fld id="{B7B2D0E0-4D7E-4A80-B5CA-CB21EB201799}" type="slidenum">
-              <a:rPr lang="pl-PL" smtClean="0"/>
-              <a:t>34</a:t>
-            </a:fld>
-            <a:endParaRPr lang="pl-PL" dirty="0"/>
-          </a:p>
-        </p:txBody>
-      </p:sp>
-    </p:spTree>
-    <p:extLst>
-      <p:ext uri="{BB962C8B-B14F-4D97-AF65-F5344CB8AC3E}">
-        <p14:creationId xmlns:p14="http://schemas.microsoft.com/office/powerpoint/2010/main" val="3847785671"/>
-      </p:ext>
-    </p:extLst>
-  </p:cSld>
-  <p:clrMapOvr>
-    <a:masterClrMapping/>
-  </p:clrMapOvr>
-  <p:timing>
-    <p:tnLst>
-      <p:par>
-        <p:cTn id="1" dur="indefinite" restart="never" nodeType="tmRoot"/>
-      </p:par>
-    </p:tnLst>
-  </p:timing>
-</p:sld>
-</file>
-
-<file path=ppt/slides/slide35.xml><?xml version="1.0" encoding="utf-8"?>
-<p:sld xmlns:a="http://schemas.openxmlformats.org/drawingml/2006/main" xmlns:r="http://schemas.openxmlformats.org/officeDocument/2006/relationships" xmlns:p="http://schemas.openxmlformats.org/presentationml/2006/main">
-  <p:cSld>
-    <p:spTree>
-      <p:nvGrpSpPr>
-        <p:cNvPr id="1" name=""/>
-        <p:cNvGrpSpPr/>
-        <p:nvPr/>
-      </p:nvGrpSpPr>
-      <p:grpSpPr>
-        <a:xfrm>
-          <a:off x="0" y="0"/>
-          <a:ext cx="0" cy="0"/>
-          <a:chOff x="0" y="0"/>
-          <a:chExt cx="0" cy="0"/>
-        </a:xfrm>
-      </p:grpSpPr>
-      <p:sp>
-        <p:nvSpPr>
-          <p:cNvPr id="4" name="Tytuł 3"/>
-          <p:cNvSpPr>
-            <a:spLocks noGrp="1"/>
-          </p:cNvSpPr>
-          <p:nvPr>
-            <p:ph type="title"/>
-          </p:nvPr>
-        </p:nvSpPr>
-        <p:spPr/>
-        <p:txBody>
-          <a:bodyPr/>
-          <a:lstStyle/>
-          <a:p>
-            <a:r>
-              <a:rPr lang="pl-PL" dirty="0" smtClean="0"/>
-              <a:t>Złączenia</a:t>
-            </a:r>
-            <a:endParaRPr lang="pl-PL" dirty="0"/>
-          </a:p>
-        </p:txBody>
-      </p:sp>
-      <p:sp>
-        <p:nvSpPr>
-          <p:cNvPr id="5" name="Symbol zastępczy tekstu 4"/>
-          <p:cNvSpPr>
-            <a:spLocks noGrp="1"/>
-          </p:cNvSpPr>
-          <p:nvPr>
-            <p:ph type="body" sz="quarter" idx="13"/>
-          </p:nvPr>
-        </p:nvSpPr>
-        <p:spPr/>
-        <p:txBody>
-          <a:bodyPr>
-            <a:normAutofit fontScale="92500" lnSpcReduction="10000"/>
-          </a:bodyPr>
-          <a:lstStyle/>
-          <a:p>
-            <a:r>
-              <a:rPr lang="pl-PL" dirty="0" err="1" smtClean="0"/>
-              <a:t>HiveQL</a:t>
-            </a:r>
-            <a:endParaRPr lang="pl-PL" dirty="0" smtClean="0"/>
-          </a:p>
-        </p:txBody>
-      </p:sp>
-      <p:sp>
-        <p:nvSpPr>
-          <p:cNvPr id="6" name="Symbol zastępczy tekstu 5"/>
-          <p:cNvSpPr>
-            <a:spLocks noGrp="1"/>
-          </p:cNvSpPr>
-          <p:nvPr>
-            <p:ph type="body" sz="quarter" idx="4294967295"/>
-          </p:nvPr>
-        </p:nvSpPr>
-        <p:spPr>
-          <a:xfrm>
-            <a:off x="838200" y="2048256"/>
-            <a:ext cx="10514013" cy="3958844"/>
-          </a:xfrm>
-        </p:spPr>
-        <p:txBody>
-          <a:bodyPr>
-            <a:normAutofit/>
-          </a:bodyPr>
-          <a:lstStyle/>
-          <a:p>
-            <a:pPr marL="0" indent="0">
-              <a:buNone/>
-            </a:pPr>
-            <a:endParaRPr lang="pl-PL" dirty="0"/>
-          </a:p>
-          <a:p>
-            <a:pPr marL="0" indent="0">
-              <a:buNone/>
-            </a:pPr>
-            <a:r>
-              <a:rPr lang="pl-PL" b="1" dirty="0"/>
-              <a:t>SELECT</a:t>
-            </a:r>
-            <a:r>
-              <a:rPr lang="pl-PL" dirty="0"/>
-              <a:t> page_views.*</a:t>
-            </a:r>
-          </a:p>
-          <a:p>
-            <a:pPr marL="0" indent="0">
-              <a:buNone/>
-            </a:pPr>
-            <a:r>
-              <a:rPr lang="pl-PL" b="1" dirty="0"/>
-              <a:t>FROM</a:t>
-            </a:r>
-            <a:r>
-              <a:rPr lang="pl-PL" dirty="0"/>
-              <a:t> </a:t>
-            </a:r>
-            <a:r>
-              <a:rPr lang="pl-PL" dirty="0" err="1"/>
-              <a:t>page_views</a:t>
-            </a:r>
-            <a:endParaRPr lang="pl-PL" dirty="0"/>
-          </a:p>
-          <a:p>
-            <a:pPr marL="0" indent="0">
-              <a:buNone/>
-            </a:pPr>
-            <a:r>
-              <a:rPr lang="pl-PL" b="1" dirty="0"/>
-              <a:t>WHERE</a:t>
-            </a:r>
-            <a:r>
-              <a:rPr lang="pl-PL" dirty="0"/>
-              <a:t> </a:t>
-            </a:r>
-            <a:r>
-              <a:rPr lang="pl-PL" dirty="0" err="1"/>
-              <a:t>page_views.date</a:t>
-            </a:r>
-            <a:r>
-              <a:rPr lang="pl-PL" dirty="0"/>
-              <a:t> &gt;= '2008-03-01' </a:t>
-            </a:r>
-            <a:endParaRPr lang="pl-PL" dirty="0" smtClean="0"/>
-          </a:p>
-          <a:p>
-            <a:pPr marL="0" indent="0">
-              <a:buNone/>
-            </a:pPr>
-            <a:r>
-              <a:rPr lang="pl-PL" b="1" dirty="0"/>
-              <a:t>	</a:t>
-            </a:r>
-            <a:r>
-              <a:rPr lang="pl-PL" b="1" dirty="0" smtClean="0"/>
-              <a:t>AND</a:t>
-            </a:r>
-            <a:r>
-              <a:rPr lang="pl-PL" dirty="0" smtClean="0"/>
-              <a:t> </a:t>
-            </a:r>
-            <a:r>
-              <a:rPr lang="pl-PL" dirty="0" err="1"/>
-              <a:t>page_views.date</a:t>
-            </a:r>
-            <a:r>
-              <a:rPr lang="pl-PL" dirty="0"/>
-              <a:t> &lt;= </a:t>
-            </a:r>
-            <a:r>
-              <a:rPr lang="pl-PL" dirty="0" smtClean="0"/>
-              <a:t>'2008-03-31‚</a:t>
-            </a:r>
-            <a:endParaRPr lang="pl-PL" dirty="0"/>
-          </a:p>
-          <a:p>
-            <a:pPr marL="0" indent="0">
-              <a:buNone/>
-            </a:pPr>
-            <a:endParaRPr lang="pl-PL" dirty="0" smtClean="0"/>
-          </a:p>
-        </p:txBody>
-      </p:sp>
-      <p:sp>
-        <p:nvSpPr>
-          <p:cNvPr id="2" name="Symbol zastępczy numeru slajdu 1"/>
-          <p:cNvSpPr>
-            <a:spLocks noGrp="1"/>
-          </p:cNvSpPr>
-          <p:nvPr>
-            <p:ph type="sldNum" sz="quarter" idx="12"/>
-          </p:nvPr>
-        </p:nvSpPr>
-        <p:spPr/>
-        <p:txBody>
-          <a:bodyPr/>
-          <a:lstStyle/>
-          <a:p>
-            <a:fld id="{B7B2D0E0-4D7E-4A80-B5CA-CB21EB201799}" type="slidenum">
-              <a:rPr lang="pl-PL" smtClean="0"/>
-              <a:t>35</a:t>
-            </a:fld>
-            <a:endParaRPr lang="pl-PL" dirty="0"/>
-          </a:p>
-        </p:txBody>
-      </p:sp>
-      <p:sp>
-        <p:nvSpPr>
-          <p:cNvPr id="12" name="pole tekstowe 11"/>
-          <p:cNvSpPr txBox="1"/>
-          <p:nvPr/>
-        </p:nvSpPr>
-        <p:spPr>
-          <a:xfrm>
-            <a:off x="838200" y="6413698"/>
-            <a:ext cx="9418320" cy="307777"/>
-          </a:xfrm>
-          <a:prstGeom prst="rect">
-            <a:avLst/>
-          </a:prstGeom>
-          <a:noFill/>
-        </p:spPr>
-        <p:txBody>
-          <a:bodyPr wrap="square" rtlCol="0">
-            <a:spAutoFit/>
-          </a:bodyPr>
-          <a:lstStyle/>
-          <a:p>
-            <a:r>
-              <a:rPr lang="pl-PL" sz="1400" dirty="0"/>
-              <a:t>https://cwiki.apache.org/confluence/display/Hive/LanguageManual+Select</a:t>
-            </a:r>
-          </a:p>
-        </p:txBody>
-      </p:sp>
-    </p:spTree>
-    <p:extLst>
-      <p:ext uri="{BB962C8B-B14F-4D97-AF65-F5344CB8AC3E}">
-        <p14:creationId xmlns:p14="http://schemas.microsoft.com/office/powerpoint/2010/main" val="276988202"/>
-      </p:ext>
-    </p:extLst>
-  </p:cSld>
-  <p:clrMapOvr>
-    <a:masterClrMapping/>
-  </p:clrMapOvr>
-  <p:timing>
-    <p:tnLst>
-      <p:par>
-        <p:cTn id="1" dur="indefinite" restart="never" nodeType="tmRoot"/>
-      </p:par>
-    </p:tnLst>
-  </p:timing>
-</p:sld>
-</file>
-
-<file path=ppt/slides/slide36.xml><?xml version="1.0" encoding="utf-8"?>
-<p:sld xmlns:a="http://schemas.openxmlformats.org/drawingml/2006/main" xmlns:r="http://schemas.openxmlformats.org/officeDocument/2006/relationships" xmlns:p="http://schemas.openxmlformats.org/presentationml/2006/main">
-  <p:cSld>
-    <p:spTree>
-      <p:nvGrpSpPr>
-        <p:cNvPr id="1" name=""/>
-        <p:cNvGrpSpPr/>
-        <p:nvPr/>
-      </p:nvGrpSpPr>
-      <p:grpSpPr>
-        <a:xfrm>
-          <a:off x="0" y="0"/>
-          <a:ext cx="0" cy="0"/>
-          <a:chOff x="0" y="0"/>
-          <a:chExt cx="0" cy="0"/>
-        </a:xfrm>
-      </p:grpSpPr>
-      <p:sp>
-        <p:nvSpPr>
-          <p:cNvPr id="4" name="Tytuł 3"/>
-          <p:cNvSpPr>
-            <a:spLocks noGrp="1"/>
-          </p:cNvSpPr>
-          <p:nvPr>
-            <p:ph type="title"/>
-          </p:nvPr>
-        </p:nvSpPr>
-        <p:spPr/>
-        <p:txBody>
-          <a:bodyPr/>
-          <a:lstStyle/>
-          <a:p>
-            <a:r>
-              <a:rPr lang="pl-PL" dirty="0" smtClean="0"/>
-              <a:t>Złączenia</a:t>
-            </a:r>
-            <a:endParaRPr lang="pl-PL" dirty="0"/>
-          </a:p>
-        </p:txBody>
-      </p:sp>
-      <p:sp>
-        <p:nvSpPr>
-          <p:cNvPr id="5" name="Symbol zastępczy tekstu 4"/>
-          <p:cNvSpPr>
-            <a:spLocks noGrp="1"/>
-          </p:cNvSpPr>
-          <p:nvPr>
-            <p:ph type="body" sz="quarter" idx="13"/>
-          </p:nvPr>
-        </p:nvSpPr>
-        <p:spPr/>
-        <p:txBody>
-          <a:bodyPr>
-            <a:normAutofit fontScale="92500" lnSpcReduction="10000"/>
-          </a:bodyPr>
-          <a:lstStyle/>
-          <a:p>
-            <a:r>
-              <a:rPr lang="pl-PL" dirty="0" err="1" smtClean="0"/>
-              <a:t>HiveQL</a:t>
-            </a:r>
-            <a:r>
-              <a:rPr lang="pl-PL" dirty="0" smtClean="0"/>
-              <a:t> – rodzaje </a:t>
-            </a:r>
-          </a:p>
-        </p:txBody>
-      </p:sp>
-      <p:sp>
-        <p:nvSpPr>
-          <p:cNvPr id="6" name="Symbol zastępczy tekstu 5"/>
-          <p:cNvSpPr>
-            <a:spLocks noGrp="1"/>
-          </p:cNvSpPr>
-          <p:nvPr>
-            <p:ph type="body" sz="quarter" idx="4294967295"/>
-          </p:nvPr>
-        </p:nvSpPr>
-        <p:spPr>
-          <a:xfrm>
-            <a:off x="838200" y="2048256"/>
-            <a:ext cx="10514013" cy="3958844"/>
-          </a:xfrm>
-        </p:spPr>
-        <p:txBody>
-          <a:bodyPr>
-            <a:normAutofit/>
-          </a:bodyPr>
-          <a:lstStyle/>
-          <a:p>
-            <a:pPr marL="0" indent="0">
-              <a:buNone/>
-            </a:pPr>
-            <a:r>
-              <a:rPr lang="pl-PL" dirty="0" smtClean="0"/>
-              <a:t>Złączenia:</a:t>
-            </a:r>
-          </a:p>
-          <a:p>
-            <a:pPr marL="514350" indent="-514350">
-              <a:buFont typeface="+mj-lt"/>
-              <a:buAutoNum type="arabicPeriod"/>
-            </a:pPr>
-            <a:r>
-              <a:rPr lang="pl-PL" dirty="0" smtClean="0"/>
-              <a:t>x JOIN y ON c</a:t>
-            </a:r>
-          </a:p>
-          <a:p>
-            <a:pPr marL="514350" indent="-514350">
-              <a:buFont typeface="+mj-lt"/>
-              <a:buAutoNum type="arabicPeriod"/>
-            </a:pPr>
-            <a:r>
-              <a:rPr lang="pl-PL" dirty="0"/>
-              <a:t>x</a:t>
-            </a:r>
-            <a:r>
-              <a:rPr lang="pl-PL" dirty="0" smtClean="0"/>
-              <a:t> {LEFT|RIGHT|FULL</a:t>
-            </a:r>
-            <a:r>
-              <a:rPr lang="pl-PL" dirty="0"/>
-              <a:t>} [OUTER] </a:t>
-            </a:r>
-            <a:r>
-              <a:rPr lang="pl-PL" dirty="0" smtClean="0"/>
-              <a:t>JOIN y ON c</a:t>
-            </a:r>
-          </a:p>
-          <a:p>
-            <a:pPr marL="514350" indent="-514350">
-              <a:buFont typeface="+mj-lt"/>
-              <a:buAutoNum type="arabicPeriod"/>
-            </a:pPr>
-            <a:r>
-              <a:rPr lang="pl-PL" dirty="0" smtClean="0"/>
-              <a:t>x LEFT SEMI JOIN y </a:t>
-            </a:r>
-            <a:r>
-              <a:rPr lang="pl-PL" dirty="0"/>
-              <a:t>ON </a:t>
-            </a:r>
-            <a:r>
-              <a:rPr lang="pl-PL" dirty="0" smtClean="0"/>
-              <a:t>c</a:t>
-            </a:r>
-          </a:p>
-          <a:p>
-            <a:pPr marL="514350" indent="-514350">
-              <a:buFont typeface="+mj-lt"/>
-              <a:buAutoNum type="arabicPeriod"/>
-            </a:pPr>
-            <a:r>
-              <a:rPr lang="pl-PL" dirty="0" smtClean="0"/>
-              <a:t>x </a:t>
-            </a:r>
-            <a:r>
-              <a:rPr lang="pl-PL" dirty="0"/>
-              <a:t>CROSS </a:t>
-            </a:r>
-            <a:r>
-              <a:rPr lang="pl-PL" dirty="0" smtClean="0"/>
-              <a:t>JOIN y</a:t>
-            </a:r>
-          </a:p>
-        </p:txBody>
-      </p:sp>
-      <p:sp>
-        <p:nvSpPr>
-          <p:cNvPr id="2" name="Symbol zastępczy numeru slajdu 1"/>
-          <p:cNvSpPr>
-            <a:spLocks noGrp="1"/>
-          </p:cNvSpPr>
-          <p:nvPr>
-            <p:ph type="sldNum" sz="quarter" idx="12"/>
-          </p:nvPr>
-        </p:nvSpPr>
-        <p:spPr/>
-        <p:txBody>
-          <a:bodyPr/>
-          <a:lstStyle/>
-          <a:p>
-            <a:fld id="{B7B2D0E0-4D7E-4A80-B5CA-CB21EB201799}" type="slidenum">
-              <a:rPr lang="pl-PL" smtClean="0"/>
-              <a:t>36</a:t>
-            </a:fld>
-            <a:endParaRPr lang="pl-PL" dirty="0"/>
-          </a:p>
-        </p:txBody>
-      </p:sp>
-      <p:sp>
-        <p:nvSpPr>
-          <p:cNvPr id="12" name="pole tekstowe 11"/>
-          <p:cNvSpPr txBox="1"/>
-          <p:nvPr/>
-        </p:nvSpPr>
-        <p:spPr>
-          <a:xfrm>
-            <a:off x="838200" y="6413698"/>
-            <a:ext cx="9418320" cy="307777"/>
-          </a:xfrm>
-          <a:prstGeom prst="rect">
-            <a:avLst/>
-          </a:prstGeom>
-          <a:noFill/>
-        </p:spPr>
-        <p:txBody>
-          <a:bodyPr wrap="square" rtlCol="0">
-            <a:spAutoFit/>
-          </a:bodyPr>
-          <a:lstStyle/>
-          <a:p>
-            <a:r>
-              <a:rPr lang="pl-PL" sz="1400" dirty="0"/>
-              <a:t>https://cwiki.apache.org/confluence/display/Hive/LanguageManual+Joins</a:t>
-            </a:r>
-          </a:p>
-        </p:txBody>
-      </p:sp>
-    </p:spTree>
-    <p:extLst>
-      <p:ext uri="{BB962C8B-B14F-4D97-AF65-F5344CB8AC3E}">
-        <p14:creationId xmlns:p14="http://schemas.microsoft.com/office/powerpoint/2010/main" val="3998483922"/>
-      </p:ext>
-    </p:extLst>
-  </p:cSld>
-  <p:clrMapOvr>
-    <a:masterClrMapping/>
-  </p:clrMapOvr>
-  <p:timing>
-    <p:tnLst>
-      <p:par>
-        <p:cTn id="1" dur="indefinite" restart="never" nodeType="tmRoot"/>
-      </p:par>
-    </p:tnLst>
-  </p:timing>
-</p:sld>
-</file>
-
-<file path=ppt/slides/slide37.xml><?xml version="1.0" encoding="utf-8"?>
-<p:sld xmlns:a="http://schemas.openxmlformats.org/drawingml/2006/main" xmlns:r="http://schemas.openxmlformats.org/officeDocument/2006/relationships" xmlns:p="http://schemas.openxmlformats.org/presentationml/2006/main">
-  <p:cSld>
-    <p:spTree>
-      <p:nvGrpSpPr>
-        <p:cNvPr id="1" name=""/>
-        <p:cNvGrpSpPr/>
-        <p:nvPr/>
-      </p:nvGrpSpPr>
-      <p:grpSpPr>
-        <a:xfrm>
-          <a:off x="0" y="0"/>
-          <a:ext cx="0" cy="0"/>
-          <a:chOff x="0" y="0"/>
-          <a:chExt cx="0" cy="0"/>
-        </a:xfrm>
-      </p:grpSpPr>
-      <p:sp>
-        <p:nvSpPr>
-          <p:cNvPr id="4" name="Tytuł 3"/>
-          <p:cNvSpPr>
-            <a:spLocks noGrp="1"/>
-          </p:cNvSpPr>
-          <p:nvPr>
-            <p:ph type="title"/>
-          </p:nvPr>
-        </p:nvSpPr>
-        <p:spPr/>
-        <p:txBody>
-          <a:bodyPr/>
-          <a:lstStyle/>
-          <a:p>
-            <a:r>
-              <a:rPr lang="pl-PL" dirty="0" smtClean="0"/>
-              <a:t>Złączenia</a:t>
-            </a:r>
-            <a:endParaRPr lang="pl-PL" dirty="0"/>
-          </a:p>
-        </p:txBody>
-      </p:sp>
-      <p:sp>
-        <p:nvSpPr>
-          <p:cNvPr id="5" name="Symbol zastępczy tekstu 4"/>
-          <p:cNvSpPr>
-            <a:spLocks noGrp="1"/>
-          </p:cNvSpPr>
-          <p:nvPr>
-            <p:ph type="body" sz="quarter" idx="13"/>
-          </p:nvPr>
-        </p:nvSpPr>
-        <p:spPr/>
-        <p:txBody>
-          <a:bodyPr>
-            <a:normAutofit fontScale="92500" lnSpcReduction="10000"/>
-          </a:bodyPr>
-          <a:lstStyle/>
-          <a:p>
-            <a:r>
-              <a:rPr lang="pl-PL" dirty="0" err="1" smtClean="0"/>
-              <a:t>HiveQL</a:t>
-            </a:r>
-            <a:r>
-              <a:rPr lang="pl-PL" dirty="0" smtClean="0"/>
-              <a:t> – Złączenia nierównościowe</a:t>
-            </a:r>
-          </a:p>
-        </p:txBody>
-      </p:sp>
-      <p:sp>
-        <p:nvSpPr>
-          <p:cNvPr id="6" name="Symbol zastępczy tekstu 5"/>
-          <p:cNvSpPr>
-            <a:spLocks noGrp="1"/>
-          </p:cNvSpPr>
-          <p:nvPr>
-            <p:ph type="body" sz="quarter" idx="4294967295"/>
-          </p:nvPr>
-        </p:nvSpPr>
-        <p:spPr>
-          <a:xfrm>
-            <a:off x="838200" y="2048256"/>
-            <a:ext cx="10514584" cy="3282696"/>
-          </a:xfrm>
-        </p:spPr>
-        <p:txBody>
-          <a:bodyPr>
-            <a:normAutofit/>
-          </a:bodyPr>
-          <a:lstStyle/>
-          <a:p>
-            <a:pPr marL="0" indent="0">
-              <a:buNone/>
-            </a:pPr>
-            <a:r>
-              <a:rPr lang="pl-PL" b="1" dirty="0" smtClean="0"/>
-              <a:t>SELECT</a:t>
-            </a:r>
-            <a:r>
-              <a:rPr lang="pl-PL" dirty="0" smtClean="0"/>
-              <a:t> </a:t>
-            </a:r>
-            <a:r>
-              <a:rPr lang="pl-PL" dirty="0" err="1" smtClean="0"/>
-              <a:t>a.val</a:t>
-            </a:r>
-            <a:r>
-              <a:rPr lang="pl-PL" dirty="0"/>
-              <a:t>, </a:t>
-            </a:r>
-            <a:r>
-              <a:rPr lang="pl-PL" dirty="0" err="1"/>
-              <a:t>b.val</a:t>
-            </a:r>
-            <a:r>
-              <a:rPr lang="pl-PL" dirty="0"/>
-              <a:t>, </a:t>
-            </a:r>
-            <a:r>
-              <a:rPr lang="pl-PL" b="1" dirty="0" err="1"/>
-              <a:t>c</a:t>
-            </a:r>
-            <a:r>
-              <a:rPr lang="pl-PL" dirty="0" err="1"/>
-              <a:t>.val</a:t>
-            </a:r>
-            <a:r>
-              <a:rPr lang="pl-PL" dirty="0"/>
-              <a:t> </a:t>
-            </a:r>
-            <a:endParaRPr lang="pl-PL" dirty="0" smtClean="0"/>
-          </a:p>
-          <a:p>
-            <a:pPr marL="0" indent="0">
-              <a:buNone/>
-            </a:pPr>
-            <a:r>
-              <a:rPr lang="pl-PL" b="1" dirty="0" smtClean="0"/>
-              <a:t>FROM</a:t>
-            </a:r>
-            <a:r>
-              <a:rPr lang="pl-PL" dirty="0" smtClean="0"/>
-              <a:t> </a:t>
-            </a:r>
-            <a:r>
-              <a:rPr lang="pl-PL" dirty="0"/>
-              <a:t>a </a:t>
-            </a:r>
-            <a:r>
-              <a:rPr lang="pl-PL" b="1" dirty="0" smtClean="0"/>
-              <a:t>CROSS</a:t>
-            </a:r>
-            <a:r>
-              <a:rPr lang="pl-PL" dirty="0" smtClean="0"/>
-              <a:t> </a:t>
-            </a:r>
-            <a:r>
-              <a:rPr lang="pl-PL" b="1" dirty="0" smtClean="0"/>
-              <a:t>JOIN</a:t>
-            </a:r>
-            <a:r>
-              <a:rPr lang="pl-PL" dirty="0" smtClean="0"/>
-              <a:t> b</a:t>
-            </a:r>
-          </a:p>
-          <a:p>
-            <a:pPr marL="0" indent="0">
-              <a:buNone/>
-            </a:pPr>
-            <a:r>
-              <a:rPr lang="pl-PL" b="1" dirty="0" smtClean="0"/>
-              <a:t>WHERE</a:t>
-            </a:r>
-            <a:r>
-              <a:rPr lang="pl-PL" dirty="0" smtClean="0"/>
-              <a:t> ABS(</a:t>
-            </a:r>
-            <a:r>
-              <a:rPr lang="pl-PL" dirty="0" err="1" smtClean="0"/>
-              <a:t>a.key</a:t>
-            </a:r>
-            <a:r>
-              <a:rPr lang="pl-PL" dirty="0" smtClean="0"/>
-              <a:t> </a:t>
-            </a:r>
-            <a:r>
-              <a:rPr lang="pl-PL" dirty="0"/>
-              <a:t>- </a:t>
-            </a:r>
-            <a:r>
-              <a:rPr lang="pl-PL" dirty="0" err="1" smtClean="0"/>
-              <a:t>b.key</a:t>
-            </a:r>
-            <a:r>
-              <a:rPr lang="pl-PL" dirty="0" smtClean="0"/>
-              <a:t>) </a:t>
-            </a:r>
-            <a:r>
-              <a:rPr lang="pl-PL" dirty="0"/>
-              <a:t>&lt; </a:t>
-            </a:r>
-            <a:r>
-              <a:rPr lang="pl-PL" dirty="0" smtClean="0"/>
-              <a:t>5;</a:t>
-            </a:r>
-            <a:endParaRPr lang="pl-PL" b="1" dirty="0"/>
-          </a:p>
-          <a:p>
-            <a:pPr marL="0" indent="0">
-              <a:buNone/>
-            </a:pPr>
-            <a:endParaRPr lang="pl-PL" b="1" dirty="0" smtClean="0"/>
-          </a:p>
-          <a:p>
-            <a:pPr marL="0" indent="0">
-              <a:buNone/>
-            </a:pPr>
-            <a:r>
-              <a:rPr lang="pl-PL" dirty="0" smtClean="0"/>
-              <a:t>Kontrowersyjna wydajność, ale działa</a:t>
-            </a:r>
-          </a:p>
-        </p:txBody>
-      </p:sp>
-      <p:sp>
-        <p:nvSpPr>
-          <p:cNvPr id="2" name="Symbol zastępczy numeru slajdu 1"/>
-          <p:cNvSpPr>
-            <a:spLocks noGrp="1"/>
-          </p:cNvSpPr>
-          <p:nvPr>
-            <p:ph type="sldNum" sz="quarter" idx="12"/>
-          </p:nvPr>
-        </p:nvSpPr>
-        <p:spPr/>
-        <p:txBody>
-          <a:bodyPr/>
-          <a:lstStyle/>
-          <a:p>
-            <a:fld id="{B7B2D0E0-4D7E-4A80-B5CA-CB21EB201799}" type="slidenum">
-              <a:rPr lang="pl-PL" smtClean="0"/>
-              <a:t>37</a:t>
-            </a:fld>
-            <a:endParaRPr lang="pl-PL" dirty="0"/>
-          </a:p>
-        </p:txBody>
-      </p:sp>
-      <p:sp>
-        <p:nvSpPr>
-          <p:cNvPr id="12" name="pole tekstowe 11"/>
-          <p:cNvSpPr txBox="1"/>
-          <p:nvPr/>
-        </p:nvSpPr>
-        <p:spPr>
-          <a:xfrm>
-            <a:off x="838200" y="6413698"/>
-            <a:ext cx="9418320" cy="307777"/>
-          </a:xfrm>
-          <a:prstGeom prst="rect">
-            <a:avLst/>
-          </a:prstGeom>
-          <a:noFill/>
-        </p:spPr>
-        <p:txBody>
-          <a:bodyPr wrap="square" rtlCol="0">
-            <a:spAutoFit/>
-          </a:bodyPr>
-          <a:lstStyle/>
-          <a:p>
-            <a:r>
-              <a:rPr lang="pl-PL" sz="1400" dirty="0"/>
-              <a:t>https://cwiki.apache.org/confluence/display/Hive/LanguageManual+Select</a:t>
-            </a:r>
-          </a:p>
-        </p:txBody>
-      </p:sp>
-    </p:spTree>
-    <p:extLst>
-      <p:ext uri="{BB962C8B-B14F-4D97-AF65-F5344CB8AC3E}">
-        <p14:creationId xmlns:p14="http://schemas.microsoft.com/office/powerpoint/2010/main" val="2088889154"/>
-      </p:ext>
-    </p:extLst>
-  </p:cSld>
-  <p:clrMapOvr>
-    <a:masterClrMapping/>
-  </p:clrMapOvr>
-  <p:timing>
-    <p:tnLst>
-      <p:par>
-        <p:cTn id="1" dur="indefinite" restart="never" nodeType="tmRoot"/>
-      </p:par>
-    </p:tnLst>
-  </p:timing>
-</p:sld>
-</file>
-
-<file path=ppt/slides/slide38.xml><?xml version="1.0" encoding="utf-8"?>
-<p:sld xmlns:a="http://schemas.openxmlformats.org/drawingml/2006/main" xmlns:r="http://schemas.openxmlformats.org/officeDocument/2006/relationships" xmlns:p="http://schemas.openxmlformats.org/presentationml/2006/main">
-  <p:cSld>
-    <p:spTree>
-      <p:nvGrpSpPr>
-        <p:cNvPr id="1" name=""/>
-        <p:cNvGrpSpPr/>
-        <p:nvPr/>
-      </p:nvGrpSpPr>
-      <p:grpSpPr>
-        <a:xfrm>
-          <a:off x="0" y="0"/>
-          <a:ext cx="0" cy="0"/>
-          <a:chOff x="0" y="0"/>
-          <a:chExt cx="0" cy="0"/>
-        </a:xfrm>
-      </p:grpSpPr>
-      <p:sp>
-        <p:nvSpPr>
-          <p:cNvPr id="4" name="Tytuł 3"/>
-          <p:cNvSpPr>
-            <a:spLocks noGrp="1"/>
-          </p:cNvSpPr>
-          <p:nvPr>
-            <p:ph type="title"/>
-          </p:nvPr>
-        </p:nvSpPr>
-        <p:spPr/>
-        <p:txBody>
-          <a:bodyPr/>
-          <a:lstStyle/>
-          <a:p>
-            <a:r>
-              <a:rPr lang="pl-PL" dirty="0" smtClean="0"/>
-              <a:t>Złączenia</a:t>
-            </a:r>
-            <a:endParaRPr lang="pl-PL" dirty="0"/>
-          </a:p>
-        </p:txBody>
-      </p:sp>
-      <p:sp>
-        <p:nvSpPr>
-          <p:cNvPr id="5" name="Symbol zastępczy tekstu 4"/>
-          <p:cNvSpPr>
-            <a:spLocks noGrp="1"/>
-          </p:cNvSpPr>
-          <p:nvPr>
-            <p:ph type="body" sz="quarter" idx="13"/>
-          </p:nvPr>
-        </p:nvSpPr>
-        <p:spPr/>
-        <p:txBody>
-          <a:bodyPr>
-            <a:normAutofit fontScale="92500" lnSpcReduction="10000"/>
-          </a:bodyPr>
-          <a:lstStyle/>
-          <a:p>
-            <a:r>
-              <a:rPr lang="pl-PL" dirty="0" err="1" smtClean="0"/>
-              <a:t>HiveQL</a:t>
-            </a:r>
-            <a:r>
-              <a:rPr lang="pl-PL" dirty="0" smtClean="0"/>
-              <a:t> - </a:t>
-            </a:r>
-            <a:r>
-              <a:rPr lang="pl-PL" dirty="0" err="1" smtClean="0"/>
-              <a:t>Annotacje</a:t>
-            </a:r>
-            <a:endParaRPr lang="pl-PL" dirty="0" smtClean="0"/>
-          </a:p>
-        </p:txBody>
-      </p:sp>
-      <p:sp>
-        <p:nvSpPr>
-          <p:cNvPr id="6" name="Symbol zastępczy tekstu 5"/>
-          <p:cNvSpPr>
-            <a:spLocks noGrp="1"/>
-          </p:cNvSpPr>
-          <p:nvPr>
-            <p:ph type="body" sz="quarter" idx="4294967295"/>
-          </p:nvPr>
-        </p:nvSpPr>
-        <p:spPr>
-          <a:xfrm>
-            <a:off x="838200" y="2048256"/>
-            <a:ext cx="10514013" cy="3958844"/>
-          </a:xfrm>
-        </p:spPr>
-        <p:txBody>
-          <a:bodyPr>
-            <a:normAutofit/>
-          </a:bodyPr>
-          <a:lstStyle/>
-          <a:p>
-            <a:pPr marL="0" indent="0">
-              <a:buNone/>
-            </a:pPr>
-            <a:r>
-              <a:rPr lang="pl-PL" dirty="0" smtClean="0"/>
-              <a:t>STREAMTABLE – strumieniowanie podanej tabeli (domyślnie najbardziej z </a:t>
-            </a:r>
-            <a:r>
-              <a:rPr lang="pl-PL" i="1" dirty="0" smtClean="0"/>
-              <a:t>prawej </a:t>
-            </a:r>
-            <a:r>
-              <a:rPr lang="pl-PL" dirty="0" smtClean="0"/>
-              <a:t>strony:</a:t>
-            </a:r>
-            <a:endParaRPr lang="pl-PL" b="1" dirty="0"/>
-          </a:p>
-          <a:p>
-            <a:pPr marL="0" indent="0">
-              <a:buNone/>
-            </a:pPr>
-            <a:r>
-              <a:rPr lang="pl-PL" b="1" dirty="0" smtClean="0"/>
-              <a:t>SELECT</a:t>
-            </a:r>
-            <a:r>
-              <a:rPr lang="pl-PL" dirty="0" smtClean="0"/>
-              <a:t> </a:t>
-            </a:r>
-            <a:r>
-              <a:rPr lang="pl-PL" i="1" dirty="0"/>
-              <a:t>/*+ </a:t>
-            </a:r>
-            <a:r>
-              <a:rPr lang="pl-PL" i="1" dirty="0" smtClean="0"/>
-              <a:t>STREAMTABLE(b) </a:t>
-            </a:r>
-            <a:r>
-              <a:rPr lang="pl-PL" i="1" dirty="0"/>
-              <a:t>*/</a:t>
-            </a:r>
-            <a:r>
-              <a:rPr lang="pl-PL" dirty="0"/>
-              <a:t> </a:t>
-            </a:r>
-            <a:r>
-              <a:rPr lang="pl-PL" dirty="0" err="1"/>
-              <a:t>a.val</a:t>
-            </a:r>
-            <a:r>
-              <a:rPr lang="pl-PL" dirty="0"/>
-              <a:t>, </a:t>
-            </a:r>
-            <a:r>
-              <a:rPr lang="pl-PL" dirty="0" err="1"/>
-              <a:t>b.val</a:t>
-            </a:r>
-            <a:r>
-              <a:rPr lang="pl-PL" dirty="0"/>
-              <a:t>, </a:t>
-            </a:r>
-            <a:r>
-              <a:rPr lang="pl-PL" b="1" dirty="0" err="1"/>
-              <a:t>c</a:t>
-            </a:r>
-            <a:r>
-              <a:rPr lang="pl-PL" dirty="0" err="1"/>
-              <a:t>.val</a:t>
-            </a:r>
-            <a:r>
-              <a:rPr lang="pl-PL" dirty="0"/>
-              <a:t> </a:t>
-            </a:r>
-            <a:endParaRPr lang="pl-PL" dirty="0" smtClean="0"/>
-          </a:p>
-          <a:p>
-            <a:pPr marL="0" indent="0">
-              <a:buNone/>
-            </a:pPr>
-            <a:r>
-              <a:rPr lang="pl-PL" b="1" dirty="0" smtClean="0"/>
-              <a:t>FROM</a:t>
-            </a:r>
-            <a:r>
-              <a:rPr lang="pl-PL" dirty="0" smtClean="0"/>
-              <a:t> </a:t>
-            </a:r>
-            <a:r>
-              <a:rPr lang="pl-PL" dirty="0"/>
-              <a:t>a </a:t>
-            </a:r>
-            <a:r>
-              <a:rPr lang="pl-PL" b="1" dirty="0"/>
-              <a:t>JOIN</a:t>
-            </a:r>
-            <a:r>
-              <a:rPr lang="pl-PL" dirty="0"/>
-              <a:t> b </a:t>
-            </a:r>
-            <a:r>
-              <a:rPr lang="pl-PL" b="1" dirty="0"/>
-              <a:t>ON</a:t>
-            </a:r>
-            <a:r>
-              <a:rPr lang="pl-PL" dirty="0"/>
-              <a:t> (</a:t>
-            </a:r>
-            <a:r>
-              <a:rPr lang="pl-PL" dirty="0" err="1"/>
-              <a:t>a.</a:t>
-            </a:r>
-            <a:r>
-              <a:rPr lang="pl-PL" b="1" dirty="0" err="1"/>
-              <a:t>key</a:t>
-            </a:r>
-            <a:r>
-              <a:rPr lang="pl-PL" dirty="0"/>
-              <a:t> = b.key1) </a:t>
-            </a:r>
-            <a:r>
-              <a:rPr lang="pl-PL" b="1" dirty="0"/>
-              <a:t>JOIN</a:t>
-            </a:r>
-            <a:r>
-              <a:rPr lang="pl-PL" dirty="0"/>
-              <a:t> </a:t>
-            </a:r>
-            <a:r>
-              <a:rPr lang="pl-PL" b="1" dirty="0"/>
-              <a:t>c</a:t>
-            </a:r>
-            <a:r>
-              <a:rPr lang="pl-PL" dirty="0"/>
-              <a:t> </a:t>
-            </a:r>
-            <a:r>
-              <a:rPr lang="pl-PL" b="1" dirty="0"/>
-              <a:t>ON</a:t>
-            </a:r>
-            <a:r>
-              <a:rPr lang="pl-PL" dirty="0"/>
-              <a:t> (</a:t>
-            </a:r>
-            <a:r>
-              <a:rPr lang="pl-PL" b="1" dirty="0" err="1"/>
-              <a:t>c</a:t>
-            </a:r>
-            <a:r>
-              <a:rPr lang="pl-PL" dirty="0" err="1"/>
-              <a:t>.</a:t>
-            </a:r>
-            <a:r>
-              <a:rPr lang="pl-PL" b="1" dirty="0" err="1"/>
-              <a:t>key</a:t>
-            </a:r>
-            <a:r>
-              <a:rPr lang="pl-PL" dirty="0"/>
-              <a:t> = </a:t>
-            </a:r>
-            <a:r>
-              <a:rPr lang="pl-PL" dirty="0" smtClean="0"/>
-              <a:t>b.key1)</a:t>
-            </a:r>
-          </a:p>
-          <a:p>
-            <a:pPr marL="0" indent="0">
-              <a:buNone/>
-            </a:pPr>
-            <a:endParaRPr lang="pl-PL" dirty="0" smtClean="0"/>
-          </a:p>
-          <a:p>
-            <a:pPr marL="0" indent="0">
-              <a:buNone/>
-            </a:pPr>
-            <a:r>
-              <a:rPr lang="pl-PL" dirty="0" smtClean="0"/>
-              <a:t>MAPJOIN – zaproszenie do złączenia po stronie </a:t>
-            </a:r>
-            <a:r>
-              <a:rPr lang="pl-PL" dirty="0" err="1" smtClean="0"/>
-              <a:t>Mappera</a:t>
-            </a:r>
-            <a:endParaRPr lang="pl-PL" dirty="0"/>
-          </a:p>
-          <a:p>
-            <a:pPr marL="0" indent="0">
-              <a:buNone/>
-            </a:pPr>
-            <a:r>
-              <a:rPr lang="pl-PL" b="1" dirty="0" smtClean="0"/>
-              <a:t>SELECT </a:t>
-            </a:r>
-            <a:r>
-              <a:rPr lang="pl-PL" dirty="0" smtClean="0"/>
-              <a:t>/*+ MAPJOIN(b) */ </a:t>
-            </a:r>
-            <a:r>
-              <a:rPr lang="pl-PL" dirty="0" err="1" smtClean="0"/>
-              <a:t>a.key</a:t>
-            </a:r>
-            <a:r>
-              <a:rPr lang="pl-PL" dirty="0" smtClean="0"/>
-              <a:t>, </a:t>
-            </a:r>
-            <a:r>
-              <a:rPr lang="pl-PL" dirty="0" err="1" smtClean="0"/>
-              <a:t>a.value</a:t>
-            </a:r>
-            <a:r>
-              <a:rPr lang="pl-PL" dirty="0" smtClean="0"/>
-              <a:t> </a:t>
-            </a:r>
-          </a:p>
-          <a:p>
-            <a:pPr marL="0" indent="0">
-              <a:buNone/>
-            </a:pPr>
-            <a:r>
-              <a:rPr lang="pl-PL" b="1" dirty="0" smtClean="0"/>
-              <a:t>FROM</a:t>
-            </a:r>
-            <a:r>
-              <a:rPr lang="pl-PL" dirty="0" smtClean="0"/>
-              <a:t> a </a:t>
-            </a:r>
-            <a:r>
-              <a:rPr lang="pl-PL" b="1" dirty="0" smtClean="0"/>
-              <a:t>JOIN</a:t>
-            </a:r>
-            <a:r>
-              <a:rPr lang="pl-PL" dirty="0" smtClean="0"/>
-              <a:t> b </a:t>
-            </a:r>
-            <a:r>
-              <a:rPr lang="pl-PL" b="1" dirty="0" smtClean="0"/>
-              <a:t>ON</a:t>
-            </a:r>
-            <a:r>
-              <a:rPr lang="pl-PL" dirty="0" smtClean="0"/>
-              <a:t> </a:t>
-            </a:r>
-            <a:r>
-              <a:rPr lang="pl-PL" dirty="0" err="1" smtClean="0"/>
-              <a:t>a.key</a:t>
-            </a:r>
-            <a:r>
-              <a:rPr lang="pl-PL" dirty="0"/>
-              <a:t> </a:t>
-            </a:r>
-            <a:r>
-              <a:rPr lang="pl-PL" dirty="0" smtClean="0"/>
-              <a:t>= </a:t>
-            </a:r>
-            <a:r>
-              <a:rPr lang="pl-PL" dirty="0" err="1" smtClean="0"/>
-              <a:t>b.key</a:t>
-            </a:r>
-            <a:endParaRPr lang="pl-PL" b="1" dirty="0" smtClean="0"/>
-          </a:p>
-        </p:txBody>
-      </p:sp>
-      <p:sp>
-        <p:nvSpPr>
-          <p:cNvPr id="2" name="Symbol zastępczy numeru slajdu 1"/>
-          <p:cNvSpPr>
-            <a:spLocks noGrp="1"/>
-          </p:cNvSpPr>
-          <p:nvPr>
-            <p:ph type="sldNum" sz="quarter" idx="12"/>
-          </p:nvPr>
-        </p:nvSpPr>
-        <p:spPr/>
-        <p:txBody>
-          <a:bodyPr/>
-          <a:lstStyle/>
-          <a:p>
-            <a:fld id="{B7B2D0E0-4D7E-4A80-B5CA-CB21EB201799}" type="slidenum">
-              <a:rPr lang="pl-PL" smtClean="0"/>
-              <a:t>38</a:t>
-            </a:fld>
-            <a:endParaRPr lang="pl-PL" dirty="0"/>
-          </a:p>
-        </p:txBody>
-      </p:sp>
-      <p:sp>
-        <p:nvSpPr>
-          <p:cNvPr id="12" name="pole tekstowe 11"/>
-          <p:cNvSpPr txBox="1"/>
-          <p:nvPr/>
-        </p:nvSpPr>
-        <p:spPr>
-          <a:xfrm>
-            <a:off x="838200" y="6413698"/>
-            <a:ext cx="9418320" cy="307777"/>
-          </a:xfrm>
-          <a:prstGeom prst="rect">
-            <a:avLst/>
-          </a:prstGeom>
-          <a:noFill/>
-        </p:spPr>
-        <p:txBody>
-          <a:bodyPr wrap="square" rtlCol="0">
-            <a:spAutoFit/>
-          </a:bodyPr>
-          <a:lstStyle/>
-          <a:p>
-            <a:r>
-              <a:rPr lang="pl-PL" sz="1400" dirty="0"/>
-              <a:t>https://cwiki.apache.org/confluence/display/Hive/LanguageManual+JoinOptimization</a:t>
-            </a:r>
-          </a:p>
-        </p:txBody>
-      </p:sp>
-    </p:spTree>
-    <p:extLst>
-      <p:ext uri="{BB962C8B-B14F-4D97-AF65-F5344CB8AC3E}">
-        <p14:creationId xmlns:p14="http://schemas.microsoft.com/office/powerpoint/2010/main" val="96427853"/>
-      </p:ext>
-    </p:extLst>
-  </p:cSld>
-  <p:clrMapOvr>
-    <a:masterClrMapping/>
-  </p:clrMapOvr>
-  <p:timing>
-    <p:tnLst>
-      <p:par>
-        <p:cTn id="1" dur="indefinite" restart="never" nodeType="tmRoot"/>
-      </p:par>
-    </p:tnLst>
-  </p:timing>
-</p:sld>
-</file>
-
-<file path=ppt/slides/slide39.xml><?xml version="1.0" encoding="utf-8"?>
-<p:sld xmlns:a="http://schemas.openxmlformats.org/drawingml/2006/main" xmlns:r="http://schemas.openxmlformats.org/officeDocument/2006/relationships" xmlns:p="http://schemas.openxmlformats.org/presentationml/2006/main">
-  <p:cSld>
-    <p:spTree>
-      <p:nvGrpSpPr>
-        <p:cNvPr id="1" name=""/>
-        <p:cNvGrpSpPr/>
-        <p:nvPr/>
-      </p:nvGrpSpPr>
-      <p:grpSpPr>
-        <a:xfrm>
-          <a:off x="0" y="0"/>
-          <a:ext cx="0" cy="0"/>
-          <a:chOff x="0" y="0"/>
-          <a:chExt cx="0" cy="0"/>
-        </a:xfrm>
-      </p:grpSpPr>
-      <p:sp>
-        <p:nvSpPr>
-          <p:cNvPr id="5" name="Tytuł 4"/>
-          <p:cNvSpPr>
-            <a:spLocks noGrp="1"/>
-          </p:cNvSpPr>
-          <p:nvPr>
-            <p:ph type="title"/>
-          </p:nvPr>
-        </p:nvSpPr>
-        <p:spPr/>
-        <p:txBody>
-          <a:bodyPr/>
-          <a:lstStyle/>
-          <a:p>
-            <a:r>
-              <a:rPr lang="pl-PL" dirty="0" err="1" smtClean="0"/>
-              <a:t>Hive</a:t>
-            </a:r>
-            <a:endParaRPr lang="pl-PL" dirty="0"/>
-          </a:p>
-        </p:txBody>
-      </p:sp>
-      <p:sp>
-        <p:nvSpPr>
-          <p:cNvPr id="6" name="Symbol zastępczy zawartości 5"/>
-          <p:cNvSpPr>
-            <a:spLocks noGrp="1"/>
-          </p:cNvSpPr>
-          <p:nvPr>
-            <p:ph idx="1"/>
-          </p:nvPr>
-        </p:nvSpPr>
-        <p:spPr>
-          <a:xfrm>
-            <a:off x="838200" y="2714181"/>
-            <a:ext cx="10515600" cy="2406459"/>
-          </a:xfrm>
-        </p:spPr>
-        <p:txBody>
-          <a:bodyPr/>
-          <a:lstStyle/>
-          <a:p>
-            <a:pPr marL="0" indent="0" algn="ctr">
-              <a:buNone/>
-            </a:pPr>
-            <a:r>
-              <a:rPr lang="en-US" sz="4000" dirty="0"/>
-              <a:t>"Hive does not support join conditions that are not equality conditions as it is </a:t>
-            </a:r>
-            <a:r>
-              <a:rPr lang="en-US" sz="4000" b="1" dirty="0"/>
-              <a:t>very difficult </a:t>
-            </a:r>
-            <a:r>
-              <a:rPr lang="en-US" sz="4000" dirty="0"/>
-              <a:t>to express such conditions as a map/reduce job</a:t>
-            </a:r>
-            <a:r>
-              <a:rPr lang="en-US" sz="4000" dirty="0" smtClean="0"/>
-              <a:t>.„</a:t>
-            </a:r>
-            <a:r>
-              <a:rPr lang="pl-PL" sz="4000" dirty="0" smtClean="0"/>
-              <a:t>*</a:t>
-            </a:r>
-            <a:r>
-              <a:rPr lang="en-US" dirty="0"/>
-              <a:t/>
-            </a:r>
-            <a:br>
-              <a:rPr lang="en-US" dirty="0"/>
-            </a:br>
-            <a:endParaRPr lang="pl-PL" dirty="0"/>
-          </a:p>
-        </p:txBody>
-      </p:sp>
-      <p:sp>
-        <p:nvSpPr>
-          <p:cNvPr id="2" name="Symbol zastępczy numeru slajdu 1"/>
-          <p:cNvSpPr>
-            <a:spLocks noGrp="1"/>
-          </p:cNvSpPr>
-          <p:nvPr>
-            <p:ph type="sldNum" sz="quarter" idx="12"/>
-          </p:nvPr>
-        </p:nvSpPr>
-        <p:spPr/>
-        <p:txBody>
-          <a:bodyPr/>
-          <a:lstStyle/>
-          <a:p>
-            <a:fld id="{B7B2D0E0-4D7E-4A80-B5CA-CB21EB201799}" type="slidenum">
-              <a:rPr lang="pl-PL" smtClean="0"/>
-              <a:t>39</a:t>
-            </a:fld>
-            <a:endParaRPr lang="pl-PL" dirty="0"/>
-          </a:p>
-        </p:txBody>
-      </p:sp>
-      <p:sp>
-        <p:nvSpPr>
-          <p:cNvPr id="7" name="pole tekstowe 6"/>
-          <p:cNvSpPr txBox="1"/>
-          <p:nvPr/>
-        </p:nvSpPr>
-        <p:spPr>
-          <a:xfrm>
-            <a:off x="838200" y="6321044"/>
-            <a:ext cx="9418320" cy="523220"/>
-          </a:xfrm>
-          <a:prstGeom prst="rect">
-            <a:avLst/>
-          </a:prstGeom>
-          <a:noFill/>
-        </p:spPr>
-        <p:txBody>
-          <a:bodyPr wrap="square" rtlCol="0">
-            <a:spAutoFit/>
-          </a:bodyPr>
-          <a:lstStyle/>
-          <a:p>
-            <a:r>
-              <a:rPr lang="pl-PL" sz="1400" dirty="0" smtClean="0">
-                <a:hlinkClick r:id="rId3"/>
-              </a:rPr>
-              <a:t>* https</a:t>
-            </a:r>
-            <a:r>
-              <a:rPr lang="pl-PL" sz="1400" dirty="0">
-                <a:hlinkClick r:id="rId3"/>
-              </a:rPr>
-              <a:t>://</a:t>
-            </a:r>
-            <a:r>
-              <a:rPr lang="pl-PL" sz="1400" dirty="0" smtClean="0">
-                <a:hlinkClick r:id="rId3"/>
-              </a:rPr>
-              <a:t>cwiki.apache.org/Hive/languagemanual-joins.html</a:t>
-            </a:r>
-            <a:endParaRPr lang="pl-PL" sz="1400" dirty="0" smtClean="0"/>
-          </a:p>
-          <a:p>
-            <a:r>
-              <a:rPr lang="pl-PL" sz="1400" dirty="0" smtClean="0"/>
-              <a:t>* http</a:t>
-            </a:r>
-            <a:r>
-              <a:rPr lang="pl-PL" sz="1400" dirty="0"/>
-              <a:t>://grokbase.com/t/hive/user/123dnszatz/non-equality-joins</a:t>
-            </a:r>
-          </a:p>
-        </p:txBody>
-      </p:sp>
-    </p:spTree>
-    <p:extLst>
-      <p:ext uri="{BB962C8B-B14F-4D97-AF65-F5344CB8AC3E}">
-        <p14:creationId xmlns:p14="http://schemas.microsoft.com/office/powerpoint/2010/main" val="3880206541"/>
+        <p14:creationId xmlns:p14="http://schemas.microsoft.com/office/powerpoint/2010/main" val="2474401714"/>
       </p:ext>
     </p:extLst>
   </p:cSld>
@@ -30864,7 +30357,7 @@
       </p:grpSpPr>
       <p:sp>
         <p:nvSpPr>
-          <p:cNvPr id="5" name="Tytuł 4"/>
+          <p:cNvPr id="4" name="Tytuł 3"/>
           <p:cNvSpPr>
             <a:spLocks noGrp="1"/>
           </p:cNvSpPr>
@@ -30879,9 +30372,153 @@
           <a:p>
             <a:r>
               <a:rPr lang="pl-PL" dirty="0" smtClean="0"/>
-              <a:t>Wydajność</a:t>
+              <a:t>Złączenia</a:t>
             </a:r>
             <a:endParaRPr lang="pl-PL" dirty="0"/>
+          </a:p>
+        </p:txBody>
+      </p:sp>
+      <p:sp>
+        <p:nvSpPr>
+          <p:cNvPr id="5" name="Symbol zastępczy tekstu 4"/>
+          <p:cNvSpPr>
+            <a:spLocks noGrp="1"/>
+          </p:cNvSpPr>
+          <p:nvPr>
+            <p:ph type="body" sz="quarter" idx="13"/>
+          </p:nvPr>
+        </p:nvSpPr>
+        <p:spPr/>
+        <p:txBody>
+          <a:bodyPr>
+            <a:normAutofit fontScale="92500" lnSpcReduction="10000"/>
+          </a:bodyPr>
+          <a:lstStyle/>
+          <a:p>
+            <a:r>
+              <a:rPr lang="pl-PL" dirty="0" err="1" smtClean="0"/>
+              <a:t>Frameworki</a:t>
+            </a:r>
+            <a:endParaRPr lang="pl-PL" dirty="0" smtClean="0"/>
+          </a:p>
+        </p:txBody>
+      </p:sp>
+      <p:sp>
+        <p:nvSpPr>
+          <p:cNvPr id="6" name="Symbol zastępczy tekstu 5"/>
+          <p:cNvSpPr>
+            <a:spLocks noGrp="1"/>
+          </p:cNvSpPr>
+          <p:nvPr>
+            <p:ph type="body" sz="quarter" idx="4294967295"/>
+          </p:nvPr>
+        </p:nvSpPr>
+        <p:spPr>
+          <a:xfrm>
+            <a:off x="838200" y="2048256"/>
+            <a:ext cx="10514013" cy="3958844"/>
+          </a:xfrm>
+        </p:spPr>
+        <p:txBody>
+          <a:bodyPr>
+            <a:normAutofit fontScale="92500" lnSpcReduction="10000"/>
+          </a:bodyPr>
+          <a:lstStyle/>
+          <a:p>
+            <a:pPr marL="0" indent="0">
+              <a:buNone/>
+            </a:pPr>
+            <a:r>
+              <a:rPr lang="pl-PL" dirty="0" smtClean="0"/>
+              <a:t>Języki:</a:t>
+            </a:r>
+          </a:p>
+          <a:p>
+            <a:r>
+              <a:rPr lang="pl-PL" b="1" dirty="0" err="1" smtClean="0"/>
+              <a:t>Hive</a:t>
+            </a:r>
+            <a:r>
+              <a:rPr lang="pl-PL" b="1" dirty="0" smtClean="0"/>
+              <a:t> - </a:t>
+            </a:r>
+            <a:r>
+              <a:rPr lang="pl-PL" b="1" dirty="0" err="1" smtClean="0"/>
+              <a:t>HiveQL</a:t>
+            </a:r>
+            <a:endParaRPr lang="pl-PL" b="1" dirty="0" smtClean="0"/>
+          </a:p>
+          <a:p>
+            <a:r>
+              <a:rPr lang="pl-PL" dirty="0" err="1" smtClean="0"/>
+              <a:t>Pig</a:t>
+            </a:r>
+            <a:r>
+              <a:rPr lang="pl-PL" dirty="0" smtClean="0"/>
+              <a:t> – </a:t>
+            </a:r>
+            <a:r>
+              <a:rPr lang="pl-PL" dirty="0" err="1" smtClean="0"/>
+              <a:t>PigLatin</a:t>
+            </a:r>
+            <a:r>
+              <a:rPr lang="pl-PL" dirty="0" smtClean="0"/>
+              <a:t> &lt;- proceduralny</a:t>
+            </a:r>
+          </a:p>
+          <a:p>
+            <a:r>
+              <a:rPr lang="pl-PL" dirty="0" err="1" smtClean="0"/>
+              <a:t>Drill</a:t>
+            </a:r>
+            <a:r>
+              <a:rPr lang="pl-PL" dirty="0" smtClean="0"/>
+              <a:t> - SQL</a:t>
+            </a:r>
+          </a:p>
+          <a:p>
+            <a:r>
+              <a:rPr lang="pl-PL" dirty="0" err="1" smtClean="0"/>
+              <a:t>Tajo</a:t>
+            </a:r>
+            <a:r>
+              <a:rPr lang="pl-PL" dirty="0" smtClean="0"/>
+              <a:t> – TSQL (</a:t>
+            </a:r>
+            <a:r>
+              <a:rPr lang="pl-PL" dirty="0" err="1" smtClean="0"/>
+              <a:t>TajoSQL</a:t>
+            </a:r>
+            <a:r>
+              <a:rPr lang="pl-PL" dirty="0" smtClean="0"/>
+              <a:t>)</a:t>
+            </a:r>
+          </a:p>
+          <a:p>
+            <a:r>
+              <a:rPr lang="pl-PL" dirty="0" smtClean="0"/>
+              <a:t>Spark – Spark SQL</a:t>
+            </a:r>
+          </a:p>
+          <a:p>
+            <a:endParaRPr lang="pl-PL" dirty="0"/>
+          </a:p>
+          <a:p>
+            <a:pPr marL="0" indent="0">
+              <a:buNone/>
+            </a:pPr>
+            <a:r>
+              <a:rPr lang="pl-PL" dirty="0" smtClean="0"/>
+              <a:t>Nie są mi znane języki operujące w ramach </a:t>
+            </a:r>
+            <a:r>
+              <a:rPr lang="pl-PL" dirty="0" err="1" smtClean="0"/>
+              <a:t>Hadoopa</a:t>
+            </a:r>
+            <a:r>
+              <a:rPr lang="pl-PL" dirty="0" smtClean="0"/>
+              <a:t> które potrafią wykonać złączenie nierównościowe</a:t>
+            </a:r>
           </a:p>
         </p:txBody>
       </p:sp>
@@ -30908,155 +30545,10 @@
           </a:p>
         </p:txBody>
       </p:sp>
-      <p:sp>
-        <p:nvSpPr>
-          <p:cNvPr id="3" name="Symbol zastępczy zawartości 2"/>
-          <p:cNvSpPr>
-            <a:spLocks noGrp="1"/>
-          </p:cNvSpPr>
-          <p:nvPr>
-            <p:ph idx="1"/>
-          </p:nvPr>
-        </p:nvSpPr>
-        <p:spPr/>
-        <p:txBody>
-          <a:bodyPr/>
-          <a:lstStyle/>
-          <a:p>
-            <a:r>
-              <a:rPr lang="pl-PL" dirty="0" smtClean="0"/>
-              <a:t>Wydajność rozumiana jako czas utylizacji klastra – czas wykonania </a:t>
-            </a:r>
-            <a:r>
-              <a:rPr lang="pl-PL" dirty="0" err="1" smtClean="0"/>
-              <a:t>Job’a</a:t>
-            </a:r>
-            <a:endParaRPr lang="pl-PL" dirty="0" smtClean="0"/>
-          </a:p>
-          <a:p>
-            <a:r>
-              <a:rPr lang="pl-PL" dirty="0" smtClean="0"/>
-              <a:t>Test:</a:t>
-            </a:r>
-          </a:p>
-          <a:p>
-            <a:pPr lvl="1"/>
-            <a:r>
-              <a:rPr lang="pl-PL" dirty="0" smtClean="0"/>
-              <a:t>Klaster 5 węzłów (chmura </a:t>
-            </a:r>
-            <a:r>
-              <a:rPr lang="pl-PL" dirty="0" err="1" smtClean="0"/>
-              <a:t>Amazona</a:t>
-            </a:r>
-            <a:r>
-              <a:rPr lang="pl-PL" dirty="0" smtClean="0"/>
-              <a:t>)</a:t>
-            </a:r>
-          </a:p>
-          <a:p>
-            <a:pPr lvl="1"/>
-            <a:r>
-              <a:rPr lang="pl-PL" dirty="0" smtClean="0"/>
-              <a:t>Złączenie dwóch tabel, relacja 1-N</a:t>
-            </a:r>
-          </a:p>
-          <a:p>
-            <a:pPr lvl="1"/>
-            <a:r>
-              <a:rPr lang="pl-PL" dirty="0" smtClean="0"/>
-              <a:t>Zbiór danych TPC-H – 1 GB</a:t>
-            </a:r>
-          </a:p>
-          <a:p>
-            <a:pPr lvl="1"/>
-            <a:r>
-              <a:rPr lang="pl-PL" dirty="0" err="1" smtClean="0"/>
-              <a:t>Obfuskacja</a:t>
-            </a:r>
-            <a:r>
-              <a:rPr lang="pl-PL" dirty="0" smtClean="0"/>
-              <a:t> danych (kolumn)</a:t>
-            </a:r>
-          </a:p>
-          <a:p>
-            <a:pPr lvl="1"/>
-            <a:r>
-              <a:rPr lang="pl-PL" dirty="0" smtClean="0"/>
-              <a:t>Dwa zapytania</a:t>
-            </a:r>
-          </a:p>
-          <a:p>
-            <a:pPr lvl="2"/>
-            <a:r>
-              <a:rPr lang="pl-PL" dirty="0" err="1" smtClean="0"/>
-              <a:t>Równozłączenie</a:t>
-            </a:r>
-            <a:r>
-              <a:rPr lang="pl-PL" dirty="0" smtClean="0"/>
-              <a:t>: </a:t>
-            </a:r>
-            <a:r>
-              <a:rPr lang="en-US" dirty="0"/>
-              <a:t>TABLEA JOIN TABLEB ON A1 = </a:t>
-            </a:r>
-            <a:r>
-              <a:rPr lang="en-US" dirty="0" smtClean="0"/>
-              <a:t>A2</a:t>
-            </a:r>
-            <a:endParaRPr lang="pl-PL" dirty="0" smtClean="0"/>
-          </a:p>
-          <a:p>
-            <a:pPr lvl="2"/>
-            <a:r>
-              <a:rPr lang="pl-PL" dirty="0" err="1" smtClean="0"/>
-              <a:t>Theta</a:t>
-            </a:r>
-            <a:r>
-              <a:rPr lang="pl-PL" dirty="0" smtClean="0"/>
-              <a:t>-złączenie: </a:t>
-            </a:r>
-            <a:r>
-              <a:rPr lang="en-US" dirty="0"/>
-              <a:t>E1 &lt;= </a:t>
-            </a:r>
-            <a:r>
-              <a:rPr lang="en-US" dirty="0" err="1"/>
-              <a:t>date_add</a:t>
-            </a:r>
-            <a:r>
-              <a:rPr lang="en-US" dirty="0"/>
-              <a:t>(K2, 30) AND E1 &gt;= </a:t>
-            </a:r>
-            <a:r>
-              <a:rPr lang="en-US" dirty="0" err="1"/>
-              <a:t>date_sub</a:t>
-            </a:r>
-            <a:r>
-              <a:rPr lang="en-US" dirty="0"/>
-              <a:t>(K2, 30)</a:t>
-            </a:r>
-            <a:endParaRPr lang="pl-PL" dirty="0" smtClean="0"/>
-          </a:p>
-          <a:p>
-            <a:pPr lvl="2"/>
-            <a:endParaRPr lang="pl-PL" dirty="0" smtClean="0"/>
-          </a:p>
-          <a:p>
-            <a:pPr marL="0" indent="0">
-              <a:buNone/>
-            </a:pPr>
-            <a:endParaRPr lang="pl-PL" dirty="0" smtClean="0"/>
-          </a:p>
-          <a:p>
-            <a:endParaRPr lang="pl-PL" dirty="0" smtClean="0"/>
-          </a:p>
-        </p:txBody>
-      </p:sp>
     </p:spTree>
     <p:extLst>
       <p:ext uri="{BB962C8B-B14F-4D97-AF65-F5344CB8AC3E}">
-        <p14:creationId xmlns:p14="http://schemas.microsoft.com/office/powerpoint/2010/main" val="4253036630"/>
+        <p14:creationId xmlns:p14="http://schemas.microsoft.com/office/powerpoint/2010/main" val="1701074535"/>
       </p:ext>
     </p:extLst>
   </p:cSld>
@@ -31092,7 +30584,7 @@
       </p:grpSpPr>
       <p:sp>
         <p:nvSpPr>
-          <p:cNvPr id="5" name="Tytuł 4"/>
+          <p:cNvPr id="4" name="Tytuł 3"/>
           <p:cNvSpPr>
             <a:spLocks noGrp="1"/>
           </p:cNvSpPr>
@@ -31106,8 +30598,281 @@
           <a:lstStyle/>
           <a:p>
             <a:r>
+              <a:rPr lang="pl-PL" dirty="0" smtClean="0"/>
+              <a:t>Złączenia</a:t>
+            </a:r>
+            <a:endParaRPr lang="pl-PL" dirty="0"/>
+          </a:p>
+        </p:txBody>
+      </p:sp>
+      <p:sp>
+        <p:nvSpPr>
+          <p:cNvPr id="5" name="Symbol zastępczy tekstu 4"/>
+          <p:cNvSpPr>
+            <a:spLocks noGrp="1"/>
+          </p:cNvSpPr>
+          <p:nvPr>
+            <p:ph type="body" sz="quarter" idx="13"/>
+          </p:nvPr>
+        </p:nvSpPr>
+        <p:spPr/>
+        <p:txBody>
+          <a:bodyPr>
+            <a:normAutofit fontScale="92500" lnSpcReduction="10000"/>
+          </a:bodyPr>
+          <a:lstStyle/>
+          <a:p>
+            <a:r>
+              <a:rPr lang="pl-PL" dirty="0" err="1" smtClean="0"/>
+              <a:t>HiveQL</a:t>
+            </a:r>
+            <a:r>
+              <a:rPr lang="pl-PL" dirty="0" smtClean="0"/>
+              <a:t> - Tabele zewnętrzne – jak SQL</a:t>
+            </a:r>
+          </a:p>
+        </p:txBody>
+      </p:sp>
+      <p:sp>
+        <p:nvSpPr>
+          <p:cNvPr id="6" name="Symbol zastępczy tekstu 5"/>
+          <p:cNvSpPr>
+            <a:spLocks noGrp="1"/>
+          </p:cNvSpPr>
+          <p:nvPr>
+            <p:ph type="body" sz="quarter" idx="4294967295"/>
+          </p:nvPr>
+        </p:nvSpPr>
+        <p:spPr>
+          <a:xfrm>
+            <a:off x="838200" y="2048256"/>
+            <a:ext cx="10514013" cy="3958844"/>
+          </a:xfrm>
+        </p:spPr>
+        <p:txBody>
+          <a:bodyPr>
+            <a:normAutofit fontScale="55000" lnSpcReduction="20000"/>
+          </a:bodyPr>
+          <a:lstStyle/>
+          <a:p>
+            <a:pPr marL="0" indent="0">
+              <a:buNone/>
+            </a:pPr>
+            <a:r>
+              <a:rPr lang="pl-PL" b="1" dirty="0" smtClean="0"/>
+              <a:t>CREATE</a:t>
+            </a:r>
+            <a:r>
+              <a:rPr lang="pl-PL" dirty="0" smtClean="0"/>
+              <a:t> </a:t>
+            </a:r>
+            <a:r>
+              <a:rPr lang="pl-PL" b="1" dirty="0"/>
+              <a:t>EXTERNAL</a:t>
+            </a:r>
+            <a:r>
               <a:rPr lang="pl-PL" dirty="0"/>
-              <a:t>Wydajność</a:t>
+              <a:t> </a:t>
+            </a:r>
+            <a:r>
+              <a:rPr lang="pl-PL" b="1" dirty="0"/>
+              <a:t>TABLE</a:t>
+            </a:r>
+            <a:r>
+              <a:rPr lang="pl-PL" dirty="0"/>
+              <a:t> `</a:t>
+            </a:r>
+            <a:r>
+              <a:rPr lang="pl-PL" b="1" dirty="0" err="1"/>
+              <a:t>default</a:t>
+            </a:r>
+            <a:r>
+              <a:rPr lang="pl-PL" dirty="0" err="1"/>
+              <a:t>.TABLEA</a:t>
+            </a:r>
+            <a:r>
+              <a:rPr lang="pl-PL" dirty="0"/>
+              <a:t>`( </a:t>
+            </a:r>
+          </a:p>
+          <a:p>
+            <a:pPr marL="0" indent="0">
+              <a:buNone/>
+            </a:pPr>
+            <a:r>
+              <a:rPr lang="pl-PL" dirty="0"/>
+              <a:t>	`A1` </a:t>
+            </a:r>
+            <a:r>
+              <a:rPr lang="pl-PL" dirty="0" err="1"/>
+              <a:t>int</a:t>
+            </a:r>
+            <a:r>
+              <a:rPr lang="pl-PL" dirty="0"/>
+              <a:t> , </a:t>
+            </a:r>
+          </a:p>
+          <a:p>
+            <a:pPr marL="0" indent="0">
+              <a:buNone/>
+            </a:pPr>
+            <a:r>
+              <a:rPr lang="pl-PL" dirty="0"/>
+              <a:t>	`B1` </a:t>
+            </a:r>
+            <a:r>
+              <a:rPr lang="pl-PL" dirty="0" err="1"/>
+              <a:t>int</a:t>
+            </a:r>
+            <a:r>
+              <a:rPr lang="pl-PL" dirty="0"/>
+              <a:t> , </a:t>
+            </a:r>
+          </a:p>
+          <a:p>
+            <a:pPr marL="0" indent="0">
+              <a:buNone/>
+            </a:pPr>
+            <a:r>
+              <a:rPr lang="pl-PL" dirty="0"/>
+              <a:t>	`C1` string , </a:t>
+            </a:r>
+          </a:p>
+          <a:p>
+            <a:pPr marL="0" indent="0">
+              <a:buNone/>
+            </a:pPr>
+            <a:r>
+              <a:rPr lang="pl-PL" dirty="0"/>
+              <a:t>	`D1` </a:t>
+            </a:r>
+            <a:r>
+              <a:rPr lang="pl-PL" dirty="0" err="1"/>
+              <a:t>double</a:t>
+            </a:r>
+            <a:r>
+              <a:rPr lang="pl-PL" dirty="0"/>
+              <a:t>, </a:t>
+            </a:r>
+          </a:p>
+          <a:p>
+            <a:pPr marL="0" indent="0">
+              <a:buNone/>
+            </a:pPr>
+            <a:r>
+              <a:rPr lang="pl-PL" dirty="0"/>
+              <a:t>	`E1` string, </a:t>
+            </a:r>
+          </a:p>
+          <a:p>
+            <a:pPr marL="0" indent="0">
+              <a:buNone/>
+            </a:pPr>
+            <a:r>
+              <a:rPr lang="pl-PL" dirty="0"/>
+              <a:t>	`F1` string, </a:t>
+            </a:r>
+          </a:p>
+          <a:p>
+            <a:pPr marL="0" indent="0">
+              <a:buNone/>
+            </a:pPr>
+            <a:r>
+              <a:rPr lang="pl-PL" dirty="0"/>
+              <a:t>	`G1` string, </a:t>
+            </a:r>
+          </a:p>
+          <a:p>
+            <a:pPr marL="0" indent="0">
+              <a:buNone/>
+            </a:pPr>
+            <a:r>
+              <a:rPr lang="pl-PL" dirty="0"/>
+              <a:t>	`H1` string, </a:t>
+            </a:r>
+          </a:p>
+          <a:p>
+            <a:pPr marL="0" indent="0">
+              <a:buNone/>
+            </a:pPr>
+            <a:r>
+              <a:rPr lang="pl-PL" dirty="0"/>
+              <a:t>	`I1` string)</a:t>
+            </a:r>
+          </a:p>
+          <a:p>
+            <a:pPr marL="0" indent="0">
+              <a:buNone/>
+            </a:pPr>
+            <a:r>
+              <a:rPr lang="pl-PL" b="1" dirty="0"/>
+              <a:t>ROW</a:t>
+            </a:r>
+            <a:r>
+              <a:rPr lang="pl-PL" dirty="0"/>
+              <a:t> FORMAT DELIMITED FIELDS TERMINATED </a:t>
+            </a:r>
+            <a:r>
+              <a:rPr lang="pl-PL" b="1" dirty="0"/>
+              <a:t>BY</a:t>
+            </a:r>
+            <a:r>
+              <a:rPr lang="pl-PL" dirty="0"/>
+              <a:t> "|"</a:t>
+            </a:r>
+          </a:p>
+          <a:p>
+            <a:pPr marL="0" indent="0">
+              <a:buNone/>
+            </a:pPr>
+            <a:r>
+              <a:rPr lang="pl-PL" dirty="0"/>
+              <a:t>STORED </a:t>
+            </a:r>
+            <a:r>
+              <a:rPr lang="pl-PL" b="1" dirty="0"/>
+              <a:t>AS</a:t>
+            </a:r>
+            <a:r>
+              <a:rPr lang="pl-PL" dirty="0"/>
+              <a:t> TEXTFILE</a:t>
+            </a:r>
+          </a:p>
+          <a:p>
+            <a:pPr marL="0" indent="0">
+              <a:buNone/>
+            </a:pPr>
+            <a:r>
+              <a:rPr lang="pl-PL" b="1" dirty="0"/>
+              <a:t>LOCATION</a:t>
+            </a:r>
+            <a:r>
+              <a:rPr lang="pl-PL" dirty="0"/>
+              <a:t> '/</a:t>
+            </a:r>
+            <a:r>
+              <a:rPr lang="pl-PL" dirty="0" err="1"/>
+              <a:t>user</a:t>
+            </a:r>
+            <a:r>
+              <a:rPr lang="pl-PL" dirty="0"/>
+              <a:t>/</a:t>
+            </a:r>
+            <a:r>
+              <a:rPr lang="pl-PL" dirty="0" err="1"/>
+              <a:t>peczwy</a:t>
+            </a:r>
+            <a:r>
+              <a:rPr lang="pl-PL" dirty="0"/>
+              <a:t>/data/1n/VOLUME/</a:t>
+            </a:r>
+            <a:r>
+              <a:rPr lang="pl-PL" dirty="0" err="1"/>
+              <a:t>orders</a:t>
+            </a:r>
+            <a:r>
+              <a:rPr lang="pl-PL" dirty="0"/>
+              <a:t>';</a:t>
             </a:r>
           </a:p>
         </p:txBody>
@@ -31135,114 +30900,10 @@
           </a:p>
         </p:txBody>
       </p:sp>
-      <p:sp>
-        <p:nvSpPr>
-          <p:cNvPr id="10" name="Symbol zastępczy tekstu 9"/>
-          <p:cNvSpPr>
-            <a:spLocks noGrp="1"/>
-          </p:cNvSpPr>
-          <p:nvPr>
-            <p:ph type="body" sz="quarter" idx="13"/>
-          </p:nvPr>
-        </p:nvSpPr>
-        <p:spPr/>
-        <p:txBody>
-          <a:bodyPr>
-            <a:normAutofit fontScale="92500" lnSpcReduction="10000"/>
-          </a:bodyPr>
-          <a:lstStyle/>
-          <a:p>
-            <a:r>
-              <a:rPr lang="pl-PL" dirty="0" err="1" smtClean="0"/>
-              <a:t>Równozłączenie</a:t>
-            </a:r>
-            <a:endParaRPr lang="pl-PL" dirty="0"/>
-          </a:p>
-        </p:txBody>
-      </p:sp>
-      <p:graphicFrame>
-        <p:nvGraphicFramePr>
-          <p:cNvPr id="9" name="Symbol zastępczy zawartości 8"/>
-          <p:cNvGraphicFramePr>
-            <a:graphicFrameLocks noGrp="1"/>
-          </p:cNvGraphicFramePr>
-          <p:nvPr>
-            <p:ph sz="quarter" idx="15"/>
-            <p:extLst>
-              <p:ext uri="{D42A27DB-BD31-4B8C-83A1-F6EECF244321}">
-                <p14:modId xmlns:p14="http://schemas.microsoft.com/office/powerpoint/2010/main" val="2944907821"/>
-              </p:ext>
-            </p:extLst>
-          </p:nvPr>
-        </p:nvGraphicFramePr>
-        <p:xfrm>
-          <a:off x="838200" y="2047875"/>
-          <a:ext cx="10514013" cy="3959225"/>
-        </p:xfrm>
-        <a:graphic>
-          <a:graphicData uri="http://schemas.openxmlformats.org/drawingml/2006/chart">
-            <c:chart xmlns:c="http://schemas.openxmlformats.org/drawingml/2006/chart" xmlns:r="http://schemas.openxmlformats.org/officeDocument/2006/relationships" r:id="rId3"/>
-          </a:graphicData>
-        </a:graphic>
-      </p:graphicFrame>
-      <p:sp>
-        <p:nvSpPr>
-          <p:cNvPr id="7" name="pole tekstowe 6"/>
-          <p:cNvSpPr txBox="1"/>
-          <p:nvPr/>
-        </p:nvSpPr>
-        <p:spPr>
-          <a:xfrm>
-            <a:off x="838200" y="6321044"/>
-            <a:ext cx="9418320" cy="523220"/>
-          </a:xfrm>
-          <a:prstGeom prst="rect">
-            <a:avLst/>
-          </a:prstGeom>
-          <a:noFill/>
-        </p:spPr>
-        <p:txBody>
-          <a:bodyPr wrap="square" rtlCol="0">
-            <a:spAutoFit/>
-          </a:bodyPr>
-          <a:lstStyle/>
-          <a:p>
-            <a:r>
-              <a:rPr lang="pl-PL" sz="1400" dirty="0" smtClean="0">
-                <a:hlinkClick r:id="rId4"/>
-              </a:rPr>
-              <a:t>* https</a:t>
-            </a:r>
-            <a:r>
-              <a:rPr lang="pl-PL" sz="1400" dirty="0">
-                <a:hlinkClick r:id="rId4"/>
-              </a:rPr>
-              <a:t>://</a:t>
-            </a:r>
-            <a:r>
-              <a:rPr lang="pl-PL" sz="1400" dirty="0" smtClean="0">
-                <a:hlinkClick r:id="rId4"/>
-              </a:rPr>
-              <a:t>cwiki.apache.org/Hive/languagemanual-joins.html</a:t>
-            </a:r>
-            <a:endParaRPr lang="pl-PL" sz="1400" dirty="0" smtClean="0"/>
-          </a:p>
-          <a:p>
-            <a:r>
-              <a:rPr lang="pl-PL" sz="1400" dirty="0" smtClean="0"/>
-              <a:t>* http</a:t>
-            </a:r>
-            <a:r>
-              <a:rPr lang="pl-PL" sz="1400" dirty="0"/>
-              <a:t>://grokbase.com/t/hive/user/123dnszatz/non-equality-joins</a:t>
-            </a:r>
-          </a:p>
-        </p:txBody>
-      </p:sp>
     </p:spTree>
     <p:extLst>
       <p:ext uri="{BB962C8B-B14F-4D97-AF65-F5344CB8AC3E}">
-        <p14:creationId xmlns:p14="http://schemas.microsoft.com/office/powerpoint/2010/main" val="324963292"/>
+        <p14:creationId xmlns:p14="http://schemas.microsoft.com/office/powerpoint/2010/main" val="1674110082"/>
       </p:ext>
     </p:extLst>
   </p:cSld>
@@ -31278,7 +30939,7 @@
       </p:grpSpPr>
       <p:sp>
         <p:nvSpPr>
-          <p:cNvPr id="5" name="Tytuł 4"/>
+          <p:cNvPr id="4" name="Tytuł 3"/>
           <p:cNvSpPr>
             <a:spLocks noGrp="1"/>
           </p:cNvSpPr>
@@ -31292,9 +30953,153 @@
           <a:lstStyle/>
           <a:p>
             <a:r>
+              <a:rPr lang="pl-PL" dirty="0" smtClean="0"/>
+              <a:t>Złączenia</a:t>
+            </a:r>
+            <a:endParaRPr lang="pl-PL" dirty="0"/>
+          </a:p>
+        </p:txBody>
+      </p:sp>
+      <p:sp>
+        <p:nvSpPr>
+          <p:cNvPr id="5" name="Symbol zastępczy tekstu 4"/>
+          <p:cNvSpPr>
+            <a:spLocks noGrp="1"/>
+          </p:cNvSpPr>
+          <p:nvPr>
+            <p:ph type="body" sz="quarter" idx="13"/>
+          </p:nvPr>
+        </p:nvSpPr>
+        <p:spPr/>
+        <p:txBody>
+          <a:bodyPr>
+            <a:normAutofit fontScale="92500" lnSpcReduction="10000"/>
+          </a:bodyPr>
+          <a:lstStyle/>
+          <a:p>
+            <a:r>
+              <a:rPr lang="pl-PL" dirty="0" err="1" smtClean="0"/>
+              <a:t>HiveQL</a:t>
+            </a:r>
+            <a:endParaRPr lang="pl-PL" dirty="0" smtClean="0"/>
+          </a:p>
+        </p:txBody>
+      </p:sp>
+      <p:sp>
+        <p:nvSpPr>
+          <p:cNvPr id="6" name="Symbol zastępczy tekstu 5"/>
+          <p:cNvSpPr>
+            <a:spLocks noGrp="1"/>
+          </p:cNvSpPr>
+          <p:nvPr>
+            <p:ph type="body" sz="quarter" idx="4294967295"/>
+          </p:nvPr>
+        </p:nvSpPr>
+        <p:spPr>
+          <a:xfrm>
+            <a:off x="838200" y="2048256"/>
+            <a:ext cx="10514013" cy="3958844"/>
+          </a:xfrm>
+        </p:spPr>
+        <p:txBody>
+          <a:bodyPr>
+            <a:normAutofit/>
+          </a:bodyPr>
+          <a:lstStyle/>
+          <a:p>
+            <a:pPr marL="0" indent="0">
+              <a:buNone/>
+            </a:pPr>
+            <a:endParaRPr lang="pl-PL" dirty="0"/>
+          </a:p>
+          <a:p>
+            <a:pPr marL="0" indent="0">
+              <a:buNone/>
+            </a:pPr>
+            <a:r>
+              <a:rPr lang="pl-PL" b="1" dirty="0"/>
+              <a:t>SELECT</a:t>
+            </a:r>
+            <a:r>
               <a:rPr lang="pl-PL" dirty="0"/>
-              <a:t>Wydajność</a:t>
-            </a:r>
+              <a:t> page_views.*</a:t>
+            </a:r>
+          </a:p>
+          <a:p>
+            <a:pPr marL="0" indent="0">
+              <a:buNone/>
+            </a:pPr>
+            <a:r>
+              <a:rPr lang="pl-PL" b="1" dirty="0"/>
+              <a:t>FROM</a:t>
+            </a:r>
+            <a:r>
+              <a:rPr lang="pl-PL" dirty="0"/>
+              <a:t> </a:t>
+            </a:r>
+            <a:r>
+              <a:rPr lang="pl-PL" dirty="0" err="1"/>
+              <a:t>page_views</a:t>
+            </a:r>
+            <a:endParaRPr lang="pl-PL" dirty="0"/>
+          </a:p>
+          <a:p>
+            <a:pPr marL="0" indent="0">
+              <a:buNone/>
+            </a:pPr>
+            <a:r>
+              <a:rPr lang="pl-PL" b="1" dirty="0"/>
+              <a:t>WHERE</a:t>
+            </a:r>
+            <a:r>
+              <a:rPr lang="pl-PL" dirty="0"/>
+              <a:t> </a:t>
+            </a:r>
+            <a:r>
+              <a:rPr lang="pl-PL" dirty="0" err="1"/>
+              <a:t>page_views.date</a:t>
+            </a:r>
+            <a:r>
+              <a:rPr lang="pl-PL" dirty="0"/>
+              <a:t> &gt;= '2008-03-01' </a:t>
+            </a:r>
+            <a:endParaRPr lang="pl-PL" dirty="0" smtClean="0"/>
+          </a:p>
+          <a:p>
+            <a:pPr marL="0" indent="0">
+              <a:buNone/>
+            </a:pPr>
+            <a:r>
+              <a:rPr lang="pl-PL" b="1" dirty="0"/>
+              <a:t>	</a:t>
+            </a:r>
+            <a:r>
+              <a:rPr lang="pl-PL" b="1" dirty="0" smtClean="0"/>
+              <a:t>AND</a:t>
+            </a:r>
+            <a:r>
+              <a:rPr lang="pl-PL" dirty="0" smtClean="0"/>
+              <a:t> </a:t>
+            </a:r>
+            <a:r>
+              <a:rPr lang="pl-PL" dirty="0" err="1"/>
+              <a:t>page_views.date</a:t>
+            </a:r>
+            <a:r>
+              <a:rPr lang="pl-PL" dirty="0"/>
+              <a:t> &lt;= </a:t>
+            </a:r>
+            <a:r>
+              <a:rPr lang="pl-PL" dirty="0" smtClean="0"/>
+              <a:t>'2008-03-31‚</a:t>
+            </a:r>
+            <a:endParaRPr lang="pl-PL" dirty="0"/>
+          </a:p>
+          <a:p>
+            <a:pPr marL="0" indent="0">
+              <a:buNone/>
+            </a:pPr>
+            <a:endParaRPr lang="pl-PL" dirty="0" smtClean="0"/>
           </a:p>
         </p:txBody>
       </p:sp>
@@ -31323,68 +31128,14 @@
       </p:sp>
       <p:sp>
         <p:nvSpPr>
-          <p:cNvPr id="10" name="Symbol zastępczy tekstu 9"/>
-          <p:cNvSpPr>
-            <a:spLocks noGrp="1"/>
-          </p:cNvSpPr>
-          <p:nvPr>
-            <p:ph type="body" sz="quarter" idx="13"/>
-          </p:nvPr>
-        </p:nvSpPr>
-        <p:spPr/>
-        <p:txBody>
-          <a:bodyPr>
-            <a:normAutofit fontScale="92500" lnSpcReduction="10000"/>
-          </a:bodyPr>
-          <a:lstStyle/>
-          <a:p>
-            <a:r>
-              <a:rPr lang="pl-PL" dirty="0" err="1" smtClean="0"/>
-              <a:t>Theta</a:t>
-            </a:r>
-            <a:r>
-              <a:rPr lang="pl-PL" dirty="0" smtClean="0"/>
-              <a:t>-złączenie</a:t>
-            </a:r>
-            <a:endParaRPr lang="pl-PL" dirty="0"/>
-          </a:p>
-        </p:txBody>
-      </p:sp>
-      <p:graphicFrame>
-        <p:nvGraphicFramePr>
-          <p:cNvPr id="9" name="Symbol zastępczy zawartości 8"/>
-          <p:cNvGraphicFramePr>
-            <a:graphicFrameLocks noGrp="1"/>
-          </p:cNvGraphicFramePr>
-          <p:nvPr>
-            <p:ph sz="quarter" idx="15"/>
-            <p:extLst>
-              <p:ext uri="{D42A27DB-BD31-4B8C-83A1-F6EECF244321}">
-                <p14:modId xmlns:p14="http://schemas.microsoft.com/office/powerpoint/2010/main" val="1618442724"/>
-              </p:ext>
-            </p:extLst>
-          </p:nvPr>
-        </p:nvGraphicFramePr>
-        <p:xfrm>
-          <a:off x="838200" y="2047875"/>
-          <a:ext cx="10514013" cy="3959225"/>
-        </p:xfrm>
-        <a:graphic>
-          <a:graphicData uri="http://schemas.openxmlformats.org/drawingml/2006/chart">
-            <c:chart xmlns:c="http://schemas.openxmlformats.org/drawingml/2006/chart" xmlns:r="http://schemas.openxmlformats.org/officeDocument/2006/relationships" r:id="rId3"/>
-          </a:graphicData>
-        </a:graphic>
-      </p:graphicFrame>
-      <p:sp>
-        <p:nvSpPr>
-          <p:cNvPr id="7" name="pole tekstowe 6"/>
+          <p:cNvPr id="12" name="pole tekstowe 11"/>
           <p:cNvSpPr txBox="1"/>
           <p:nvPr/>
         </p:nvSpPr>
         <p:spPr>
           <a:xfrm>
-            <a:off x="838200" y="6321044"/>
-            <a:ext cx="9418320" cy="523220"/>
+            <a:off x="838200" y="6413698"/>
+            <a:ext cx="9418320" cy="307777"/>
           </a:xfrm>
           <a:prstGeom prst="rect">
             <a:avLst/>
@@ -31398,33 +31149,8 @@
           <a:lstStyle/>
           <a:p>
             <a:r>
-              <a:rPr lang="pl-PL" sz="1400" dirty="0" smtClean="0">
-                <a:hlinkClick r:id="rId4"/>
-              </a:rPr>
-              <a:t>* https</a:t>
-            </a:r>
-            <a:r>
-              <a:rPr lang="pl-PL" sz="1400" dirty="0">
-                <a:hlinkClick r:id="rId4"/>
-              </a:rPr>
-              <a:t>://</a:t>
-            </a:r>
-            <a:r>
-              <a:rPr lang="pl-PL" sz="1400" dirty="0" smtClean="0">
-                <a:hlinkClick r:id="rId4"/>
-              </a:rPr>
-              <a:t>cwiki.apache.org/Hive/languagemanual-joins.html</a:t>
-            </a:r>
-            <a:endParaRPr lang="pl-PL" sz="1400" dirty="0" smtClean="0"/>
-          </a:p>
-          <a:p>
-            <a:r>
-              <a:rPr lang="pl-PL" sz="1400" dirty="0" smtClean="0"/>
-              <a:t>* http</a:t>
-            </a:r>
-            <a:r>
               <a:rPr lang="pl-PL" sz="1400" dirty="0"/>
-              <a:t>://grokbase.com/t/hive/user/123dnszatz/non-equality-joins</a:t>
+              <a:t>https://cwiki.apache.org/confluence/display/Hive/LanguageManual+Select</a:t>
             </a:r>
           </a:p>
         </p:txBody>
@@ -31432,7 +31158,7 @@
     </p:spTree>
     <p:extLst>
       <p:ext uri="{BB962C8B-B14F-4D97-AF65-F5344CB8AC3E}">
-        <p14:creationId xmlns:p14="http://schemas.microsoft.com/office/powerpoint/2010/main" val="2170886484"/>
+        <p14:creationId xmlns:p14="http://schemas.microsoft.com/office/powerpoint/2010/main" val="2615209512"/>
       </p:ext>
     </p:extLst>
   </p:cSld>
@@ -31468,7 +31194,7 @@
       </p:grpSpPr>
       <p:sp>
         <p:nvSpPr>
-          <p:cNvPr id="5" name="Tytuł 4"/>
+          <p:cNvPr id="4" name="Tytuł 3"/>
           <p:cNvSpPr>
             <a:spLocks noGrp="1"/>
           </p:cNvSpPr>
@@ -31483,7 +31209,7 @@
           <a:p>
             <a:r>
               <a:rPr lang="pl-PL" dirty="0" smtClean="0"/>
-              <a:t>Podsumowanie</a:t>
+              <a:t>Złączenia</a:t>
             </a:r>
             <a:endParaRPr lang="pl-PL" dirty="0"/>
           </a:p>
@@ -31491,84 +31217,129 @@
       </p:sp>
       <p:sp>
         <p:nvSpPr>
-          <p:cNvPr id="6" name="Symbol zastępczy zawartości 5"/>
+          <p:cNvPr id="5" name="Symbol zastępczy tekstu 4"/>
           <p:cNvSpPr>
             <a:spLocks noGrp="1"/>
           </p:cNvSpPr>
           <p:nvPr>
-            <p:ph idx="1"/>
+            <p:ph type="body" sz="quarter" idx="13"/>
+          </p:nvPr>
+        </p:nvSpPr>
+        <p:spPr/>
+        <p:txBody>
+          <a:bodyPr>
+            <a:normAutofit fontScale="92500" lnSpcReduction="10000"/>
+          </a:bodyPr>
+          <a:lstStyle/>
+          <a:p>
+            <a:r>
+              <a:rPr lang="pl-PL" dirty="0" err="1" smtClean="0"/>
+              <a:t>HiveQL</a:t>
+            </a:r>
+            <a:r>
+              <a:rPr lang="pl-PL" dirty="0" smtClean="0"/>
+              <a:t> – rodzaje </a:t>
+            </a:r>
+          </a:p>
+        </p:txBody>
+      </p:sp>
+      <p:sp>
+        <p:nvSpPr>
+          <p:cNvPr id="6" name="Symbol zastępczy tekstu 5"/>
+          <p:cNvSpPr>
+            <a:spLocks noGrp="1"/>
+          </p:cNvSpPr>
+          <p:nvPr>
+            <p:ph type="body" sz="quarter" idx="4294967295"/>
           </p:nvPr>
         </p:nvSpPr>
         <p:spPr>
           <a:xfrm>
-            <a:off x="838200" y="2046669"/>
-            <a:ext cx="10515600" cy="4121150"/>
+            <a:off x="838200" y="2048256"/>
+            <a:ext cx="10514013" cy="3958844"/>
           </a:xfrm>
         </p:spPr>
         <p:txBody>
-          <a:bodyPr/>
+          <a:bodyPr>
+            <a:normAutofit/>
+          </a:bodyPr>
           <a:lstStyle/>
           <a:p>
-            <a:r>
-              <a:rPr lang="pl-PL" dirty="0" smtClean="0"/>
-              <a:t>Nad każdym klastrem powinien wisieć Framework (co najmniej jeden)</a:t>
-            </a:r>
-          </a:p>
-          <a:p>
-            <a:r>
-              <a:rPr lang="pl-PL" dirty="0" err="1" smtClean="0"/>
-              <a:t>Kodzimy</a:t>
-            </a:r>
-            <a:r>
-              <a:rPr lang="pl-PL" dirty="0" smtClean="0"/>
-              <a:t> w ostateczności</a:t>
-            </a:r>
-          </a:p>
-          <a:p>
-            <a:r>
-              <a:rPr lang="pl-PL" dirty="0" smtClean="0"/>
-              <a:t>Złączenia nierównościowe w ogólnej postaci </a:t>
-            </a:r>
-            <a:r>
-              <a:rPr lang="pl-PL" b="1" dirty="0" smtClean="0"/>
-              <a:t>nie</a:t>
-            </a:r>
-            <a:r>
-              <a:rPr lang="pl-PL" dirty="0" smtClean="0"/>
-              <a:t> są możliwe do wyrażenia za pomocą grupowania – agregacji</a:t>
-            </a:r>
-          </a:p>
-          <a:p>
-            <a:r>
-              <a:rPr lang="pl-PL" dirty="0" smtClean="0"/>
-              <a:t>Systemy Map </a:t>
-            </a:r>
-            <a:r>
-              <a:rPr lang="pl-PL" dirty="0" err="1" smtClean="0"/>
-              <a:t>Reduce</a:t>
-            </a:r>
-            <a:r>
-              <a:rPr lang="pl-PL" dirty="0" smtClean="0"/>
-              <a:t> NIE są kompletne obliczeniowo i NIE powinny być używane jak </a:t>
-            </a:r>
-            <a:r>
-              <a:rPr lang="pl-PL" i="1" dirty="0" smtClean="0"/>
-              <a:t>złoty młotek</a:t>
-            </a:r>
-          </a:p>
-          <a:p>
-            <a:r>
-              <a:rPr lang="pl-PL" dirty="0" smtClean="0"/>
-              <a:t>Istnieją inne modele programistyczne np. PACT, który rozszerza liczbę możliwych faz</a:t>
-            </a:r>
-            <a:r>
-              <a:rPr lang="en-US" dirty="0"/>
-              <a:t/>
-            </a:r>
-            <a:br>
-              <a:rPr lang="en-US" dirty="0"/>
-            </a:br>
-            <a:endParaRPr lang="pl-PL" dirty="0"/>
+            <a:pPr marL="0" indent="0">
+              <a:buNone/>
+            </a:pPr>
+            <a:r>
+              <a:rPr lang="pl-PL" dirty="0" smtClean="0"/>
+              <a:t>Złączenia:</a:t>
+            </a:r>
+          </a:p>
+          <a:p>
+            <a:pPr marL="514350" indent="-514350">
+              <a:buFont typeface="+mj-lt"/>
+              <a:buAutoNum type="arabicPeriod"/>
+            </a:pPr>
+            <a:r>
+              <a:rPr lang="pl-PL" dirty="0" smtClean="0"/>
+              <a:t>x JOIN y ON c</a:t>
+            </a:r>
+          </a:p>
+          <a:p>
+            <a:pPr marL="514350" indent="-514350">
+              <a:buFont typeface="+mj-lt"/>
+              <a:buAutoNum type="arabicPeriod"/>
+            </a:pPr>
+            <a:r>
+              <a:rPr lang="pl-PL" dirty="0"/>
+              <a:t>x</a:t>
+            </a:r>
+            <a:r>
+              <a:rPr lang="pl-PL" dirty="0" smtClean="0"/>
+              <a:t> {LEFT|RIGHT|FULL</a:t>
+            </a:r>
+            <a:r>
+              <a:rPr lang="pl-PL" dirty="0"/>
+              <a:t>} [OUTER] </a:t>
+            </a:r>
+            <a:r>
+              <a:rPr lang="pl-PL" dirty="0" smtClean="0"/>
+              <a:t>JOIN y ON c</a:t>
+            </a:r>
+          </a:p>
+          <a:p>
+            <a:pPr marL="514350" indent="-514350">
+              <a:buFont typeface="+mj-lt"/>
+              <a:buAutoNum type="arabicPeriod"/>
+            </a:pPr>
+            <a:r>
+              <a:rPr lang="pl-PL" dirty="0" smtClean="0"/>
+              <a:t>x LEFT SEMI JOIN y </a:t>
+            </a:r>
+            <a:r>
+              <a:rPr lang="pl-PL" dirty="0"/>
+              <a:t>ON </a:t>
+            </a:r>
+            <a:r>
+              <a:rPr lang="pl-PL" dirty="0" smtClean="0"/>
+              <a:t>c</a:t>
+            </a:r>
+          </a:p>
+          <a:p>
+            <a:pPr marL="514350" indent="-514350">
+              <a:buFont typeface="+mj-lt"/>
+              <a:buAutoNum type="arabicPeriod"/>
+            </a:pPr>
+            <a:r>
+              <a:rPr lang="pl-PL" dirty="0" smtClean="0"/>
+              <a:t>x </a:t>
+            </a:r>
+            <a:r>
+              <a:rPr lang="pl-PL" dirty="0"/>
+              <a:t>CROSS </a:t>
+            </a:r>
+            <a:r>
+              <a:rPr lang="pl-PL" dirty="0" smtClean="0"/>
+              <a:t>JOIN y</a:t>
+            </a:r>
           </a:p>
         </p:txBody>
       </p:sp>
@@ -31595,10 +31366,39 @@
           </a:p>
         </p:txBody>
       </p:sp>
+      <p:sp>
+        <p:nvSpPr>
+          <p:cNvPr id="12" name="pole tekstowe 11"/>
+          <p:cNvSpPr txBox="1"/>
+          <p:nvPr/>
+        </p:nvSpPr>
+        <p:spPr>
+          <a:xfrm>
+            <a:off x="838200" y="6413698"/>
+            <a:ext cx="9418320" cy="307777"/>
+          </a:xfrm>
+          <a:prstGeom prst="rect">
+            <a:avLst/>
+          </a:prstGeom>
+          <a:noFill/>
+        </p:spPr>
+        <p:txBody>
+          <a:bodyPr wrap="square" rtlCol="0">
+            <a:spAutoFit/>
+          </a:bodyPr>
+          <a:lstStyle/>
+          <a:p>
+            <a:r>
+              <a:rPr lang="pl-PL" sz="1400" dirty="0"/>
+              <a:t>https://cwiki.apache.org/confluence/display/Hive/LanguageManual+Joins</a:t>
+            </a:r>
+          </a:p>
+        </p:txBody>
+      </p:sp>
     </p:spTree>
     <p:extLst>
       <p:ext uri="{BB962C8B-B14F-4D97-AF65-F5344CB8AC3E}">
-        <p14:creationId xmlns:p14="http://schemas.microsoft.com/office/powerpoint/2010/main" val="893165354"/>
+        <p14:creationId xmlns:p14="http://schemas.microsoft.com/office/powerpoint/2010/main" val="98365329"/>
       </p:ext>
     </p:extLst>
   </p:cSld>
@@ -31634,7 +31434,7 @@
       </p:grpSpPr>
       <p:sp>
         <p:nvSpPr>
-          <p:cNvPr id="5" name="Tytuł 4"/>
+          <p:cNvPr id="4" name="Tytuł 3"/>
           <p:cNvSpPr>
             <a:spLocks noGrp="1"/>
           </p:cNvSpPr>
@@ -31649,7 +31449,7 @@
           <a:p>
             <a:r>
               <a:rPr lang="pl-PL" dirty="0" smtClean="0"/>
-              <a:t>Materiały</a:t>
+              <a:t>Złączenia</a:t>
             </a:r>
             <a:endParaRPr lang="pl-PL" dirty="0"/>
           </a:p>
@@ -31657,217 +31457,184 @@
       </p:sp>
       <p:sp>
         <p:nvSpPr>
-          <p:cNvPr id="6" name="Symbol zastępczy zawartości 5"/>
+          <p:cNvPr id="5" name="Symbol zastępczy tekstu 4"/>
           <p:cNvSpPr>
             <a:spLocks noGrp="1"/>
           </p:cNvSpPr>
           <p:nvPr>
-            <p:ph idx="1"/>
+            <p:ph type="body" sz="quarter" idx="13"/>
+          </p:nvPr>
+        </p:nvSpPr>
+        <p:spPr/>
+        <p:txBody>
+          <a:bodyPr>
+            <a:normAutofit fontScale="92500" lnSpcReduction="10000"/>
+          </a:bodyPr>
+          <a:lstStyle/>
+          <a:p>
+            <a:r>
+              <a:rPr lang="pl-PL" dirty="0" err="1" smtClean="0"/>
+              <a:t>HiveQL</a:t>
+            </a:r>
+            <a:r>
+              <a:rPr lang="pl-PL" dirty="0" smtClean="0"/>
+              <a:t> – Złączenia nierównościowe</a:t>
+            </a:r>
+          </a:p>
+        </p:txBody>
+      </p:sp>
+      <p:sp>
+        <p:nvSpPr>
+          <p:cNvPr id="6" name="Symbol zastępczy tekstu 5"/>
+          <p:cNvSpPr>
+            <a:spLocks noGrp="1"/>
+          </p:cNvSpPr>
+          <p:nvPr>
+            <p:ph type="body" sz="quarter" idx="4294967295"/>
           </p:nvPr>
         </p:nvSpPr>
         <p:spPr>
           <a:xfrm>
-            <a:off x="838200" y="2046669"/>
-            <a:ext cx="10515600" cy="4121150"/>
+            <a:off x="838200" y="2048256"/>
+            <a:ext cx="10514584" cy="3282696"/>
           </a:xfrm>
         </p:spPr>
         <p:txBody>
-          <a:bodyPr/>
+          <a:bodyPr>
+            <a:normAutofit/>
+          </a:bodyPr>
           <a:lstStyle/>
           <a:p>
-            <a:r>
-              <a:rPr lang="pl-PL" dirty="0" smtClean="0"/>
-              <a:t>H</a:t>
-            </a:r>
-            <a:r>
-              <a:rPr lang="en-US" dirty="0" err="1" smtClean="0"/>
-              <a:t>adoop</a:t>
-            </a:r>
-            <a:r>
-              <a:rPr lang="en-US" dirty="0" smtClean="0"/>
+            <a:pPr marL="0" indent="0">
+              <a:buNone/>
+            </a:pPr>
+            <a:r>
+              <a:rPr lang="pl-PL" b="1" dirty="0" smtClean="0"/>
+              <a:t>SELECT</a:t>
+            </a:r>
+            <a:r>
+              <a:rPr lang="pl-PL" dirty="0" smtClean="0"/>
               <a:t> </a:t>
             </a:r>
             <a:r>
-              <a:rPr lang="pl-PL" dirty="0" smtClean="0"/>
-              <a:t>T</a:t>
-            </a:r>
-            <a:r>
-              <a:rPr lang="en-US" dirty="0" smtClean="0"/>
-              <a:t>he </a:t>
-            </a:r>
-            <a:r>
-              <a:rPr lang="pl-PL" dirty="0" smtClean="0"/>
-              <a:t>D</a:t>
-            </a:r>
-            <a:r>
-              <a:rPr lang="en-US" dirty="0" err="1" smtClean="0"/>
-              <a:t>efinitive</a:t>
-            </a:r>
-            <a:r>
-              <a:rPr lang="en-US" dirty="0" smtClean="0"/>
+              <a:rPr lang="pl-PL" dirty="0" err="1" smtClean="0"/>
+              <a:t>a.val</a:t>
+            </a:r>
+            <a:r>
+              <a:rPr lang="pl-PL" dirty="0"/>
+              <a:t>, </a:t>
+            </a:r>
+            <a:r>
+              <a:rPr lang="pl-PL" dirty="0" err="1"/>
+              <a:t>b.val</a:t>
+            </a:r>
+            <a:r>
+              <a:rPr lang="pl-PL" dirty="0"/>
+              <a:t>, </a:t>
+            </a:r>
+            <a:r>
+              <a:rPr lang="pl-PL" b="1" dirty="0" err="1"/>
+              <a:t>c</a:t>
+            </a:r>
+            <a:r>
+              <a:rPr lang="pl-PL" dirty="0" err="1"/>
+              <a:t>.val</a:t>
+            </a:r>
+            <a:r>
+              <a:rPr lang="pl-PL" dirty="0"/>
               <a:t> </a:t>
             </a:r>
-            <a:r>
-              <a:rPr lang="pl-PL" dirty="0" smtClean="0"/>
-              <a:t>G</a:t>
-            </a:r>
-            <a:r>
-              <a:rPr lang="en-US" dirty="0" err="1" smtClean="0"/>
-              <a:t>uide</a:t>
-            </a:r>
-            <a:r>
-              <a:rPr lang="en-US" dirty="0" smtClean="0"/>
+            <a:endParaRPr lang="pl-PL" dirty="0" smtClean="0"/>
+          </a:p>
+          <a:p>
+            <a:pPr marL="0" indent="0">
+              <a:buNone/>
+            </a:pPr>
+            <a:r>
+              <a:rPr lang="pl-PL" b="1" dirty="0" smtClean="0"/>
+              <a:t>FROM</a:t>
+            </a:r>
+            <a:r>
+              <a:rPr lang="pl-PL" dirty="0" smtClean="0"/>
               <a:t> </a:t>
             </a:r>
             <a:r>
-              <a:rPr lang="en-US" dirty="0"/>
-              <a:t>4th </a:t>
-            </a:r>
-            <a:r>
-              <a:rPr lang="en-US" dirty="0" smtClean="0"/>
-              <a:t>edition</a:t>
-            </a:r>
-            <a:r>
-              <a:rPr lang="pl-PL" dirty="0" smtClean="0"/>
-              <a:t>, T</a:t>
-            </a:r>
-            <a:r>
-              <a:rPr lang="en-US" dirty="0"/>
-              <a:t>om</a:t>
-            </a:r>
-            <a:r>
               <a:rPr lang="pl-PL" dirty="0"/>
-              <a:t> W</a:t>
-            </a:r>
-            <a:r>
-              <a:rPr lang="en-US" dirty="0" err="1" smtClean="0"/>
-              <a:t>hite</a:t>
-            </a:r>
-            <a:endParaRPr lang="pl-PL" dirty="0" smtClean="0"/>
-          </a:p>
-          <a:p>
+              <a:t>a </a:t>
+            </a:r>
+            <a:r>
+              <a:rPr lang="pl-PL" b="1" dirty="0" smtClean="0"/>
+              <a:t>CROSS</a:t>
+            </a:r>
+            <a:r>
+              <a:rPr lang="pl-PL" dirty="0" smtClean="0"/>
+              <a:t> </a:t>
+            </a:r>
+            <a:r>
+              <a:rPr lang="pl-PL" b="1" dirty="0" smtClean="0"/>
+              <a:t>JOIN</a:t>
+            </a:r>
+            <a:r>
+              <a:rPr lang="pl-PL" dirty="0" smtClean="0"/>
+              <a:t> b</a:t>
+            </a:r>
+          </a:p>
+          <a:p>
+            <a:pPr marL="0" indent="0">
+              <a:buNone/>
+            </a:pPr>
+            <a:r>
+              <a:rPr lang="pl-PL" b="1" dirty="0" smtClean="0"/>
+              <a:t>WHERE</a:t>
+            </a:r>
+            <a:r>
+              <a:rPr lang="pl-PL" dirty="0" smtClean="0"/>
+              <a:t> ABS(</a:t>
+            </a:r>
             <a:r>
               <a:rPr lang="pl-PL" dirty="0" err="1" smtClean="0"/>
-              <a:t>Hive</a:t>
+              <a:t>a.key</a:t>
             </a:r>
             <a:r>
               <a:rPr lang="pl-PL" dirty="0" smtClean="0"/>
               <a:t> </a:t>
             </a:r>
             <a:r>
+              <a:rPr lang="pl-PL" dirty="0"/>
+              <a:t>- </a:t>
+            </a:r>
+            <a:r>
               <a:rPr lang="pl-PL" dirty="0" err="1" smtClean="0"/>
-              <a:t>reference</a:t>
-            </a:r>
-            <a:r>
-              <a:rPr lang="pl-PL" dirty="0" smtClean="0"/>
-              <a:t>: </a:t>
-            </a:r>
-            <a:r>
-              <a:rPr lang="pl-PL" dirty="0" smtClean="0">
-                <a:hlinkClick r:id="rId3"/>
-              </a:rPr>
-              <a:t>link</a:t>
-            </a:r>
-            <a:endParaRPr lang="pl-PL" dirty="0" smtClean="0"/>
-          </a:p>
-          <a:p>
-            <a:r>
-              <a:rPr lang="pl-PL" dirty="0" err="1"/>
-              <a:t>MapReduce</a:t>
+              <a:t>b.key</a:t>
+            </a:r>
+            <a:r>
+              <a:rPr lang="pl-PL" dirty="0" smtClean="0"/>
+              <a:t>) </a:t>
             </a:r>
             <a:r>
               <a:rPr lang="pl-PL" dirty="0"/>
-              <a:t> Design </a:t>
-            </a:r>
-            <a:r>
-              <a:rPr lang="pl-PL" dirty="0" err="1"/>
-              <a:t>Patterns</a:t>
-            </a:r>
-            <a:r>
-              <a:rPr lang="pl-PL" dirty="0"/>
-              <a:t>, Donald Miner &amp; Adam </a:t>
-            </a:r>
-            <a:r>
-              <a:rPr lang="pl-PL" dirty="0" err="1" smtClean="0"/>
-              <a:t>Shook</a:t>
-            </a:r>
-            <a:endParaRPr lang="pl-PL" dirty="0" smtClean="0"/>
-          </a:p>
-          <a:p>
-            <a:r>
-              <a:rPr lang="pl-PL" dirty="0" err="1" smtClean="0"/>
-              <a:t>MapR</a:t>
-            </a:r>
-            <a:r>
-              <a:rPr lang="pl-PL" dirty="0" smtClean="0"/>
-              <a:t> </a:t>
-            </a:r>
-            <a:r>
-              <a:rPr lang="pl-PL" dirty="0" err="1" smtClean="0"/>
-              <a:t>Academy</a:t>
-            </a:r>
-            <a:r>
-              <a:rPr lang="pl-PL" dirty="0" smtClean="0"/>
-              <a:t>: </a:t>
-            </a:r>
-            <a:r>
-              <a:rPr lang="pl-PL" dirty="0" smtClean="0">
-                <a:hlinkClick r:id="rId4"/>
-              </a:rPr>
-              <a:t>link</a:t>
-            </a:r>
-            <a:endParaRPr lang="pl-PL" dirty="0" smtClean="0"/>
-          </a:p>
-          <a:p>
-            <a:r>
-              <a:rPr lang="pl-PL" dirty="0" err="1" smtClean="0"/>
-              <a:t>Hortonworks</a:t>
-            </a:r>
-            <a:r>
-              <a:rPr lang="pl-PL" dirty="0" smtClean="0"/>
-              <a:t> VM: </a:t>
-            </a:r>
-            <a:r>
-              <a:rPr lang="pl-PL" dirty="0" smtClean="0">
-                <a:hlinkClick r:id="rId5"/>
-              </a:rPr>
-              <a:t>link</a:t>
-            </a:r>
-            <a:endParaRPr lang="pl-PL" dirty="0" smtClean="0"/>
-          </a:p>
-          <a:p>
-            <a:r>
-              <a:rPr lang="pl-PL" dirty="0" err="1" smtClean="0"/>
-              <a:t>Join</a:t>
-            </a:r>
-            <a:r>
-              <a:rPr lang="pl-PL" dirty="0" smtClean="0"/>
-              <a:t> </a:t>
-            </a:r>
-            <a:r>
-              <a:rPr lang="pl-PL" dirty="0" err="1" smtClean="0"/>
-              <a:t>algorithms</a:t>
-            </a:r>
-            <a:r>
-              <a:rPr lang="pl-PL" dirty="0" smtClean="0"/>
-              <a:t> in Map/</a:t>
-            </a:r>
-            <a:r>
-              <a:rPr lang="pl-PL" dirty="0" err="1" smtClean="0"/>
-              <a:t>Reduce</a:t>
-            </a:r>
-            <a:r>
-              <a:rPr lang="pl-PL" dirty="0" smtClean="0"/>
-              <a:t>, Maciej Penar, praca magisterska, Politechnika Wrocławska</a:t>
-            </a:r>
-            <a:r>
-              <a:rPr lang="en-US" dirty="0"/>
-              <a:t/>
-            </a:r>
-            <a:br>
-              <a:rPr lang="en-US" dirty="0"/>
-            </a:br>
-            <a:endParaRPr lang="pl-PL" dirty="0"/>
+              <a:t>&lt; </a:t>
+            </a:r>
+            <a:r>
+              <a:rPr lang="pl-PL" dirty="0" smtClean="0"/>
+              <a:t>5;</a:t>
+            </a:r>
+            <a:endParaRPr lang="pl-PL" b="1" dirty="0"/>
+          </a:p>
+          <a:p>
+            <a:pPr marL="0" indent="0">
+              <a:buNone/>
+            </a:pPr>
+            <a:endParaRPr lang="pl-PL" b="1" dirty="0" smtClean="0"/>
+          </a:p>
+          <a:p>
+            <a:pPr marL="0" indent="0">
+              <a:buNone/>
+            </a:pPr>
+            <a:r>
+              <a:rPr lang="pl-PL" dirty="0" smtClean="0"/>
+              <a:t>Kontrowersyjna wydajność, ale działa</a:t>
+            </a:r>
           </a:p>
         </p:txBody>
       </p:sp>
@@ -31894,10 +31661,39 @@
           </a:p>
         </p:txBody>
       </p:sp>
+      <p:sp>
+        <p:nvSpPr>
+          <p:cNvPr id="12" name="pole tekstowe 11"/>
+          <p:cNvSpPr txBox="1"/>
+          <p:nvPr/>
+        </p:nvSpPr>
+        <p:spPr>
+          <a:xfrm>
+            <a:off x="838200" y="6413698"/>
+            <a:ext cx="9418320" cy="307777"/>
+          </a:xfrm>
+          <a:prstGeom prst="rect">
+            <a:avLst/>
+          </a:prstGeom>
+          <a:noFill/>
+        </p:spPr>
+        <p:txBody>
+          <a:bodyPr wrap="square" rtlCol="0">
+            <a:spAutoFit/>
+          </a:bodyPr>
+          <a:lstStyle/>
+          <a:p>
+            <a:r>
+              <a:rPr lang="pl-PL" sz="1400" dirty="0"/>
+              <a:t>https://cwiki.apache.org/confluence/display/Hive/LanguageManual+Select</a:t>
+            </a:r>
+          </a:p>
+        </p:txBody>
+      </p:sp>
     </p:spTree>
     <p:extLst>
       <p:ext uri="{BB962C8B-B14F-4D97-AF65-F5344CB8AC3E}">
-        <p14:creationId xmlns:p14="http://schemas.microsoft.com/office/powerpoint/2010/main" val="1847864162"/>
+        <p14:creationId xmlns:p14="http://schemas.microsoft.com/office/powerpoint/2010/main" val="2927018417"/>
       </p:ext>
     </p:extLst>
   </p:cSld>
@@ -31933,7 +31729,7 @@
       </p:grpSpPr>
       <p:sp>
         <p:nvSpPr>
-          <p:cNvPr id="5" name="Tytuł 4"/>
+          <p:cNvPr id="4" name="Tytuł 3"/>
           <p:cNvSpPr>
             <a:spLocks noGrp="1"/>
           </p:cNvSpPr>
@@ -31948,7 +31744,7 @@
           <a:p>
             <a:r>
               <a:rPr lang="pl-PL" dirty="0" smtClean="0"/>
-              <a:t>Dziękuje za uwagę</a:t>
+              <a:t>Złączenia</a:t>
             </a:r>
             <a:endParaRPr lang="pl-PL" dirty="0"/>
           </a:p>
@@ -31956,31 +31752,323 @@
       </p:sp>
       <p:sp>
         <p:nvSpPr>
-          <p:cNvPr id="2" name="Symbol zastępczy tekstu 1"/>
+          <p:cNvPr id="5" name="Symbol zastępczy tekstu 4"/>
           <p:cNvSpPr>
             <a:spLocks noGrp="1"/>
           </p:cNvSpPr>
           <p:nvPr>
-            <p:ph type="body" idx="1"/>
+            <p:ph type="body" sz="quarter" idx="13"/>
           </p:nvPr>
         </p:nvSpPr>
         <p:spPr/>
         <p:txBody>
-          <a:bodyPr/>
+          <a:bodyPr>
+            <a:normAutofit fontScale="92500" lnSpcReduction="10000"/>
+          </a:bodyPr>
           <a:lstStyle/>
           <a:p>
-            <a:pPr algn="r"/>
-            <a:r>
-              <a:rPr lang="pl-PL" dirty="0" smtClean="0"/>
-              <a:t>Pytania</a:t>
+            <a:r>
+              <a:rPr lang="pl-PL" dirty="0" err="1" smtClean="0"/>
+              <a:t>HiveQL</a:t>
+            </a:r>
+            <a:r>
+              <a:rPr lang="pl-PL" dirty="0" smtClean="0"/>
+              <a:t> - </a:t>
+            </a:r>
+            <a:r>
+              <a:rPr lang="pl-PL" dirty="0" err="1" smtClean="0"/>
+              <a:t>Annotacje</a:t>
+            </a:r>
+            <a:endParaRPr lang="pl-PL" dirty="0" smtClean="0"/>
+          </a:p>
+        </p:txBody>
+      </p:sp>
+      <p:sp>
+        <p:nvSpPr>
+          <p:cNvPr id="6" name="Symbol zastępczy tekstu 5"/>
+          <p:cNvSpPr>
+            <a:spLocks noGrp="1"/>
+          </p:cNvSpPr>
+          <p:nvPr>
+            <p:ph type="body" sz="quarter" idx="4294967295"/>
+          </p:nvPr>
+        </p:nvSpPr>
+        <p:spPr>
+          <a:xfrm>
+            <a:off x="838200" y="2048256"/>
+            <a:ext cx="10514013" cy="3958844"/>
+          </a:xfrm>
+        </p:spPr>
+        <p:txBody>
+          <a:bodyPr>
+            <a:normAutofit/>
+          </a:bodyPr>
+          <a:lstStyle/>
+          <a:p>
+            <a:pPr marL="0" indent="0">
+              <a:buNone/>
+            </a:pPr>
+            <a:r>
+              <a:rPr lang="pl-PL" dirty="0" smtClean="0"/>
+              <a:t>STREAMTABLE – strumieniowanie podanej tabeli (domyślnie najbardziej z </a:t>
+            </a:r>
+            <a:r>
+              <a:rPr lang="pl-PL" i="1" dirty="0" smtClean="0"/>
+              <a:t>prawej </a:t>
+            </a:r>
+            <a:r>
+              <a:rPr lang="pl-PL" dirty="0" smtClean="0"/>
+              <a:t>strony:</a:t>
+            </a:r>
+            <a:endParaRPr lang="pl-PL" b="1" dirty="0"/>
+          </a:p>
+          <a:p>
+            <a:pPr marL="0" indent="0">
+              <a:buNone/>
+            </a:pPr>
+            <a:r>
+              <a:rPr lang="pl-PL" b="1" dirty="0" smtClean="0"/>
+              <a:t>SELECT</a:t>
+            </a:r>
+            <a:r>
+              <a:rPr lang="pl-PL" dirty="0" smtClean="0"/>
+              <a:t> </a:t>
+            </a:r>
+            <a:r>
+              <a:rPr lang="pl-PL" i="1" dirty="0"/>
+              <a:t>/*+ </a:t>
+            </a:r>
+            <a:r>
+              <a:rPr lang="pl-PL" i="1" dirty="0" smtClean="0"/>
+              <a:t>STREAMTABLE(b) </a:t>
+            </a:r>
+            <a:r>
+              <a:rPr lang="pl-PL" i="1" dirty="0"/>
+              <a:t>*/</a:t>
+            </a:r>
+            <a:r>
+              <a:rPr lang="pl-PL" dirty="0"/>
+              <a:t> </a:t>
+            </a:r>
+            <a:r>
+              <a:rPr lang="pl-PL" dirty="0" err="1"/>
+              <a:t>a.val</a:t>
+            </a:r>
+            <a:r>
+              <a:rPr lang="pl-PL" dirty="0"/>
+              <a:t>, </a:t>
+            </a:r>
+            <a:r>
+              <a:rPr lang="pl-PL" dirty="0" err="1"/>
+              <a:t>b.val</a:t>
+            </a:r>
+            <a:r>
+              <a:rPr lang="pl-PL" dirty="0"/>
+              <a:t>, </a:t>
+            </a:r>
+            <a:r>
+              <a:rPr lang="pl-PL" b="1" dirty="0" err="1"/>
+              <a:t>c</a:t>
+            </a:r>
+            <a:r>
+              <a:rPr lang="pl-PL" dirty="0" err="1"/>
+              <a:t>.val</a:t>
+            </a:r>
+            <a:r>
+              <a:rPr lang="pl-PL" dirty="0"/>
+              <a:t> </a:t>
+            </a:r>
+            <a:endParaRPr lang="pl-PL" dirty="0" smtClean="0"/>
+          </a:p>
+          <a:p>
+            <a:pPr marL="0" indent="0">
+              <a:buNone/>
+            </a:pPr>
+            <a:r>
+              <a:rPr lang="pl-PL" b="1" dirty="0" smtClean="0"/>
+              <a:t>FROM</a:t>
+            </a:r>
+            <a:r>
+              <a:rPr lang="pl-PL" dirty="0" smtClean="0"/>
+              <a:t> </a:t>
+            </a:r>
+            <a:r>
+              <a:rPr lang="pl-PL" dirty="0"/>
+              <a:t>a </a:t>
+            </a:r>
+            <a:r>
+              <a:rPr lang="pl-PL" b="1" dirty="0"/>
+              <a:t>JOIN</a:t>
+            </a:r>
+            <a:r>
+              <a:rPr lang="pl-PL" dirty="0"/>
+              <a:t> b </a:t>
+            </a:r>
+            <a:r>
+              <a:rPr lang="pl-PL" b="1" dirty="0"/>
+              <a:t>ON</a:t>
+            </a:r>
+            <a:r>
+              <a:rPr lang="pl-PL" dirty="0"/>
+              <a:t> (</a:t>
+            </a:r>
+            <a:r>
+              <a:rPr lang="pl-PL" dirty="0" err="1"/>
+              <a:t>a.</a:t>
+            </a:r>
+            <a:r>
+              <a:rPr lang="pl-PL" b="1" dirty="0" err="1"/>
+              <a:t>key</a:t>
+            </a:r>
+            <a:r>
+              <a:rPr lang="pl-PL" dirty="0"/>
+              <a:t> = b.key1) </a:t>
+            </a:r>
+            <a:r>
+              <a:rPr lang="pl-PL" b="1" dirty="0"/>
+              <a:t>JOIN</a:t>
+            </a:r>
+            <a:r>
+              <a:rPr lang="pl-PL" dirty="0"/>
+              <a:t> </a:t>
+            </a:r>
+            <a:r>
+              <a:rPr lang="pl-PL" b="1" dirty="0"/>
+              <a:t>c</a:t>
+            </a:r>
+            <a:r>
+              <a:rPr lang="pl-PL" dirty="0"/>
+              <a:t> </a:t>
+            </a:r>
+            <a:r>
+              <a:rPr lang="pl-PL" b="1" dirty="0"/>
+              <a:t>ON</a:t>
+            </a:r>
+            <a:r>
+              <a:rPr lang="pl-PL" dirty="0"/>
+              <a:t> (</a:t>
+            </a:r>
+            <a:r>
+              <a:rPr lang="pl-PL" b="1" dirty="0" err="1"/>
+              <a:t>c</a:t>
+            </a:r>
+            <a:r>
+              <a:rPr lang="pl-PL" dirty="0" err="1"/>
+              <a:t>.</a:t>
+            </a:r>
+            <a:r>
+              <a:rPr lang="pl-PL" b="1" dirty="0" err="1"/>
+              <a:t>key</a:t>
+            </a:r>
+            <a:r>
+              <a:rPr lang="pl-PL" dirty="0"/>
+              <a:t> = </a:t>
+            </a:r>
+            <a:r>
+              <a:rPr lang="pl-PL" dirty="0" smtClean="0"/>
+              <a:t>b.key1)</a:t>
+            </a:r>
+          </a:p>
+          <a:p>
+            <a:pPr marL="0" indent="0">
+              <a:buNone/>
+            </a:pPr>
+            <a:endParaRPr lang="pl-PL" dirty="0" smtClean="0"/>
+          </a:p>
+          <a:p>
+            <a:pPr marL="0" indent="0">
+              <a:buNone/>
+            </a:pPr>
+            <a:r>
+              <a:rPr lang="pl-PL" dirty="0" smtClean="0"/>
+              <a:t>MAPJOIN – zaproszenie do złączenia po stronie </a:t>
+            </a:r>
+            <a:r>
+              <a:rPr lang="pl-PL" dirty="0" err="1" smtClean="0"/>
+              <a:t>Mappera</a:t>
             </a:r>
             <a:endParaRPr lang="pl-PL" dirty="0"/>
           </a:p>
-        </p:txBody>
-      </p:sp>
-      <p:sp>
-        <p:nvSpPr>
-          <p:cNvPr id="3" name="Symbol zastępczy numeru slajdu 2"/>
+          <a:p>
+            <a:pPr marL="0" indent="0">
+              <a:buNone/>
+            </a:pPr>
+            <a:r>
+              <a:rPr lang="pl-PL" b="1" dirty="0" smtClean="0"/>
+              <a:t>SELECT </a:t>
+            </a:r>
+            <a:r>
+              <a:rPr lang="pl-PL" dirty="0" smtClean="0"/>
+              <a:t>/*+ MAPJOIN(b) */ </a:t>
+            </a:r>
+            <a:r>
+              <a:rPr lang="pl-PL" dirty="0" err="1" smtClean="0"/>
+              <a:t>a.key</a:t>
+            </a:r>
+            <a:r>
+              <a:rPr lang="pl-PL" dirty="0" smtClean="0"/>
+              <a:t>, </a:t>
+            </a:r>
+            <a:r>
+              <a:rPr lang="pl-PL" dirty="0" err="1" smtClean="0"/>
+              <a:t>a.value</a:t>
+            </a:r>
+            <a:r>
+              <a:rPr lang="pl-PL" dirty="0" smtClean="0"/>
+              <a:t> </a:t>
+            </a:r>
+          </a:p>
+          <a:p>
+            <a:pPr marL="0" indent="0">
+              <a:buNone/>
+            </a:pPr>
+            <a:r>
+              <a:rPr lang="pl-PL" b="1" dirty="0" smtClean="0"/>
+              <a:t>FROM</a:t>
+            </a:r>
+            <a:r>
+              <a:rPr lang="pl-PL" dirty="0" smtClean="0"/>
+              <a:t> a </a:t>
+            </a:r>
+            <a:r>
+              <a:rPr lang="pl-PL" b="1" dirty="0" smtClean="0"/>
+              <a:t>JOIN</a:t>
+            </a:r>
+            <a:r>
+              <a:rPr lang="pl-PL" dirty="0" smtClean="0"/>
+              <a:t> b </a:t>
+            </a:r>
+            <a:r>
+              <a:rPr lang="pl-PL" b="1" dirty="0" smtClean="0"/>
+              <a:t>ON</a:t>
+            </a:r>
+            <a:r>
+              <a:rPr lang="pl-PL" dirty="0" smtClean="0"/>
+              <a:t> </a:t>
+            </a:r>
+            <a:r>
+              <a:rPr lang="pl-PL" dirty="0" err="1" smtClean="0"/>
+              <a:t>a.key</a:t>
+            </a:r>
+            <a:r>
+              <a:rPr lang="pl-PL" dirty="0"/>
+              <a:t> </a:t>
+            </a:r>
+            <a:r>
+              <a:rPr lang="pl-PL" dirty="0" smtClean="0"/>
+              <a:t>= </a:t>
+            </a:r>
+            <a:r>
+              <a:rPr lang="pl-PL" dirty="0" err="1" smtClean="0"/>
+              <a:t>b.key</a:t>
+            </a:r>
+            <a:endParaRPr lang="pl-PL" b="1" dirty="0" smtClean="0"/>
+          </a:p>
+        </p:txBody>
+      </p:sp>
+      <p:sp>
+        <p:nvSpPr>
+          <p:cNvPr id="2" name="Symbol zastępczy numeru slajdu 1"/>
           <p:cNvSpPr>
             <a:spLocks noGrp="1"/>
           </p:cNvSpPr>
@@ -32001,10 +32089,341 @@
           </a:p>
         </p:txBody>
       </p:sp>
+      <p:sp>
+        <p:nvSpPr>
+          <p:cNvPr id="12" name="pole tekstowe 11"/>
+          <p:cNvSpPr txBox="1"/>
+          <p:nvPr/>
+        </p:nvSpPr>
+        <p:spPr>
+          <a:xfrm>
+            <a:off x="838200" y="6413698"/>
+            <a:ext cx="9418320" cy="307777"/>
+          </a:xfrm>
+          <a:prstGeom prst="rect">
+            <a:avLst/>
+          </a:prstGeom>
+          <a:noFill/>
+        </p:spPr>
+        <p:txBody>
+          <a:bodyPr wrap="square" rtlCol="0">
+            <a:spAutoFit/>
+          </a:bodyPr>
+          <a:lstStyle/>
+          <a:p>
+            <a:r>
+              <a:rPr lang="pl-PL" sz="1400" dirty="0"/>
+              <a:t>https://cwiki.apache.org/confluence/display/Hive/LanguageManual+JoinOptimization</a:t>
+            </a:r>
+          </a:p>
+        </p:txBody>
+      </p:sp>
     </p:spTree>
     <p:extLst>
       <p:ext uri="{BB962C8B-B14F-4D97-AF65-F5344CB8AC3E}">
-        <p14:creationId xmlns:p14="http://schemas.microsoft.com/office/powerpoint/2010/main" val="4160562356"/>
+        <p14:creationId xmlns:p14="http://schemas.microsoft.com/office/powerpoint/2010/main" val="307561508"/>
+      </p:ext>
+    </p:extLst>
+  </p:cSld>
+  <p:clrMapOvr>
+    <a:masterClrMapping/>
+  </p:clrMapOvr>
+  <p:timing>
+    <p:tnLst>
+      <p:par>
+        <p:cTn id="1" dur="indefinite" restart="never" nodeType="tmRoot"/>
+      </p:par>
+    </p:tnLst>
+  </p:timing>
+</p:sld>
+</file>
+
+<file path=ppt/slides/slide46.xml><?xml version="1.0" encoding="utf-8"?>
+<p:sld xmlns:a="http://schemas.openxmlformats.org/drawingml/2006/main" xmlns:r="http://schemas.openxmlformats.org/officeDocument/2006/relationships" xmlns:p="http://schemas.openxmlformats.org/presentationml/2006/main">
+  <p:cSld>
+    <p:spTree>
+      <p:nvGrpSpPr>
+        <p:cNvPr id="1" name=""/>
+        <p:cNvGrpSpPr/>
+        <p:nvPr/>
+      </p:nvGrpSpPr>
+      <p:grpSpPr>
+        <a:xfrm>
+          <a:off x="0" y="0"/>
+          <a:ext cx="0" cy="0"/>
+          <a:chOff x="0" y="0"/>
+          <a:chExt cx="0" cy="0"/>
+        </a:xfrm>
+      </p:grpSpPr>
+      <p:sp>
+        <p:nvSpPr>
+          <p:cNvPr id="5" name="Tytuł 4"/>
+          <p:cNvSpPr>
+            <a:spLocks noGrp="1"/>
+          </p:cNvSpPr>
+          <p:nvPr>
+            <p:ph type="title"/>
+          </p:nvPr>
+        </p:nvSpPr>
+        <p:spPr/>
+        <p:txBody>
+          <a:bodyPr/>
+          <a:lstStyle/>
+          <a:p>
+            <a:r>
+              <a:rPr lang="pl-PL" dirty="0" err="1" smtClean="0"/>
+              <a:t>Hive</a:t>
+            </a:r>
+            <a:endParaRPr lang="pl-PL" dirty="0"/>
+          </a:p>
+        </p:txBody>
+      </p:sp>
+      <p:sp>
+        <p:nvSpPr>
+          <p:cNvPr id="6" name="Symbol zastępczy zawartości 5"/>
+          <p:cNvSpPr>
+            <a:spLocks noGrp="1"/>
+          </p:cNvSpPr>
+          <p:nvPr>
+            <p:ph idx="1"/>
+          </p:nvPr>
+        </p:nvSpPr>
+        <p:spPr>
+          <a:xfrm>
+            <a:off x="838200" y="2714181"/>
+            <a:ext cx="10515600" cy="2406459"/>
+          </a:xfrm>
+        </p:spPr>
+        <p:txBody>
+          <a:bodyPr/>
+          <a:lstStyle/>
+          <a:p>
+            <a:pPr marL="0" indent="0" algn="ctr">
+              <a:buNone/>
+            </a:pPr>
+            <a:r>
+              <a:rPr lang="en-US" sz="4000" dirty="0"/>
+              <a:t>"Hive does not support join conditions that are not equality conditions as it is </a:t>
+            </a:r>
+            <a:r>
+              <a:rPr lang="en-US" sz="4000" b="1" dirty="0"/>
+              <a:t>very difficult </a:t>
+            </a:r>
+            <a:r>
+              <a:rPr lang="en-US" sz="4000" dirty="0"/>
+              <a:t>to express such conditions as a map/reduce job</a:t>
+            </a:r>
+            <a:r>
+              <a:rPr lang="en-US" sz="4000" dirty="0" smtClean="0"/>
+              <a:t>.„</a:t>
+            </a:r>
+            <a:r>
+              <a:rPr lang="pl-PL" sz="4000" dirty="0" smtClean="0"/>
+              <a:t>*</a:t>
+            </a:r>
+            <a:r>
+              <a:rPr lang="en-US" dirty="0"/>
+              <a:t/>
+            </a:r>
+            <a:br>
+              <a:rPr lang="en-US" dirty="0"/>
+            </a:br>
+            <a:endParaRPr lang="pl-PL" dirty="0"/>
+          </a:p>
+        </p:txBody>
+      </p:sp>
+      <p:sp>
+        <p:nvSpPr>
+          <p:cNvPr id="2" name="Symbol zastępczy numeru slajdu 1"/>
+          <p:cNvSpPr>
+            <a:spLocks noGrp="1"/>
+          </p:cNvSpPr>
+          <p:nvPr>
+            <p:ph type="sldNum" sz="quarter" idx="12"/>
+          </p:nvPr>
+        </p:nvSpPr>
+        <p:spPr/>
+        <p:txBody>
+          <a:bodyPr/>
+          <a:lstStyle/>
+          <a:p>
+            <a:fld id="{B7B2D0E0-4D7E-4A80-B5CA-CB21EB201799}" type="slidenum">
+              <a:rPr lang="pl-PL" smtClean="0"/>
+              <a:t>46</a:t>
+            </a:fld>
+            <a:endParaRPr lang="pl-PL" dirty="0"/>
+          </a:p>
+        </p:txBody>
+      </p:sp>
+      <p:sp>
+        <p:nvSpPr>
+          <p:cNvPr id="7" name="pole tekstowe 6"/>
+          <p:cNvSpPr txBox="1"/>
+          <p:nvPr/>
+        </p:nvSpPr>
+        <p:spPr>
+          <a:xfrm>
+            <a:off x="838200" y="6321044"/>
+            <a:ext cx="9418320" cy="523220"/>
+          </a:xfrm>
+          <a:prstGeom prst="rect">
+            <a:avLst/>
+          </a:prstGeom>
+          <a:noFill/>
+        </p:spPr>
+        <p:txBody>
+          <a:bodyPr wrap="square" rtlCol="0">
+            <a:spAutoFit/>
+          </a:bodyPr>
+          <a:lstStyle/>
+          <a:p>
+            <a:r>
+              <a:rPr lang="pl-PL" sz="1400" dirty="0" smtClean="0">
+                <a:hlinkClick r:id="rId3"/>
+              </a:rPr>
+              <a:t>* https</a:t>
+            </a:r>
+            <a:r>
+              <a:rPr lang="pl-PL" sz="1400" dirty="0">
+                <a:hlinkClick r:id="rId3"/>
+              </a:rPr>
+              <a:t>://</a:t>
+            </a:r>
+            <a:r>
+              <a:rPr lang="pl-PL" sz="1400" dirty="0" smtClean="0">
+                <a:hlinkClick r:id="rId3"/>
+              </a:rPr>
+              <a:t>cwiki.apache.org/Hive/languagemanual-joins.html</a:t>
+            </a:r>
+            <a:endParaRPr lang="pl-PL" sz="1400" dirty="0" smtClean="0"/>
+          </a:p>
+          <a:p>
+            <a:r>
+              <a:rPr lang="pl-PL" sz="1400" dirty="0" smtClean="0"/>
+              <a:t>* http</a:t>
+            </a:r>
+            <a:r>
+              <a:rPr lang="pl-PL" sz="1400" dirty="0"/>
+              <a:t>://grokbase.com/t/hive/user/123dnszatz/non-equality-joins</a:t>
+            </a:r>
+          </a:p>
+        </p:txBody>
+      </p:sp>
+    </p:spTree>
+    <p:extLst>
+      <p:ext uri="{BB962C8B-B14F-4D97-AF65-F5344CB8AC3E}">
+        <p14:creationId xmlns:p14="http://schemas.microsoft.com/office/powerpoint/2010/main" val="1469396956"/>
+      </p:ext>
+    </p:extLst>
+  </p:cSld>
+  <p:clrMapOvr>
+    <a:masterClrMapping/>
+  </p:clrMapOvr>
+  <p:timing>
+    <p:tnLst>
+      <p:par>
+        <p:cTn id="1" dur="indefinite" restart="never" nodeType="tmRoot"/>
+      </p:par>
+    </p:tnLst>
+  </p:timing>
+</p:sld>
+</file>
+
+<file path=ppt/slides/slide47.xml><?xml version="1.0" encoding="utf-8"?>
+<p:sld xmlns:a="http://schemas.openxmlformats.org/drawingml/2006/main" xmlns:r="http://schemas.openxmlformats.org/officeDocument/2006/relationships" xmlns:p="http://schemas.openxmlformats.org/presentationml/2006/main">
+  <p:cSld>
+    <p:spTree>
+      <p:nvGrpSpPr>
+        <p:cNvPr id="1" name=""/>
+        <p:cNvGrpSpPr/>
+        <p:nvPr/>
+      </p:nvGrpSpPr>
+      <p:grpSpPr>
+        <a:xfrm>
+          <a:off x="0" y="0"/>
+          <a:ext cx="0" cy="0"/>
+          <a:chOff x="0" y="0"/>
+          <a:chExt cx="0" cy="0"/>
+        </a:xfrm>
+      </p:grpSpPr>
+      <p:sp>
+        <p:nvSpPr>
+          <p:cNvPr id="5" name="Tytuł 4"/>
+          <p:cNvSpPr>
+            <a:spLocks noGrp="1"/>
+          </p:cNvSpPr>
+          <p:nvPr>
+            <p:ph type="title"/>
+          </p:nvPr>
+        </p:nvSpPr>
+        <p:spPr/>
+        <p:txBody>
+          <a:bodyPr/>
+          <a:lstStyle/>
+          <a:p>
+            <a:r>
+              <a:rPr lang="pl-PL" dirty="0" smtClean="0"/>
+              <a:t>Dziękuję </a:t>
+            </a:r>
+            <a:r>
+              <a:rPr lang="pl-PL" dirty="0" smtClean="0"/>
+              <a:t>za uwagę</a:t>
+            </a:r>
+            <a:endParaRPr lang="pl-PL" dirty="0"/>
+          </a:p>
+        </p:txBody>
+      </p:sp>
+      <p:sp>
+        <p:nvSpPr>
+          <p:cNvPr id="2" name="Symbol zastępczy tekstu 1"/>
+          <p:cNvSpPr>
+            <a:spLocks noGrp="1"/>
+          </p:cNvSpPr>
+          <p:nvPr>
+            <p:ph type="body" idx="1"/>
+          </p:nvPr>
+        </p:nvSpPr>
+        <p:spPr/>
+        <p:txBody>
+          <a:bodyPr/>
+          <a:lstStyle/>
+          <a:p>
+            <a:pPr algn="r"/>
+            <a:r>
+              <a:rPr lang="pl-PL" dirty="0" smtClean="0"/>
+              <a:t>Pytania</a:t>
+            </a:r>
+            <a:endParaRPr lang="pl-PL" dirty="0"/>
+          </a:p>
+        </p:txBody>
+      </p:sp>
+      <p:sp>
+        <p:nvSpPr>
+          <p:cNvPr id="3" name="Symbol zastępczy numeru slajdu 2"/>
+          <p:cNvSpPr>
+            <a:spLocks noGrp="1"/>
+          </p:cNvSpPr>
+          <p:nvPr>
+            <p:ph type="sldNum" sz="quarter" idx="12"/>
+          </p:nvPr>
+        </p:nvSpPr>
+        <p:spPr/>
+        <p:txBody>
+          <a:bodyPr/>
+          <a:lstStyle/>
+          <a:p>
+            <a:fld id="{B7B2D0E0-4D7E-4A80-B5CA-CB21EB201799}" type="slidenum">
+              <a:rPr lang="pl-PL" smtClean="0"/>
+              <a:t>47</a:t>
+            </a:fld>
+            <a:endParaRPr lang="pl-PL" dirty="0"/>
+          </a:p>
+        </p:txBody>
+      </p:sp>
+    </p:spTree>
+    <p:extLst>
+      <p:ext uri="{BB962C8B-B14F-4D97-AF65-F5344CB8AC3E}">
+        <p14:creationId xmlns:p14="http://schemas.microsoft.com/office/powerpoint/2010/main" val="1569052338"/>
       </p:ext>
     </p:extLst>
   </p:cSld>

--- a/DbConf - Złączenia w modelu MapReduce - Lite.pptx
+++ b/DbConf - Złączenia w modelu MapReduce - Lite.pptx
@@ -341,11 +341,11 @@
         </c:dLbls>
         <c:gapWidth val="219"/>
         <c:overlap val="-27"/>
-        <c:axId val="188141240"/>
-        <c:axId val="188142024"/>
+        <c:axId val="324018656"/>
+        <c:axId val="324013168"/>
       </c:barChart>
       <c:catAx>
-        <c:axId val="188141240"/>
+        <c:axId val="324018656"/>
         <c:scaling>
           <c:orientation val="minMax"/>
         </c:scaling>
@@ -444,7 +444,7 @@
             <a:endParaRPr lang="pl-PL"/>
           </a:p>
         </c:txPr>
-        <c:crossAx val="188142024"/>
+        <c:crossAx val="324013168"/>
         <c:crosses val="autoZero"/>
         <c:auto val="1"/>
         <c:lblAlgn val="ctr"/>
@@ -452,7 +452,7 @@
         <c:noMultiLvlLbl val="0"/>
       </c:catAx>
       <c:valAx>
-        <c:axId val="188142024"/>
+        <c:axId val="324013168"/>
         <c:scaling>
           <c:orientation val="minMax"/>
         </c:scaling>
@@ -569,7 +569,7 @@
             <a:endParaRPr lang="pl-PL"/>
           </a:p>
         </c:txPr>
-        <c:crossAx val="188141240"/>
+        <c:crossAx val="324018656"/>
         <c:crosses val="autoZero"/>
         <c:crossBetween val="between"/>
       </c:valAx>
@@ -803,11 +803,11 @@
         </c:dLbls>
         <c:gapWidth val="219"/>
         <c:overlap val="-27"/>
-        <c:axId val="188143592"/>
-        <c:axId val="188140456"/>
+        <c:axId val="327166488"/>
+        <c:axId val="327169232"/>
       </c:barChart>
       <c:catAx>
-        <c:axId val="188143592"/>
+        <c:axId val="327166488"/>
         <c:scaling>
           <c:orientation val="minMax"/>
         </c:scaling>
@@ -906,7 +906,7 @@
             <a:endParaRPr lang="pl-PL"/>
           </a:p>
         </c:txPr>
-        <c:crossAx val="188140456"/>
+        <c:crossAx val="327169232"/>
         <c:crosses val="autoZero"/>
         <c:auto val="1"/>
         <c:lblAlgn val="ctr"/>
@@ -914,7 +914,7 @@
         <c:noMultiLvlLbl val="0"/>
       </c:catAx>
       <c:valAx>
-        <c:axId val="188140456"/>
+        <c:axId val="327169232"/>
         <c:scaling>
           <c:orientation val="minMax"/>
         </c:scaling>
@@ -1031,7 +1031,7 @@
             <a:endParaRPr lang="pl-PL"/>
           </a:p>
         </c:txPr>
-        <c:crossAx val="188143592"/>
+        <c:crossAx val="327166488"/>
         <c:crosses val="autoZero"/>
         <c:crossBetween val="between"/>
       </c:valAx>
@@ -2270,7 +2270,7 @@
           <a:p>
             <a:fld id="{59B9AD82-DDF1-4270-ACD9-442D1463AB9D}" type="datetimeFigureOut">
               <a:rPr lang="pl-PL" smtClean="0"/>
-              <a:t>2015-10-22</a:t>
+              <a:t>2015-10-23</a:t>
             </a:fld>
             <a:endParaRPr lang="pl-PL" dirty="0"/>
           </a:p>
@@ -2435,7 +2435,7 @@
           <a:p>
             <a:fld id="{7C3D76BE-27D7-443E-B3DE-A6950B964F01}" type="datetimeFigureOut">
               <a:rPr lang="pl-PL" smtClean="0"/>
-              <a:t>2015-10-22</a:t>
+              <a:t>2015-10-23</a:t>
             </a:fld>
             <a:endParaRPr lang="pl-PL" dirty="0"/>
           </a:p>
@@ -9233,7 +9233,7 @@
           <a:p>
             <a:fld id="{EB1615DA-D705-47A5-8624-E86A402AAB8A}" type="datetime1">
               <a:rPr lang="pl-PL" smtClean="0"/>
-              <a:t>2015-10-22</a:t>
+              <a:t>2015-10-23</a:t>
             </a:fld>
             <a:endParaRPr lang="pl-PL" dirty="0"/>
           </a:p>
@@ -9527,7 +9527,7 @@
           <a:p>
             <a:fld id="{BC9882A8-70E0-4361-B238-40D230230F64}" type="datetime1">
               <a:rPr lang="pl-PL" smtClean="0"/>
-              <a:t>2015-10-22</a:t>
+              <a:t>2015-10-23</a:t>
             </a:fld>
             <a:endParaRPr lang="pl-PL" dirty="0"/>
           </a:p>
@@ -9704,7 +9704,7 @@
           <a:p>
             <a:fld id="{520851BA-77DA-4D8B-8802-607D8E1A3F34}" type="datetime1">
               <a:rPr lang="pl-PL" smtClean="0"/>
-              <a:t>2015-10-22</a:t>
+              <a:t>2015-10-23</a:t>
             </a:fld>
             <a:endParaRPr lang="pl-PL" dirty="0"/>
           </a:p>
@@ -9834,7 +9834,7 @@
           <a:p>
             <a:fld id="{9A786E82-90BC-4350-87B7-E8F1ABE96372}" type="datetime1">
               <a:rPr lang="pl-PL" smtClean="0"/>
-              <a:t>2015-10-22</a:t>
+              <a:t>2015-10-23</a:t>
             </a:fld>
             <a:endParaRPr lang="pl-PL" dirty="0"/>
           </a:p>
@@ -10057,7 +10057,7 @@
           <a:p>
             <a:fld id="{A0DCFC4D-0A3E-4128-BA20-DFAA81B34B5A}" type="datetime1">
               <a:rPr lang="pl-PL" smtClean="0"/>
-              <a:t>2015-10-22</a:t>
+              <a:t>2015-10-23</a:t>
             </a:fld>
             <a:endParaRPr lang="pl-PL" dirty="0"/>
           </a:p>
@@ -10490,7 +10490,7 @@
           <a:p>
             <a:fld id="{5C0EE709-694E-4B0D-AF33-4606F8D0436B}" type="datetime1">
               <a:rPr lang="pl-PL" smtClean="0"/>
-              <a:t>2015-10-22</a:t>
+              <a:t>2015-10-23</a:t>
             </a:fld>
             <a:endParaRPr lang="pl-PL" dirty="0"/>
           </a:p>
@@ -10729,7 +10729,7 @@
           <a:p>
             <a:fld id="{68C5D55E-A0E3-4161-B6D7-AE55DC847B5A}" type="datetime1">
               <a:rPr lang="pl-PL" smtClean="0"/>
-              <a:t>2015-10-22</a:t>
+              <a:t>2015-10-23</a:t>
             </a:fld>
             <a:endParaRPr lang="pl-PL" dirty="0"/>
           </a:p>
@@ -11103,7 +11103,7 @@
           <a:p>
             <a:fld id="{CD962D76-0FB0-4AB7-8259-2D09CE71C8D1}" type="datetime1">
               <a:rPr lang="pl-PL" smtClean="0"/>
-              <a:t>2015-10-22</a:t>
+              <a:t>2015-10-23</a:t>
             </a:fld>
             <a:endParaRPr lang="pl-PL" dirty="0"/>
           </a:p>
@@ -11228,7 +11228,7 @@
           <a:p>
             <a:fld id="{E05A4A88-139D-4DB8-93B8-34BD81C591AC}" type="datetime1">
               <a:rPr lang="pl-PL" smtClean="0"/>
-              <a:t>2015-10-22</a:t>
+              <a:t>2015-10-23</a:t>
             </a:fld>
             <a:endParaRPr lang="pl-PL" dirty="0"/>
           </a:p>
@@ -11360,7 +11360,7 @@
           <a:p>
             <a:fld id="{CB4199E4-FBC3-4F7A-A512-17469B9BCEC1}" type="datetime1">
               <a:rPr lang="pl-PL" smtClean="0"/>
-              <a:t>2015-10-22</a:t>
+              <a:t>2015-10-23</a:t>
             </a:fld>
             <a:endParaRPr lang="pl-PL" dirty="0"/>
           </a:p>
@@ -11610,7 +11610,7 @@
           <a:p>
             <a:fld id="{12379EF3-71E5-4A11-8AF3-F07009D6E33E}" type="datetime1">
               <a:rPr lang="pl-PL" smtClean="0"/>
-              <a:t>2015-10-22</a:t>
+              <a:t>2015-10-23</a:t>
             </a:fld>
             <a:endParaRPr lang="pl-PL" dirty="0"/>
           </a:p>
@@ -13299,19 +13299,19 @@
             <a:pPr lvl="1"/>
             <a:r>
               <a:rPr lang="pl-PL" dirty="0" smtClean="0"/>
-              <a:t>Liczy produkt kartezjański pomiędzy buforami (np. w </a:t>
-            </a:r>
-            <a:r>
-              <a:rPr lang="pl-PL" i="1" dirty="0" err="1" smtClean="0"/>
-              <a:t>cleanup</a:t>
-            </a:r>
-            <a:r>
-              <a:rPr lang="pl-PL" i="1" dirty="0" smtClean="0"/>
-              <a:t>()</a:t>
-            </a:r>
-            <a:r>
-              <a:rPr lang="pl-PL" dirty="0" smtClean="0"/>
-              <a:t> albo po wywołaniu </a:t>
+              <a:t>Liczy produkt kartezjański pomiędzy buforami (np</a:t>
+            </a:r>
+            <a:r>
+              <a:rPr lang="pl-PL" smtClean="0"/>
+              <a:t>. </a:t>
+            </a:r>
+            <a:r>
+              <a:rPr lang="pl-PL" smtClean="0"/>
+              <a:t>po </a:t>
+            </a:r>
+            <a:r>
+              <a:rPr lang="pl-PL" dirty="0" smtClean="0"/>
+              <a:t>wywołaniu </a:t>
             </a:r>
             <a:r>
               <a:rPr lang="pl-PL" i="1" dirty="0" err="1" smtClean="0"/>
@@ -28071,11 +28071,7 @@
             <a:pPr lvl="1"/>
             <a:r>
               <a:rPr lang="pl-PL" dirty="0" smtClean="0"/>
-              <a:t>Wydajność </a:t>
-            </a:r>
-            <a:r>
-              <a:rPr lang="pl-PL" dirty="0" smtClean="0"/>
-              <a:t>– 3 minuty</a:t>
+              <a:t>Wydajność – 3 minuty</a:t>
             </a:r>
           </a:p>
           <a:p>
@@ -29600,11 +29596,7 @@
           <a:p>
             <a:r>
               <a:rPr lang="pl-PL" dirty="0" smtClean="0"/>
-              <a:t>Dziękuję </a:t>
-            </a:r>
-            <a:r>
-              <a:rPr lang="pl-PL" dirty="0" smtClean="0"/>
-              <a:t>za uwagę</a:t>
+              <a:t>Dziękuję za uwagę</a:t>
             </a:r>
             <a:endParaRPr lang="pl-PL" dirty="0"/>
           </a:p>
@@ -32363,11 +32355,7 @@
           <a:p>
             <a:r>
               <a:rPr lang="pl-PL" dirty="0" smtClean="0"/>
-              <a:t>Dziękuję </a:t>
-            </a:r>
-            <a:r>
-              <a:rPr lang="pl-PL" dirty="0" smtClean="0"/>
-              <a:t>za uwagę</a:t>
+              <a:t>Dziękuję za uwagę</a:t>
             </a:r>
             <a:endParaRPr lang="pl-PL" dirty="0"/>
           </a:p>
